--- a/New Microsoft PowerPoint Presentation.pptx
+++ b/New Microsoft PowerPoint Presentation.pptx
@@ -6,7 +6,9 @@
   </p:sldMasterIdLst>
   <p:sldIdLst>
     <p:sldId id="256" r:id="rId2"/>
-    <p:sldId id="257" r:id="rId3"/>
+    <p:sldId id="259" r:id="rId3"/>
+    <p:sldId id="257" r:id="rId4"/>
+    <p:sldId id="258" r:id="rId5"/>
   </p:sldIdLst>
   <p:sldSz cx="12192000" cy="6858000"/>
   <p:notesSz cx="6858000" cy="9144000"/>
@@ -105,6 +107,11 @@
       </a:defRPr>
     </a:lvl9pPr>
   </p:defaultTextStyle>
+  <p:extLst>
+    <p:ext uri="{EFAFB233-063F-42B5-8137-9DF3F51BA10A}">
+      <p15:sldGuideLst xmlns:p15="http://schemas.microsoft.com/office/powerpoint/2012/main"/>
+    </p:ext>
+  </p:extLst>
 </p:presentation>
 </file>
 
@@ -2975,7 +2982,12 @@
             <p:ph type="ctrTitle"/>
           </p:nvPr>
         </p:nvSpPr>
-        <p:spPr/>
+        <p:spPr>
+          <a:xfrm>
+            <a:off x="1441704" y="473139"/>
+            <a:ext cx="9144000" cy="962469"/>
+          </a:xfrm>
+        </p:spPr>
         <p:txBody>
           <a:bodyPr/>
           <a:lstStyle/>
@@ -3002,43 +3014,102 @@
             <p:ph type="subTitle" idx="1"/>
           </p:nvPr>
         </p:nvSpPr>
-        <p:spPr/>
+        <p:spPr>
+          <a:xfrm>
+            <a:off x="1524000" y="1554480"/>
+            <a:ext cx="9144000" cy="3703320"/>
+          </a:xfrm>
+        </p:spPr>
         <p:txBody>
           <a:bodyPr>
-            <a:normAutofit lnSpcReduction="10000"/>
+            <a:normAutofit fontScale="92500" lnSpcReduction="10000"/>
           </a:bodyPr>
           <a:lstStyle/>
           <a:p>
             <a:pPr algn="l"/>
             <a:r>
-              <a:rPr lang="en-US" dirty="0" smtClean="0"/>
-              <a:t>1. Take </a:t>
+              <a:rPr lang="en-US" b="1" dirty="0"/>
+              <a:t>Step 1:</a:t>
             </a:r>
             <a:r>
               <a:rPr lang="en-US" dirty="0"/>
-              <a:t>binary number</a:t>
+              <a:t> Write down the binary number and group the digits (0’s and 1’s) in sets of four. Start doing this from the right. If the leftmost group doesn’t have enough digits to make up a set of four, add extra 0’s to make a group.</a:t>
             </a:r>
           </a:p>
           <a:p>
             <a:pPr algn="l"/>
             <a:r>
-              <a:rPr lang="en-US" dirty="0" smtClean="0"/>
-              <a:t>2. Divide </a:t>
+              <a:rPr lang="en-US" b="1" dirty="0"/>
+              <a:t>Step 2:</a:t>
             </a:r>
             <a:r>
               <a:rPr lang="en-US" dirty="0"/>
-              <a:t>the binary digits into groups of four (starting from right) for integer part and start from left for fraction part.</a:t>
+              <a:t> Write 8, 4, 2 and 1 below each group. These are the weights of the positions or place holders in the number (2</a:t>
+            </a:r>
+            <a:r>
+              <a:rPr lang="en-US" baseline="30000" dirty="0"/>
+              <a:t>3</a:t>
+            </a:r>
+            <a:r>
+              <a:rPr lang="en-US" dirty="0"/>
+              <a:t>, 2</a:t>
+            </a:r>
+            <a:r>
+              <a:rPr lang="en-US" baseline="30000" dirty="0"/>
+              <a:t>2</a:t>
+            </a:r>
+            <a:r>
+              <a:rPr lang="en-US" dirty="0"/>
+              <a:t>, 2</a:t>
+            </a:r>
+            <a:r>
+              <a:rPr lang="en-US" baseline="30000" dirty="0"/>
+              <a:t>1</a:t>
+            </a:r>
+            <a:r>
+              <a:rPr lang="en-US" dirty="0"/>
+              <a:t> and 2</a:t>
+            </a:r>
+            <a:r>
+              <a:rPr lang="en-US" baseline="30000" dirty="0"/>
+              <a:t>0</a:t>
+            </a:r>
+            <a:r>
+              <a:rPr lang="en-US" dirty="0"/>
+              <a:t>).</a:t>
             </a:r>
           </a:p>
           <a:p>
             <a:pPr algn="l"/>
             <a:r>
-              <a:rPr lang="en-US" dirty="0" smtClean="0"/>
-              <a:t>3. Convert </a:t>
+              <a:rPr lang="en-US" b="1" dirty="0"/>
+              <a:t>Step 3:</a:t>
             </a:r>
             <a:r>
               <a:rPr lang="en-US" dirty="0"/>
-              <a:t>each group of four binary digits to one hexadecimal digit.</a:t>
+              <a:t> Every group of four in binary will give you one digit in hexadecimal. Multiply the 8, 4, 2 and 1’s by the digit above. </a:t>
+            </a:r>
+          </a:p>
+          <a:p>
+            <a:pPr algn="l"/>
+            <a:r>
+              <a:rPr lang="en-US" b="1" dirty="0"/>
+              <a:t>Step 4:</a:t>
+            </a:r>
+            <a:r>
+              <a:rPr lang="en-US" dirty="0"/>
+              <a:t> Add the products within each set of four. Write the sums below the groups they belong to.</a:t>
+            </a:r>
+          </a:p>
+          <a:p>
+            <a:pPr algn="l"/>
+            <a:r>
+              <a:rPr lang="en-US" b="1" dirty="0"/>
+              <a:t>Step 5:</a:t>
+            </a:r>
+            <a:r>
+              <a:rPr lang="en-US" dirty="0"/>
+              <a:t> The digits you get from the sums in each group will give you the hexadecimal number, from left to right.</a:t>
             </a:r>
           </a:p>
           <a:p>
@@ -3089,7 +3160,2348 @@
         </p:nvSpPr>
         <p:spPr>
           <a:xfrm>
-            <a:off x="1524000" y="1122363"/>
+            <a:off x="1441704" y="473139"/>
+            <a:ext cx="9144000" cy="962469"/>
+          </a:xfrm>
+        </p:spPr>
+        <p:txBody>
+          <a:bodyPr/>
+          <a:lstStyle/>
+          <a:p>
+            <a:r>
+              <a:rPr lang="en-US" dirty="0" smtClean="0"/>
+              <a:t>Binary to </a:t>
+            </a:r>
+            <a:r>
+              <a:rPr lang="en-US" dirty="0" err="1" smtClean="0"/>
+              <a:t>Hexa</a:t>
+            </a:r>
+            <a:endParaRPr lang="en-US" dirty="0"/>
+          </a:p>
+        </p:txBody>
+      </p:sp>
+      <p:graphicFrame>
+        <p:nvGraphicFramePr>
+          <p:cNvPr id="5" name="Table 4"/>
+          <p:cNvGraphicFramePr>
+            <a:graphicFrameLocks noGrp="1"/>
+          </p:cNvGraphicFramePr>
+          <p:nvPr>
+            <p:extLst>
+              <p:ext uri="{D42A27DB-BD31-4B8C-83A1-F6EECF244321}">
+                <p14:modId xmlns:p14="http://schemas.microsoft.com/office/powerpoint/2010/main" val="1748149735"/>
+              </p:ext>
+            </p:extLst>
+          </p:nvPr>
+        </p:nvGraphicFramePr>
+        <p:xfrm>
+          <a:off x="1337056" y="1741762"/>
+          <a:ext cx="8008112" cy="4416214"/>
+        </p:xfrm>
+        <a:graphic>
+          <a:graphicData uri="http://schemas.openxmlformats.org/drawingml/2006/table">
+            <a:tbl>
+              <a:tblPr firstRow="1" bandRow="1">
+                <a:tableStyleId>{5C22544A-7EE6-4342-B048-85BDC9FD1C3A}</a:tableStyleId>
+              </a:tblPr>
+              <a:tblGrid>
+                <a:gridCol w="1796991"/>
+                <a:gridCol w="3090558"/>
+                <a:gridCol w="3120563"/>
+              </a:tblGrid>
+              <a:tr h="0">
+                <a:tc>
+                  <a:txBody>
+                    <a:bodyPr/>
+                    <a:lstStyle/>
+                    <a:p>
+                      <a:endParaRPr lang="en-US" dirty="0">
+                        <a:solidFill>
+                          <a:schemeClr val="tx1"/>
+                        </a:solidFill>
+                      </a:endParaRPr>
+                    </a:p>
+                  </a:txBody>
+                  <a:tcPr>
+                    <a:lnL w="12700" cap="flat" cmpd="sng" algn="ctr">
+                      <a:solidFill>
+                        <a:schemeClr val="tx1"/>
+                      </a:solidFill>
+                      <a:prstDash val="solid"/>
+                      <a:round/>
+                      <a:headEnd type="none" w="med" len="med"/>
+                      <a:tailEnd type="none" w="med" len="med"/>
+                    </a:lnL>
+                    <a:lnR w="12700" cap="flat" cmpd="sng" algn="ctr">
+                      <a:solidFill>
+                        <a:schemeClr val="tx1"/>
+                      </a:solidFill>
+                      <a:prstDash val="solid"/>
+                      <a:round/>
+                      <a:headEnd type="none" w="med" len="med"/>
+                      <a:tailEnd type="none" w="med" len="med"/>
+                    </a:lnR>
+                    <a:lnT w="12700" cap="flat" cmpd="sng" algn="ctr">
+                      <a:solidFill>
+                        <a:schemeClr val="tx1"/>
+                      </a:solidFill>
+                      <a:prstDash val="solid"/>
+                      <a:round/>
+                      <a:headEnd type="none" w="med" len="med"/>
+                      <a:tailEnd type="none" w="med" len="med"/>
+                    </a:lnT>
+                    <a:lnB w="12700" cap="flat" cmpd="sng" algn="ctr">
+                      <a:solidFill>
+                        <a:schemeClr val="tx1"/>
+                      </a:solidFill>
+                      <a:prstDash val="solid"/>
+                      <a:round/>
+                      <a:headEnd type="none" w="med" len="med"/>
+                      <a:tailEnd type="none" w="med" len="med"/>
+                    </a:lnB>
+                    <a:lnTlToBr w="12700" cmpd="sng">
+                      <a:noFill/>
+                      <a:prstDash val="solid"/>
+                    </a:lnTlToBr>
+                    <a:lnBlToTr w="12700" cmpd="sng">
+                      <a:noFill/>
+                      <a:prstDash val="solid"/>
+                    </a:lnBlToTr>
+                    <a:noFill/>
+                  </a:tcPr>
+                </a:tc>
+                <a:tc>
+                  <a:txBody>
+                    <a:bodyPr/>
+                    <a:lstStyle/>
+                    <a:p>
+                      <a:pPr algn="ctr"/>
+                      <a:endParaRPr lang="en-US" dirty="0">
+                        <a:solidFill>
+                          <a:schemeClr val="tx1"/>
+                        </a:solidFill>
+                      </a:endParaRPr>
+                    </a:p>
+                  </a:txBody>
+                  <a:tcPr>
+                    <a:lnL w="12700" cap="flat" cmpd="sng" algn="ctr">
+                      <a:solidFill>
+                        <a:schemeClr val="tx1"/>
+                      </a:solidFill>
+                      <a:prstDash val="solid"/>
+                      <a:round/>
+                      <a:headEnd type="none" w="med" len="med"/>
+                      <a:tailEnd type="none" w="med" len="med"/>
+                    </a:lnL>
+                    <a:lnR w="12700" cap="flat" cmpd="sng" algn="ctr">
+                      <a:solidFill>
+                        <a:schemeClr val="tx1"/>
+                      </a:solidFill>
+                      <a:prstDash val="solid"/>
+                      <a:round/>
+                      <a:headEnd type="none" w="med" len="med"/>
+                      <a:tailEnd type="none" w="med" len="med"/>
+                    </a:lnR>
+                    <a:lnT w="12700" cap="flat" cmpd="sng" algn="ctr">
+                      <a:solidFill>
+                        <a:schemeClr val="tx1"/>
+                      </a:solidFill>
+                      <a:prstDash val="solid"/>
+                      <a:round/>
+                      <a:headEnd type="none" w="med" len="med"/>
+                      <a:tailEnd type="none" w="med" len="med"/>
+                    </a:lnT>
+                    <a:lnB w="12700" cap="flat" cmpd="sng" algn="ctr">
+                      <a:solidFill>
+                        <a:schemeClr val="tx1"/>
+                      </a:solidFill>
+                      <a:prstDash val="solid"/>
+                      <a:round/>
+                      <a:headEnd type="none" w="med" len="med"/>
+                      <a:tailEnd type="none" w="med" len="med"/>
+                    </a:lnB>
+                    <a:lnTlToBr w="12700" cmpd="sng">
+                      <a:noFill/>
+                      <a:prstDash val="solid"/>
+                    </a:lnTlToBr>
+                    <a:lnBlToTr w="12700" cmpd="sng">
+                      <a:noFill/>
+                      <a:prstDash val="solid"/>
+                    </a:lnBlToTr>
+                    <a:noFill/>
+                  </a:tcPr>
+                </a:tc>
+                <a:tc>
+                  <a:txBody>
+                    <a:bodyPr/>
+                    <a:lstStyle/>
+                    <a:p>
+                      <a:pPr algn="ctr"/>
+                      <a:endParaRPr lang="en-US" dirty="0">
+                        <a:solidFill>
+                          <a:schemeClr val="tx1"/>
+                        </a:solidFill>
+                      </a:endParaRPr>
+                    </a:p>
+                  </a:txBody>
+                  <a:tcPr>
+                    <a:lnL w="12700" cap="flat" cmpd="sng" algn="ctr">
+                      <a:solidFill>
+                        <a:schemeClr val="tx1"/>
+                      </a:solidFill>
+                      <a:prstDash val="solid"/>
+                      <a:round/>
+                      <a:headEnd type="none" w="med" len="med"/>
+                      <a:tailEnd type="none" w="med" len="med"/>
+                    </a:lnL>
+                    <a:lnR w="12700" cap="flat" cmpd="sng" algn="ctr">
+                      <a:solidFill>
+                        <a:schemeClr val="tx1"/>
+                      </a:solidFill>
+                      <a:prstDash val="solid"/>
+                      <a:round/>
+                      <a:headEnd type="none" w="med" len="med"/>
+                      <a:tailEnd type="none" w="med" len="med"/>
+                    </a:lnR>
+                    <a:lnT w="12700" cap="flat" cmpd="sng" algn="ctr">
+                      <a:solidFill>
+                        <a:schemeClr val="tx1"/>
+                      </a:solidFill>
+                      <a:prstDash val="solid"/>
+                      <a:round/>
+                      <a:headEnd type="none" w="med" len="med"/>
+                      <a:tailEnd type="none" w="med" len="med"/>
+                    </a:lnT>
+                    <a:lnB w="12700" cap="flat" cmpd="sng" algn="ctr">
+                      <a:solidFill>
+                        <a:schemeClr val="tx1"/>
+                      </a:solidFill>
+                      <a:prstDash val="solid"/>
+                      <a:round/>
+                      <a:headEnd type="none" w="med" len="med"/>
+                      <a:tailEnd type="none" w="med" len="med"/>
+                    </a:lnB>
+                    <a:lnTlToBr w="12700" cmpd="sng">
+                      <a:noFill/>
+                      <a:prstDash val="solid"/>
+                    </a:lnTlToBr>
+                    <a:lnBlToTr w="12700" cmpd="sng">
+                      <a:noFill/>
+                      <a:prstDash val="solid"/>
+                    </a:lnBlToTr>
+                    <a:noFill/>
+                  </a:tcPr>
+                </a:tc>
+              </a:tr>
+              <a:tr h="443654">
+                <a:tc>
+                  <a:txBody>
+                    <a:bodyPr/>
+                    <a:lstStyle/>
+                    <a:p>
+                      <a:pPr marL="0" marR="0" indent="0" algn="l" defTabSz="914400" rtl="0" eaLnBrk="1" fontAlgn="auto" latinLnBrk="0" hangingPunct="1">
+                        <a:lnSpc>
+                          <a:spcPct val="100000"/>
+                        </a:lnSpc>
+                        <a:spcBef>
+                          <a:spcPts val="0"/>
+                        </a:spcBef>
+                        <a:spcAft>
+                          <a:spcPts val="0"/>
+                        </a:spcAft>
+                        <a:buClrTx/>
+                        <a:buSzTx/>
+                        <a:buFontTx/>
+                        <a:buNone/>
+                        <a:tabLst/>
+                        <a:defRPr/>
+                      </a:pPr>
+                      <a:r>
+                        <a:rPr lang="en-US" dirty="0" smtClean="0">
+                          <a:solidFill>
+                            <a:schemeClr val="tx1"/>
+                          </a:solidFill>
+                        </a:rPr>
+                        <a:t>Step 1</a:t>
+                      </a:r>
+                    </a:p>
+                  </a:txBody>
+                  <a:tcPr>
+                    <a:lnL w="12700" cap="flat" cmpd="sng" algn="ctr">
+                      <a:solidFill>
+                        <a:schemeClr val="tx1"/>
+                      </a:solidFill>
+                      <a:prstDash val="solid"/>
+                      <a:round/>
+                      <a:headEnd type="none" w="med" len="med"/>
+                      <a:tailEnd type="none" w="med" len="med"/>
+                    </a:lnL>
+                    <a:lnR w="12700" cap="flat" cmpd="sng" algn="ctr">
+                      <a:solidFill>
+                        <a:schemeClr val="tx1"/>
+                      </a:solidFill>
+                      <a:prstDash val="solid"/>
+                      <a:round/>
+                      <a:headEnd type="none" w="med" len="med"/>
+                      <a:tailEnd type="none" w="med" len="med"/>
+                    </a:lnR>
+                    <a:lnT w="12700" cap="flat" cmpd="sng" algn="ctr">
+                      <a:solidFill>
+                        <a:schemeClr val="tx1"/>
+                      </a:solidFill>
+                      <a:prstDash val="solid"/>
+                      <a:round/>
+                      <a:headEnd type="none" w="med" len="med"/>
+                      <a:tailEnd type="none" w="med" len="med"/>
+                    </a:lnT>
+                    <a:lnB w="12700" cap="flat" cmpd="sng" algn="ctr">
+                      <a:solidFill>
+                        <a:schemeClr val="tx1"/>
+                      </a:solidFill>
+                      <a:prstDash val="solid"/>
+                      <a:round/>
+                      <a:headEnd type="none" w="med" len="med"/>
+                      <a:tailEnd type="none" w="med" len="med"/>
+                    </a:lnB>
+                    <a:lnTlToBr w="12700" cmpd="sng">
+                      <a:noFill/>
+                      <a:prstDash val="solid"/>
+                    </a:lnTlToBr>
+                    <a:lnBlToTr w="12700" cmpd="sng">
+                      <a:noFill/>
+                      <a:prstDash val="solid"/>
+                    </a:lnBlToTr>
+                    <a:noFill/>
+                  </a:tcPr>
+                </a:tc>
+                <a:tc>
+                  <a:txBody>
+                    <a:bodyPr/>
+                    <a:lstStyle/>
+                    <a:p>
+                      <a:pPr algn="ctr"/>
+                      <a:r>
+                        <a:rPr lang="en-US" sz="1800" b="0" i="0" kern="1200" dirty="0" smtClean="0">
+                          <a:solidFill>
+                            <a:schemeClr val="tx1"/>
+                          </a:solidFill>
+                          <a:effectLst/>
+                          <a:latin typeface="+mn-lt"/>
+                          <a:ea typeface="+mn-ea"/>
+                          <a:cs typeface="+mn-cs"/>
+                        </a:rPr>
+                        <a:t>1010</a:t>
+                      </a:r>
+                      <a:endParaRPr lang="en-US" dirty="0">
+                        <a:solidFill>
+                          <a:schemeClr val="tx1"/>
+                        </a:solidFill>
+                      </a:endParaRPr>
+                    </a:p>
+                  </a:txBody>
+                  <a:tcPr>
+                    <a:lnL w="12700" cap="flat" cmpd="sng" algn="ctr">
+                      <a:solidFill>
+                        <a:schemeClr val="tx1"/>
+                      </a:solidFill>
+                      <a:prstDash val="solid"/>
+                      <a:round/>
+                      <a:headEnd type="none" w="med" len="med"/>
+                      <a:tailEnd type="none" w="med" len="med"/>
+                    </a:lnL>
+                    <a:lnR w="12700" cap="flat" cmpd="sng" algn="ctr">
+                      <a:solidFill>
+                        <a:schemeClr val="tx1"/>
+                      </a:solidFill>
+                      <a:prstDash val="solid"/>
+                      <a:round/>
+                      <a:headEnd type="none" w="med" len="med"/>
+                      <a:tailEnd type="none" w="med" len="med"/>
+                    </a:lnR>
+                    <a:lnT w="12700" cap="flat" cmpd="sng" algn="ctr">
+                      <a:solidFill>
+                        <a:schemeClr val="tx1"/>
+                      </a:solidFill>
+                      <a:prstDash val="solid"/>
+                      <a:round/>
+                      <a:headEnd type="none" w="med" len="med"/>
+                      <a:tailEnd type="none" w="med" len="med"/>
+                    </a:lnT>
+                    <a:lnB w="12700" cap="flat" cmpd="sng" algn="ctr">
+                      <a:solidFill>
+                        <a:schemeClr val="tx1"/>
+                      </a:solidFill>
+                      <a:prstDash val="solid"/>
+                      <a:round/>
+                      <a:headEnd type="none" w="med" len="med"/>
+                      <a:tailEnd type="none" w="med" len="med"/>
+                    </a:lnB>
+                    <a:lnTlToBr w="12700" cmpd="sng">
+                      <a:noFill/>
+                      <a:prstDash val="solid"/>
+                    </a:lnTlToBr>
+                    <a:lnBlToTr w="12700" cmpd="sng">
+                      <a:noFill/>
+                      <a:prstDash val="solid"/>
+                    </a:lnBlToTr>
+                    <a:noFill/>
+                  </a:tcPr>
+                </a:tc>
+                <a:tc>
+                  <a:txBody>
+                    <a:bodyPr/>
+                    <a:lstStyle/>
+                    <a:p>
+                      <a:pPr algn="ctr"/>
+                      <a:r>
+                        <a:rPr lang="en-US" sz="1800" b="0" i="0" kern="1200" dirty="0" smtClean="0">
+                          <a:solidFill>
+                            <a:schemeClr val="tx1"/>
+                          </a:solidFill>
+                          <a:effectLst/>
+                          <a:latin typeface="+mn-lt"/>
+                          <a:ea typeface="+mn-ea"/>
+                          <a:cs typeface="+mn-cs"/>
+                        </a:rPr>
+                        <a:t>1101</a:t>
+                      </a:r>
+                      <a:endParaRPr lang="en-US" dirty="0">
+                        <a:solidFill>
+                          <a:schemeClr val="tx1"/>
+                        </a:solidFill>
+                      </a:endParaRPr>
+                    </a:p>
+                  </a:txBody>
+                  <a:tcPr>
+                    <a:lnL w="12700" cap="flat" cmpd="sng" algn="ctr">
+                      <a:solidFill>
+                        <a:schemeClr val="tx1"/>
+                      </a:solidFill>
+                      <a:prstDash val="solid"/>
+                      <a:round/>
+                      <a:headEnd type="none" w="med" len="med"/>
+                      <a:tailEnd type="none" w="med" len="med"/>
+                    </a:lnL>
+                    <a:lnR w="12700" cap="flat" cmpd="sng" algn="ctr">
+                      <a:solidFill>
+                        <a:schemeClr val="tx1"/>
+                      </a:solidFill>
+                      <a:prstDash val="solid"/>
+                      <a:round/>
+                      <a:headEnd type="none" w="med" len="med"/>
+                      <a:tailEnd type="none" w="med" len="med"/>
+                    </a:lnR>
+                    <a:lnT w="12700" cap="flat" cmpd="sng" algn="ctr">
+                      <a:solidFill>
+                        <a:schemeClr val="tx1"/>
+                      </a:solidFill>
+                      <a:prstDash val="solid"/>
+                      <a:round/>
+                      <a:headEnd type="none" w="med" len="med"/>
+                      <a:tailEnd type="none" w="med" len="med"/>
+                    </a:lnT>
+                    <a:lnB w="12700" cap="flat" cmpd="sng" algn="ctr">
+                      <a:solidFill>
+                        <a:schemeClr val="tx1"/>
+                      </a:solidFill>
+                      <a:prstDash val="solid"/>
+                      <a:round/>
+                      <a:headEnd type="none" w="med" len="med"/>
+                      <a:tailEnd type="none" w="med" len="med"/>
+                    </a:lnB>
+                    <a:lnTlToBr w="12700" cmpd="sng">
+                      <a:noFill/>
+                      <a:prstDash val="solid"/>
+                    </a:lnTlToBr>
+                    <a:lnBlToTr w="12700" cmpd="sng">
+                      <a:noFill/>
+                      <a:prstDash val="solid"/>
+                    </a:lnBlToTr>
+                    <a:noFill/>
+                  </a:tcPr>
+                </a:tc>
+              </a:tr>
+              <a:tr h="370840">
+                <a:tc>
+                  <a:txBody>
+                    <a:bodyPr/>
+                    <a:lstStyle/>
+                    <a:p>
+                      <a:endParaRPr lang="en-US">
+                        <a:solidFill>
+                          <a:schemeClr val="tx1"/>
+                        </a:solidFill>
+                      </a:endParaRPr>
+                    </a:p>
+                  </a:txBody>
+                  <a:tcPr>
+                    <a:lnL w="12700" cap="flat" cmpd="sng" algn="ctr">
+                      <a:solidFill>
+                        <a:schemeClr val="tx1"/>
+                      </a:solidFill>
+                      <a:prstDash val="solid"/>
+                      <a:round/>
+                      <a:headEnd type="none" w="med" len="med"/>
+                      <a:tailEnd type="none" w="med" len="med"/>
+                    </a:lnL>
+                    <a:lnR w="12700" cap="flat" cmpd="sng" algn="ctr">
+                      <a:solidFill>
+                        <a:schemeClr val="tx1"/>
+                      </a:solidFill>
+                      <a:prstDash val="solid"/>
+                      <a:round/>
+                      <a:headEnd type="none" w="med" len="med"/>
+                      <a:tailEnd type="none" w="med" len="med"/>
+                    </a:lnR>
+                    <a:lnT w="12700" cap="flat" cmpd="sng" algn="ctr">
+                      <a:solidFill>
+                        <a:schemeClr val="tx1"/>
+                      </a:solidFill>
+                      <a:prstDash val="solid"/>
+                      <a:round/>
+                      <a:headEnd type="none" w="med" len="med"/>
+                      <a:tailEnd type="none" w="med" len="med"/>
+                    </a:lnT>
+                    <a:lnB w="12700" cap="flat" cmpd="sng" algn="ctr">
+                      <a:solidFill>
+                        <a:schemeClr val="tx1"/>
+                      </a:solidFill>
+                      <a:prstDash val="solid"/>
+                      <a:round/>
+                      <a:headEnd type="none" w="med" len="med"/>
+                      <a:tailEnd type="none" w="med" len="med"/>
+                    </a:lnB>
+                    <a:lnTlToBr w="12700" cmpd="sng">
+                      <a:noFill/>
+                      <a:prstDash val="solid"/>
+                    </a:lnTlToBr>
+                    <a:lnBlToTr w="12700" cmpd="sng">
+                      <a:noFill/>
+                      <a:prstDash val="solid"/>
+                    </a:lnBlToTr>
+                    <a:noFill/>
+                  </a:tcPr>
+                </a:tc>
+                <a:tc>
+                  <a:txBody>
+                    <a:bodyPr/>
+                    <a:lstStyle/>
+                    <a:p>
+                      <a:pPr algn="ctr"/>
+                      <a:endParaRPr lang="en-US" dirty="0">
+                        <a:solidFill>
+                          <a:schemeClr val="tx1"/>
+                        </a:solidFill>
+                      </a:endParaRPr>
+                    </a:p>
+                  </a:txBody>
+                  <a:tcPr>
+                    <a:lnL w="12700" cap="flat" cmpd="sng" algn="ctr">
+                      <a:solidFill>
+                        <a:schemeClr val="tx1"/>
+                      </a:solidFill>
+                      <a:prstDash val="solid"/>
+                      <a:round/>
+                      <a:headEnd type="none" w="med" len="med"/>
+                      <a:tailEnd type="none" w="med" len="med"/>
+                    </a:lnL>
+                    <a:lnR w="12700" cap="flat" cmpd="sng" algn="ctr">
+                      <a:solidFill>
+                        <a:schemeClr val="tx1"/>
+                      </a:solidFill>
+                      <a:prstDash val="solid"/>
+                      <a:round/>
+                      <a:headEnd type="none" w="med" len="med"/>
+                      <a:tailEnd type="none" w="med" len="med"/>
+                    </a:lnR>
+                    <a:lnT w="12700" cap="flat" cmpd="sng" algn="ctr">
+                      <a:solidFill>
+                        <a:schemeClr val="tx1"/>
+                      </a:solidFill>
+                      <a:prstDash val="solid"/>
+                      <a:round/>
+                      <a:headEnd type="none" w="med" len="med"/>
+                      <a:tailEnd type="none" w="med" len="med"/>
+                    </a:lnT>
+                    <a:lnB w="12700" cap="flat" cmpd="sng" algn="ctr">
+                      <a:solidFill>
+                        <a:schemeClr val="tx1"/>
+                      </a:solidFill>
+                      <a:prstDash val="solid"/>
+                      <a:round/>
+                      <a:headEnd type="none" w="med" len="med"/>
+                      <a:tailEnd type="none" w="med" len="med"/>
+                    </a:lnB>
+                    <a:lnTlToBr w="12700" cmpd="sng">
+                      <a:noFill/>
+                      <a:prstDash val="solid"/>
+                    </a:lnTlToBr>
+                    <a:lnBlToTr w="12700" cmpd="sng">
+                      <a:noFill/>
+                      <a:prstDash val="solid"/>
+                    </a:lnBlToTr>
+                    <a:noFill/>
+                  </a:tcPr>
+                </a:tc>
+                <a:tc>
+                  <a:txBody>
+                    <a:bodyPr/>
+                    <a:lstStyle/>
+                    <a:p>
+                      <a:pPr algn="ctr"/>
+                      <a:endParaRPr lang="en-US" dirty="0">
+                        <a:solidFill>
+                          <a:schemeClr val="tx1"/>
+                        </a:solidFill>
+                      </a:endParaRPr>
+                    </a:p>
+                  </a:txBody>
+                  <a:tcPr>
+                    <a:lnL w="12700" cap="flat" cmpd="sng" algn="ctr">
+                      <a:solidFill>
+                        <a:schemeClr val="tx1"/>
+                      </a:solidFill>
+                      <a:prstDash val="solid"/>
+                      <a:round/>
+                      <a:headEnd type="none" w="med" len="med"/>
+                      <a:tailEnd type="none" w="med" len="med"/>
+                    </a:lnL>
+                    <a:lnR w="12700" cap="flat" cmpd="sng" algn="ctr">
+                      <a:solidFill>
+                        <a:schemeClr val="tx1"/>
+                      </a:solidFill>
+                      <a:prstDash val="solid"/>
+                      <a:round/>
+                      <a:headEnd type="none" w="med" len="med"/>
+                      <a:tailEnd type="none" w="med" len="med"/>
+                    </a:lnR>
+                    <a:lnT w="12700" cap="flat" cmpd="sng" algn="ctr">
+                      <a:solidFill>
+                        <a:schemeClr val="tx1"/>
+                      </a:solidFill>
+                      <a:prstDash val="solid"/>
+                      <a:round/>
+                      <a:headEnd type="none" w="med" len="med"/>
+                      <a:tailEnd type="none" w="med" len="med"/>
+                    </a:lnT>
+                    <a:lnB w="12700" cap="flat" cmpd="sng" algn="ctr">
+                      <a:solidFill>
+                        <a:schemeClr val="tx1"/>
+                      </a:solidFill>
+                      <a:prstDash val="solid"/>
+                      <a:round/>
+                      <a:headEnd type="none" w="med" len="med"/>
+                      <a:tailEnd type="none" w="med" len="med"/>
+                    </a:lnB>
+                    <a:lnTlToBr w="12700" cmpd="sng">
+                      <a:noFill/>
+                      <a:prstDash val="solid"/>
+                    </a:lnTlToBr>
+                    <a:lnBlToTr w="12700" cmpd="sng">
+                      <a:noFill/>
+                      <a:prstDash val="solid"/>
+                    </a:lnBlToTr>
+                    <a:noFill/>
+                  </a:tcPr>
+                </a:tc>
+              </a:tr>
+              <a:tr h="370840">
+                <a:tc>
+                  <a:txBody>
+                    <a:bodyPr/>
+                    <a:lstStyle/>
+                    <a:p>
+                      <a:r>
+                        <a:rPr lang="en-US" dirty="0" smtClean="0">
+                          <a:solidFill>
+                            <a:schemeClr val="tx1"/>
+                          </a:solidFill>
+                        </a:rPr>
+                        <a:t>Step</a:t>
+                      </a:r>
+                      <a:r>
+                        <a:rPr lang="en-US" baseline="0" dirty="0" smtClean="0">
+                          <a:solidFill>
+                            <a:schemeClr val="tx1"/>
+                          </a:solidFill>
+                        </a:rPr>
+                        <a:t> 2</a:t>
+                      </a:r>
+                      <a:endParaRPr lang="en-US" dirty="0">
+                        <a:solidFill>
+                          <a:schemeClr val="tx1"/>
+                        </a:solidFill>
+                      </a:endParaRPr>
+                    </a:p>
+                  </a:txBody>
+                  <a:tcPr>
+                    <a:lnL w="12700" cap="flat" cmpd="sng" algn="ctr">
+                      <a:solidFill>
+                        <a:schemeClr val="tx1"/>
+                      </a:solidFill>
+                      <a:prstDash val="solid"/>
+                      <a:round/>
+                      <a:headEnd type="none" w="med" len="med"/>
+                      <a:tailEnd type="none" w="med" len="med"/>
+                    </a:lnL>
+                    <a:lnR w="12700" cap="flat" cmpd="sng" algn="ctr">
+                      <a:solidFill>
+                        <a:schemeClr val="tx1"/>
+                      </a:solidFill>
+                      <a:prstDash val="solid"/>
+                      <a:round/>
+                      <a:headEnd type="none" w="med" len="med"/>
+                      <a:tailEnd type="none" w="med" len="med"/>
+                    </a:lnR>
+                    <a:lnT w="12700" cap="flat" cmpd="sng" algn="ctr">
+                      <a:solidFill>
+                        <a:schemeClr val="tx1"/>
+                      </a:solidFill>
+                      <a:prstDash val="solid"/>
+                      <a:round/>
+                      <a:headEnd type="none" w="med" len="med"/>
+                      <a:tailEnd type="none" w="med" len="med"/>
+                    </a:lnT>
+                    <a:lnB w="12700" cap="flat" cmpd="sng" algn="ctr">
+                      <a:solidFill>
+                        <a:schemeClr val="tx1"/>
+                      </a:solidFill>
+                      <a:prstDash val="solid"/>
+                      <a:round/>
+                      <a:headEnd type="none" w="med" len="med"/>
+                      <a:tailEnd type="none" w="med" len="med"/>
+                    </a:lnB>
+                    <a:lnTlToBr w="12700" cmpd="sng">
+                      <a:noFill/>
+                      <a:prstDash val="solid"/>
+                    </a:lnTlToBr>
+                    <a:lnBlToTr w="12700" cmpd="sng">
+                      <a:noFill/>
+                      <a:prstDash val="solid"/>
+                    </a:lnBlToTr>
+                    <a:noFill/>
+                  </a:tcPr>
+                </a:tc>
+                <a:tc>
+                  <a:txBody>
+                    <a:bodyPr/>
+                    <a:lstStyle/>
+                    <a:p>
+                      <a:pPr algn="ctr"/>
+                      <a:r>
+                        <a:rPr lang="en-US" dirty="0" smtClean="0">
+                          <a:solidFill>
+                            <a:schemeClr val="tx1"/>
+                          </a:solidFill>
+                        </a:rPr>
+                        <a:t>8 4 2 1</a:t>
+                      </a:r>
+                      <a:endParaRPr lang="en-US" dirty="0">
+                        <a:solidFill>
+                          <a:schemeClr val="tx1"/>
+                        </a:solidFill>
+                      </a:endParaRPr>
+                    </a:p>
+                  </a:txBody>
+                  <a:tcPr>
+                    <a:lnL w="12700" cap="flat" cmpd="sng" algn="ctr">
+                      <a:solidFill>
+                        <a:schemeClr val="tx1"/>
+                      </a:solidFill>
+                      <a:prstDash val="solid"/>
+                      <a:round/>
+                      <a:headEnd type="none" w="med" len="med"/>
+                      <a:tailEnd type="none" w="med" len="med"/>
+                    </a:lnL>
+                    <a:lnR w="12700" cap="flat" cmpd="sng" algn="ctr">
+                      <a:solidFill>
+                        <a:schemeClr val="tx1"/>
+                      </a:solidFill>
+                      <a:prstDash val="solid"/>
+                      <a:round/>
+                      <a:headEnd type="none" w="med" len="med"/>
+                      <a:tailEnd type="none" w="med" len="med"/>
+                    </a:lnR>
+                    <a:lnT w="12700" cap="flat" cmpd="sng" algn="ctr">
+                      <a:solidFill>
+                        <a:schemeClr val="tx1"/>
+                      </a:solidFill>
+                      <a:prstDash val="solid"/>
+                      <a:round/>
+                      <a:headEnd type="none" w="med" len="med"/>
+                      <a:tailEnd type="none" w="med" len="med"/>
+                    </a:lnT>
+                    <a:lnB w="12700" cap="flat" cmpd="sng" algn="ctr">
+                      <a:solidFill>
+                        <a:schemeClr val="tx1"/>
+                      </a:solidFill>
+                      <a:prstDash val="solid"/>
+                      <a:round/>
+                      <a:headEnd type="none" w="med" len="med"/>
+                      <a:tailEnd type="none" w="med" len="med"/>
+                    </a:lnB>
+                    <a:lnTlToBr w="12700" cmpd="sng">
+                      <a:noFill/>
+                      <a:prstDash val="solid"/>
+                    </a:lnTlToBr>
+                    <a:lnBlToTr w="12700" cmpd="sng">
+                      <a:noFill/>
+                      <a:prstDash val="solid"/>
+                    </a:lnBlToTr>
+                    <a:noFill/>
+                  </a:tcPr>
+                </a:tc>
+                <a:tc>
+                  <a:txBody>
+                    <a:bodyPr/>
+                    <a:lstStyle/>
+                    <a:p>
+                      <a:pPr algn="ctr"/>
+                      <a:r>
+                        <a:rPr lang="en-US" dirty="0" smtClean="0">
+                          <a:solidFill>
+                            <a:schemeClr val="tx1"/>
+                          </a:solidFill>
+                        </a:rPr>
+                        <a:t>8 4 2 1</a:t>
+                      </a:r>
+                      <a:endParaRPr lang="en-US" dirty="0">
+                        <a:solidFill>
+                          <a:schemeClr val="tx1"/>
+                        </a:solidFill>
+                      </a:endParaRPr>
+                    </a:p>
+                  </a:txBody>
+                  <a:tcPr>
+                    <a:lnL w="12700" cap="flat" cmpd="sng" algn="ctr">
+                      <a:solidFill>
+                        <a:schemeClr val="tx1"/>
+                      </a:solidFill>
+                      <a:prstDash val="solid"/>
+                      <a:round/>
+                      <a:headEnd type="none" w="med" len="med"/>
+                      <a:tailEnd type="none" w="med" len="med"/>
+                    </a:lnL>
+                    <a:lnR w="12700" cap="flat" cmpd="sng" algn="ctr">
+                      <a:solidFill>
+                        <a:schemeClr val="tx1"/>
+                      </a:solidFill>
+                      <a:prstDash val="solid"/>
+                      <a:round/>
+                      <a:headEnd type="none" w="med" len="med"/>
+                      <a:tailEnd type="none" w="med" len="med"/>
+                    </a:lnR>
+                    <a:lnT w="12700" cap="flat" cmpd="sng" algn="ctr">
+                      <a:solidFill>
+                        <a:schemeClr val="tx1"/>
+                      </a:solidFill>
+                      <a:prstDash val="solid"/>
+                      <a:round/>
+                      <a:headEnd type="none" w="med" len="med"/>
+                      <a:tailEnd type="none" w="med" len="med"/>
+                    </a:lnT>
+                    <a:lnB w="12700" cap="flat" cmpd="sng" algn="ctr">
+                      <a:solidFill>
+                        <a:schemeClr val="tx1"/>
+                      </a:solidFill>
+                      <a:prstDash val="solid"/>
+                      <a:round/>
+                      <a:headEnd type="none" w="med" len="med"/>
+                      <a:tailEnd type="none" w="med" len="med"/>
+                    </a:lnB>
+                    <a:lnTlToBr w="12700" cmpd="sng">
+                      <a:noFill/>
+                      <a:prstDash val="solid"/>
+                    </a:lnTlToBr>
+                    <a:lnBlToTr w="12700" cmpd="sng">
+                      <a:noFill/>
+                      <a:prstDash val="solid"/>
+                    </a:lnBlToTr>
+                    <a:noFill/>
+                  </a:tcPr>
+                </a:tc>
+              </a:tr>
+              <a:tr h="370840">
+                <a:tc>
+                  <a:txBody>
+                    <a:bodyPr/>
+                    <a:lstStyle/>
+                    <a:p>
+                      <a:endParaRPr lang="en-US" dirty="0">
+                        <a:solidFill>
+                          <a:schemeClr val="tx1"/>
+                        </a:solidFill>
+                      </a:endParaRPr>
+                    </a:p>
+                  </a:txBody>
+                  <a:tcPr>
+                    <a:lnL w="12700" cap="flat" cmpd="sng" algn="ctr">
+                      <a:solidFill>
+                        <a:schemeClr val="tx1"/>
+                      </a:solidFill>
+                      <a:prstDash val="solid"/>
+                      <a:round/>
+                      <a:headEnd type="none" w="med" len="med"/>
+                      <a:tailEnd type="none" w="med" len="med"/>
+                    </a:lnL>
+                    <a:lnR w="12700" cap="flat" cmpd="sng" algn="ctr">
+                      <a:solidFill>
+                        <a:schemeClr val="tx1"/>
+                      </a:solidFill>
+                      <a:prstDash val="solid"/>
+                      <a:round/>
+                      <a:headEnd type="none" w="med" len="med"/>
+                      <a:tailEnd type="none" w="med" len="med"/>
+                    </a:lnR>
+                    <a:lnT w="12700" cap="flat" cmpd="sng" algn="ctr">
+                      <a:solidFill>
+                        <a:schemeClr val="tx1"/>
+                      </a:solidFill>
+                      <a:prstDash val="solid"/>
+                      <a:round/>
+                      <a:headEnd type="none" w="med" len="med"/>
+                      <a:tailEnd type="none" w="med" len="med"/>
+                    </a:lnT>
+                    <a:lnB w="12700" cap="flat" cmpd="sng" algn="ctr">
+                      <a:solidFill>
+                        <a:schemeClr val="tx1"/>
+                      </a:solidFill>
+                      <a:prstDash val="solid"/>
+                      <a:round/>
+                      <a:headEnd type="none" w="med" len="med"/>
+                      <a:tailEnd type="none" w="med" len="med"/>
+                    </a:lnB>
+                    <a:lnTlToBr w="12700" cmpd="sng">
+                      <a:noFill/>
+                      <a:prstDash val="solid"/>
+                    </a:lnTlToBr>
+                    <a:lnBlToTr w="12700" cmpd="sng">
+                      <a:noFill/>
+                      <a:prstDash val="solid"/>
+                    </a:lnBlToTr>
+                    <a:noFill/>
+                  </a:tcPr>
+                </a:tc>
+                <a:tc>
+                  <a:txBody>
+                    <a:bodyPr/>
+                    <a:lstStyle/>
+                    <a:p>
+                      <a:pPr algn="ctr"/>
+                      <a:endParaRPr lang="en-US" dirty="0">
+                        <a:solidFill>
+                          <a:schemeClr val="tx1"/>
+                        </a:solidFill>
+                      </a:endParaRPr>
+                    </a:p>
+                  </a:txBody>
+                  <a:tcPr>
+                    <a:lnL w="12700" cap="flat" cmpd="sng" algn="ctr">
+                      <a:solidFill>
+                        <a:schemeClr val="tx1"/>
+                      </a:solidFill>
+                      <a:prstDash val="solid"/>
+                      <a:round/>
+                      <a:headEnd type="none" w="med" len="med"/>
+                      <a:tailEnd type="none" w="med" len="med"/>
+                    </a:lnL>
+                    <a:lnR w="12700" cap="flat" cmpd="sng" algn="ctr">
+                      <a:solidFill>
+                        <a:schemeClr val="tx1"/>
+                      </a:solidFill>
+                      <a:prstDash val="solid"/>
+                      <a:round/>
+                      <a:headEnd type="none" w="med" len="med"/>
+                      <a:tailEnd type="none" w="med" len="med"/>
+                    </a:lnR>
+                    <a:lnT w="12700" cap="flat" cmpd="sng" algn="ctr">
+                      <a:solidFill>
+                        <a:schemeClr val="tx1"/>
+                      </a:solidFill>
+                      <a:prstDash val="solid"/>
+                      <a:round/>
+                      <a:headEnd type="none" w="med" len="med"/>
+                      <a:tailEnd type="none" w="med" len="med"/>
+                    </a:lnT>
+                    <a:lnB w="12700" cap="flat" cmpd="sng" algn="ctr">
+                      <a:solidFill>
+                        <a:schemeClr val="tx1"/>
+                      </a:solidFill>
+                      <a:prstDash val="solid"/>
+                      <a:round/>
+                      <a:headEnd type="none" w="med" len="med"/>
+                      <a:tailEnd type="none" w="med" len="med"/>
+                    </a:lnB>
+                    <a:lnTlToBr w="12700" cmpd="sng">
+                      <a:noFill/>
+                      <a:prstDash val="solid"/>
+                    </a:lnTlToBr>
+                    <a:lnBlToTr w="12700" cmpd="sng">
+                      <a:noFill/>
+                      <a:prstDash val="solid"/>
+                    </a:lnBlToTr>
+                    <a:noFill/>
+                  </a:tcPr>
+                </a:tc>
+                <a:tc>
+                  <a:txBody>
+                    <a:bodyPr/>
+                    <a:lstStyle/>
+                    <a:p>
+                      <a:pPr algn="ctr"/>
+                      <a:endParaRPr lang="en-US" dirty="0">
+                        <a:solidFill>
+                          <a:schemeClr val="tx1"/>
+                        </a:solidFill>
+                      </a:endParaRPr>
+                    </a:p>
+                  </a:txBody>
+                  <a:tcPr>
+                    <a:lnL w="12700" cap="flat" cmpd="sng" algn="ctr">
+                      <a:solidFill>
+                        <a:schemeClr val="tx1"/>
+                      </a:solidFill>
+                      <a:prstDash val="solid"/>
+                      <a:round/>
+                      <a:headEnd type="none" w="med" len="med"/>
+                      <a:tailEnd type="none" w="med" len="med"/>
+                    </a:lnL>
+                    <a:lnR w="12700" cap="flat" cmpd="sng" algn="ctr">
+                      <a:solidFill>
+                        <a:schemeClr val="tx1"/>
+                      </a:solidFill>
+                      <a:prstDash val="solid"/>
+                      <a:round/>
+                      <a:headEnd type="none" w="med" len="med"/>
+                      <a:tailEnd type="none" w="med" len="med"/>
+                    </a:lnR>
+                    <a:lnT w="12700" cap="flat" cmpd="sng" algn="ctr">
+                      <a:solidFill>
+                        <a:schemeClr val="tx1"/>
+                      </a:solidFill>
+                      <a:prstDash val="solid"/>
+                      <a:round/>
+                      <a:headEnd type="none" w="med" len="med"/>
+                      <a:tailEnd type="none" w="med" len="med"/>
+                    </a:lnT>
+                    <a:lnB w="12700" cap="flat" cmpd="sng" algn="ctr">
+                      <a:solidFill>
+                        <a:schemeClr val="tx1"/>
+                      </a:solidFill>
+                      <a:prstDash val="solid"/>
+                      <a:round/>
+                      <a:headEnd type="none" w="med" len="med"/>
+                      <a:tailEnd type="none" w="med" len="med"/>
+                    </a:lnB>
+                    <a:lnTlToBr w="12700" cmpd="sng">
+                      <a:noFill/>
+                      <a:prstDash val="solid"/>
+                    </a:lnTlToBr>
+                    <a:lnBlToTr w="12700" cmpd="sng">
+                      <a:noFill/>
+                      <a:prstDash val="solid"/>
+                    </a:lnBlToTr>
+                    <a:noFill/>
+                  </a:tcPr>
+                </a:tc>
+              </a:tr>
+              <a:tr h="370840">
+                <a:tc>
+                  <a:txBody>
+                    <a:bodyPr/>
+                    <a:lstStyle/>
+                    <a:p>
+                      <a:r>
+                        <a:rPr lang="en-US" dirty="0" smtClean="0">
+                          <a:solidFill>
+                            <a:schemeClr val="tx1"/>
+                          </a:solidFill>
+                        </a:rPr>
+                        <a:t>Step</a:t>
+                      </a:r>
+                      <a:r>
+                        <a:rPr lang="en-US" baseline="0" dirty="0" smtClean="0">
+                          <a:solidFill>
+                            <a:schemeClr val="tx1"/>
+                          </a:solidFill>
+                        </a:rPr>
+                        <a:t> 3</a:t>
+                      </a:r>
+                      <a:endParaRPr lang="en-US" dirty="0">
+                        <a:solidFill>
+                          <a:schemeClr val="tx1"/>
+                        </a:solidFill>
+                      </a:endParaRPr>
+                    </a:p>
+                  </a:txBody>
+                  <a:tcPr>
+                    <a:lnL w="12700" cap="flat" cmpd="sng" algn="ctr">
+                      <a:solidFill>
+                        <a:schemeClr val="tx1"/>
+                      </a:solidFill>
+                      <a:prstDash val="solid"/>
+                      <a:round/>
+                      <a:headEnd type="none" w="med" len="med"/>
+                      <a:tailEnd type="none" w="med" len="med"/>
+                    </a:lnL>
+                    <a:lnR w="12700" cap="flat" cmpd="sng" algn="ctr">
+                      <a:solidFill>
+                        <a:schemeClr val="tx1"/>
+                      </a:solidFill>
+                      <a:prstDash val="solid"/>
+                      <a:round/>
+                      <a:headEnd type="none" w="med" len="med"/>
+                      <a:tailEnd type="none" w="med" len="med"/>
+                    </a:lnR>
+                    <a:lnT w="12700" cap="flat" cmpd="sng" algn="ctr">
+                      <a:solidFill>
+                        <a:schemeClr val="tx1"/>
+                      </a:solidFill>
+                      <a:prstDash val="solid"/>
+                      <a:round/>
+                      <a:headEnd type="none" w="med" len="med"/>
+                      <a:tailEnd type="none" w="med" len="med"/>
+                    </a:lnT>
+                    <a:lnB w="12700" cap="flat" cmpd="sng" algn="ctr">
+                      <a:solidFill>
+                        <a:schemeClr val="tx1"/>
+                      </a:solidFill>
+                      <a:prstDash val="solid"/>
+                      <a:round/>
+                      <a:headEnd type="none" w="med" len="med"/>
+                      <a:tailEnd type="none" w="med" len="med"/>
+                    </a:lnB>
+                    <a:lnTlToBr w="12700" cmpd="sng">
+                      <a:noFill/>
+                      <a:prstDash val="solid"/>
+                    </a:lnTlToBr>
+                    <a:lnBlToTr w="12700" cmpd="sng">
+                      <a:noFill/>
+                      <a:prstDash val="solid"/>
+                    </a:lnBlToTr>
+                    <a:noFill/>
+                  </a:tcPr>
+                </a:tc>
+                <a:tc>
+                  <a:txBody>
+                    <a:bodyPr/>
+                    <a:lstStyle/>
+                    <a:p>
+                      <a:pPr algn="ctr"/>
+                      <a:r>
+                        <a:rPr lang="en-US" dirty="0" smtClean="0">
+                          <a:solidFill>
+                            <a:schemeClr val="tx1"/>
+                          </a:solidFill>
+                        </a:rPr>
+                        <a:t>8 </a:t>
+                      </a:r>
+                      <a:r>
+                        <a:rPr lang="en-US" b="1" dirty="0" smtClean="0">
+                          <a:solidFill>
+                            <a:schemeClr val="tx1"/>
+                          </a:solidFill>
+                        </a:rPr>
+                        <a:t>0 </a:t>
+                      </a:r>
+                      <a:r>
+                        <a:rPr lang="en-US" dirty="0" smtClean="0">
+                          <a:solidFill>
+                            <a:schemeClr val="tx1"/>
+                          </a:solidFill>
+                        </a:rPr>
+                        <a:t>2 0</a:t>
+                      </a:r>
+                      <a:endParaRPr lang="en-US" dirty="0">
+                        <a:solidFill>
+                          <a:schemeClr val="tx1"/>
+                        </a:solidFill>
+                      </a:endParaRPr>
+                    </a:p>
+                  </a:txBody>
+                  <a:tcPr>
+                    <a:lnL w="12700" cap="flat" cmpd="sng" algn="ctr">
+                      <a:solidFill>
+                        <a:schemeClr val="tx1"/>
+                      </a:solidFill>
+                      <a:prstDash val="solid"/>
+                      <a:round/>
+                      <a:headEnd type="none" w="med" len="med"/>
+                      <a:tailEnd type="none" w="med" len="med"/>
+                    </a:lnL>
+                    <a:lnR w="12700" cap="flat" cmpd="sng" algn="ctr">
+                      <a:solidFill>
+                        <a:schemeClr val="tx1"/>
+                      </a:solidFill>
+                      <a:prstDash val="solid"/>
+                      <a:round/>
+                      <a:headEnd type="none" w="med" len="med"/>
+                      <a:tailEnd type="none" w="med" len="med"/>
+                    </a:lnR>
+                    <a:lnT w="12700" cap="flat" cmpd="sng" algn="ctr">
+                      <a:solidFill>
+                        <a:schemeClr val="tx1"/>
+                      </a:solidFill>
+                      <a:prstDash val="solid"/>
+                      <a:round/>
+                      <a:headEnd type="none" w="med" len="med"/>
+                      <a:tailEnd type="none" w="med" len="med"/>
+                    </a:lnT>
+                    <a:lnB w="12700" cap="flat" cmpd="sng" algn="ctr">
+                      <a:solidFill>
+                        <a:schemeClr val="tx1"/>
+                      </a:solidFill>
+                      <a:prstDash val="solid"/>
+                      <a:round/>
+                      <a:headEnd type="none" w="med" len="med"/>
+                      <a:tailEnd type="none" w="med" len="med"/>
+                    </a:lnB>
+                    <a:lnTlToBr w="12700" cmpd="sng">
+                      <a:noFill/>
+                      <a:prstDash val="solid"/>
+                    </a:lnTlToBr>
+                    <a:lnBlToTr w="12700" cmpd="sng">
+                      <a:noFill/>
+                      <a:prstDash val="solid"/>
+                    </a:lnBlToTr>
+                    <a:noFill/>
+                  </a:tcPr>
+                </a:tc>
+                <a:tc>
+                  <a:txBody>
+                    <a:bodyPr/>
+                    <a:lstStyle/>
+                    <a:p>
+                      <a:pPr algn="ctr"/>
+                      <a:r>
+                        <a:rPr lang="en-US" b="1" dirty="0" smtClean="0">
+                          <a:solidFill>
+                            <a:schemeClr val="tx1"/>
+                          </a:solidFill>
+                        </a:rPr>
+                        <a:t>8 4 0 1</a:t>
+                      </a:r>
+                      <a:endParaRPr lang="en-US" b="1" dirty="0">
+                        <a:solidFill>
+                          <a:schemeClr val="tx1"/>
+                        </a:solidFill>
+                      </a:endParaRPr>
+                    </a:p>
+                  </a:txBody>
+                  <a:tcPr>
+                    <a:lnL w="12700" cap="flat" cmpd="sng" algn="ctr">
+                      <a:solidFill>
+                        <a:schemeClr val="tx1"/>
+                      </a:solidFill>
+                      <a:prstDash val="solid"/>
+                      <a:round/>
+                      <a:headEnd type="none" w="med" len="med"/>
+                      <a:tailEnd type="none" w="med" len="med"/>
+                    </a:lnL>
+                    <a:lnR w="12700" cap="flat" cmpd="sng" algn="ctr">
+                      <a:solidFill>
+                        <a:schemeClr val="tx1"/>
+                      </a:solidFill>
+                      <a:prstDash val="solid"/>
+                      <a:round/>
+                      <a:headEnd type="none" w="med" len="med"/>
+                      <a:tailEnd type="none" w="med" len="med"/>
+                    </a:lnR>
+                    <a:lnT w="12700" cap="flat" cmpd="sng" algn="ctr">
+                      <a:solidFill>
+                        <a:schemeClr val="tx1"/>
+                      </a:solidFill>
+                      <a:prstDash val="solid"/>
+                      <a:round/>
+                      <a:headEnd type="none" w="med" len="med"/>
+                      <a:tailEnd type="none" w="med" len="med"/>
+                    </a:lnT>
+                    <a:lnB w="12700" cap="flat" cmpd="sng" algn="ctr">
+                      <a:solidFill>
+                        <a:schemeClr val="tx1"/>
+                      </a:solidFill>
+                      <a:prstDash val="solid"/>
+                      <a:round/>
+                      <a:headEnd type="none" w="med" len="med"/>
+                      <a:tailEnd type="none" w="med" len="med"/>
+                    </a:lnB>
+                    <a:lnTlToBr w="12700" cmpd="sng">
+                      <a:noFill/>
+                      <a:prstDash val="solid"/>
+                    </a:lnTlToBr>
+                    <a:lnBlToTr w="12700" cmpd="sng">
+                      <a:noFill/>
+                      <a:prstDash val="solid"/>
+                    </a:lnBlToTr>
+                    <a:noFill/>
+                  </a:tcPr>
+                </a:tc>
+              </a:tr>
+              <a:tr h="370840">
+                <a:tc>
+                  <a:txBody>
+                    <a:bodyPr/>
+                    <a:lstStyle/>
+                    <a:p>
+                      <a:endParaRPr lang="en-US" dirty="0">
+                        <a:solidFill>
+                          <a:schemeClr val="tx1"/>
+                        </a:solidFill>
+                      </a:endParaRPr>
+                    </a:p>
+                  </a:txBody>
+                  <a:tcPr>
+                    <a:lnL w="12700" cap="flat" cmpd="sng" algn="ctr">
+                      <a:solidFill>
+                        <a:schemeClr val="tx1"/>
+                      </a:solidFill>
+                      <a:prstDash val="solid"/>
+                      <a:round/>
+                      <a:headEnd type="none" w="med" len="med"/>
+                      <a:tailEnd type="none" w="med" len="med"/>
+                    </a:lnL>
+                    <a:lnR w="12700" cap="flat" cmpd="sng" algn="ctr">
+                      <a:solidFill>
+                        <a:schemeClr val="tx1"/>
+                      </a:solidFill>
+                      <a:prstDash val="solid"/>
+                      <a:round/>
+                      <a:headEnd type="none" w="med" len="med"/>
+                      <a:tailEnd type="none" w="med" len="med"/>
+                    </a:lnR>
+                    <a:lnT w="12700" cap="flat" cmpd="sng" algn="ctr">
+                      <a:solidFill>
+                        <a:schemeClr val="tx1"/>
+                      </a:solidFill>
+                      <a:prstDash val="solid"/>
+                      <a:round/>
+                      <a:headEnd type="none" w="med" len="med"/>
+                      <a:tailEnd type="none" w="med" len="med"/>
+                    </a:lnT>
+                    <a:lnB w="12700" cap="flat" cmpd="sng" algn="ctr">
+                      <a:solidFill>
+                        <a:schemeClr val="tx1"/>
+                      </a:solidFill>
+                      <a:prstDash val="solid"/>
+                      <a:round/>
+                      <a:headEnd type="none" w="med" len="med"/>
+                      <a:tailEnd type="none" w="med" len="med"/>
+                    </a:lnB>
+                    <a:lnTlToBr w="12700" cmpd="sng">
+                      <a:noFill/>
+                      <a:prstDash val="solid"/>
+                    </a:lnTlToBr>
+                    <a:lnBlToTr w="12700" cmpd="sng">
+                      <a:noFill/>
+                      <a:prstDash val="solid"/>
+                    </a:lnBlToTr>
+                    <a:noFill/>
+                  </a:tcPr>
+                </a:tc>
+                <a:tc>
+                  <a:txBody>
+                    <a:bodyPr/>
+                    <a:lstStyle/>
+                    <a:p>
+                      <a:pPr algn="ctr"/>
+                      <a:endParaRPr lang="en-US" dirty="0">
+                        <a:solidFill>
+                          <a:schemeClr val="tx1"/>
+                        </a:solidFill>
+                      </a:endParaRPr>
+                    </a:p>
+                  </a:txBody>
+                  <a:tcPr>
+                    <a:lnL w="12700" cap="flat" cmpd="sng" algn="ctr">
+                      <a:solidFill>
+                        <a:schemeClr val="tx1"/>
+                      </a:solidFill>
+                      <a:prstDash val="solid"/>
+                      <a:round/>
+                      <a:headEnd type="none" w="med" len="med"/>
+                      <a:tailEnd type="none" w="med" len="med"/>
+                    </a:lnL>
+                    <a:lnR w="12700" cap="flat" cmpd="sng" algn="ctr">
+                      <a:solidFill>
+                        <a:schemeClr val="tx1"/>
+                      </a:solidFill>
+                      <a:prstDash val="solid"/>
+                      <a:round/>
+                      <a:headEnd type="none" w="med" len="med"/>
+                      <a:tailEnd type="none" w="med" len="med"/>
+                    </a:lnR>
+                    <a:lnT w="12700" cap="flat" cmpd="sng" algn="ctr">
+                      <a:solidFill>
+                        <a:schemeClr val="tx1"/>
+                      </a:solidFill>
+                      <a:prstDash val="solid"/>
+                      <a:round/>
+                      <a:headEnd type="none" w="med" len="med"/>
+                      <a:tailEnd type="none" w="med" len="med"/>
+                    </a:lnT>
+                    <a:lnB w="12700" cap="flat" cmpd="sng" algn="ctr">
+                      <a:solidFill>
+                        <a:schemeClr val="tx1"/>
+                      </a:solidFill>
+                      <a:prstDash val="solid"/>
+                      <a:round/>
+                      <a:headEnd type="none" w="med" len="med"/>
+                      <a:tailEnd type="none" w="med" len="med"/>
+                    </a:lnB>
+                    <a:lnTlToBr w="12700" cmpd="sng">
+                      <a:noFill/>
+                      <a:prstDash val="solid"/>
+                    </a:lnTlToBr>
+                    <a:lnBlToTr w="12700" cmpd="sng">
+                      <a:noFill/>
+                      <a:prstDash val="solid"/>
+                    </a:lnBlToTr>
+                    <a:noFill/>
+                  </a:tcPr>
+                </a:tc>
+                <a:tc>
+                  <a:txBody>
+                    <a:bodyPr/>
+                    <a:lstStyle/>
+                    <a:p>
+                      <a:pPr algn="ctr"/>
+                      <a:endParaRPr lang="en-US" dirty="0">
+                        <a:solidFill>
+                          <a:schemeClr val="tx1"/>
+                        </a:solidFill>
+                      </a:endParaRPr>
+                    </a:p>
+                  </a:txBody>
+                  <a:tcPr>
+                    <a:lnL w="12700" cap="flat" cmpd="sng" algn="ctr">
+                      <a:solidFill>
+                        <a:schemeClr val="tx1"/>
+                      </a:solidFill>
+                      <a:prstDash val="solid"/>
+                      <a:round/>
+                      <a:headEnd type="none" w="med" len="med"/>
+                      <a:tailEnd type="none" w="med" len="med"/>
+                    </a:lnL>
+                    <a:lnR w="12700" cap="flat" cmpd="sng" algn="ctr">
+                      <a:solidFill>
+                        <a:schemeClr val="tx1"/>
+                      </a:solidFill>
+                      <a:prstDash val="solid"/>
+                      <a:round/>
+                      <a:headEnd type="none" w="med" len="med"/>
+                      <a:tailEnd type="none" w="med" len="med"/>
+                    </a:lnR>
+                    <a:lnT w="12700" cap="flat" cmpd="sng" algn="ctr">
+                      <a:solidFill>
+                        <a:schemeClr val="tx1"/>
+                      </a:solidFill>
+                      <a:prstDash val="solid"/>
+                      <a:round/>
+                      <a:headEnd type="none" w="med" len="med"/>
+                      <a:tailEnd type="none" w="med" len="med"/>
+                    </a:lnT>
+                    <a:lnB w="12700" cap="flat" cmpd="sng" algn="ctr">
+                      <a:solidFill>
+                        <a:schemeClr val="tx1"/>
+                      </a:solidFill>
+                      <a:prstDash val="solid"/>
+                      <a:round/>
+                      <a:headEnd type="none" w="med" len="med"/>
+                      <a:tailEnd type="none" w="med" len="med"/>
+                    </a:lnB>
+                    <a:lnTlToBr w="12700" cmpd="sng">
+                      <a:noFill/>
+                      <a:prstDash val="solid"/>
+                    </a:lnTlToBr>
+                    <a:lnBlToTr w="12700" cmpd="sng">
+                      <a:noFill/>
+                      <a:prstDash val="solid"/>
+                    </a:lnBlToTr>
+                    <a:noFill/>
+                  </a:tcPr>
+                </a:tc>
+              </a:tr>
+              <a:tr h="370840">
+                <a:tc>
+                  <a:txBody>
+                    <a:bodyPr/>
+                    <a:lstStyle/>
+                    <a:p>
+                      <a:r>
+                        <a:rPr lang="en-US" dirty="0" smtClean="0">
+                          <a:solidFill>
+                            <a:schemeClr val="tx1"/>
+                          </a:solidFill>
+                        </a:rPr>
+                        <a:t>Step 4</a:t>
+                      </a:r>
+                      <a:endParaRPr lang="en-US" dirty="0">
+                        <a:solidFill>
+                          <a:schemeClr val="tx1"/>
+                        </a:solidFill>
+                      </a:endParaRPr>
+                    </a:p>
+                  </a:txBody>
+                  <a:tcPr>
+                    <a:lnL w="12700" cap="flat" cmpd="sng" algn="ctr">
+                      <a:solidFill>
+                        <a:schemeClr val="tx1"/>
+                      </a:solidFill>
+                      <a:prstDash val="solid"/>
+                      <a:round/>
+                      <a:headEnd type="none" w="med" len="med"/>
+                      <a:tailEnd type="none" w="med" len="med"/>
+                    </a:lnL>
+                    <a:lnR w="12700" cap="flat" cmpd="sng" algn="ctr">
+                      <a:solidFill>
+                        <a:schemeClr val="tx1"/>
+                      </a:solidFill>
+                      <a:prstDash val="solid"/>
+                      <a:round/>
+                      <a:headEnd type="none" w="med" len="med"/>
+                      <a:tailEnd type="none" w="med" len="med"/>
+                    </a:lnR>
+                    <a:lnT w="12700" cap="flat" cmpd="sng" algn="ctr">
+                      <a:solidFill>
+                        <a:schemeClr val="tx1"/>
+                      </a:solidFill>
+                      <a:prstDash val="solid"/>
+                      <a:round/>
+                      <a:headEnd type="none" w="med" len="med"/>
+                      <a:tailEnd type="none" w="med" len="med"/>
+                    </a:lnT>
+                    <a:lnB w="12700" cap="flat" cmpd="sng" algn="ctr">
+                      <a:solidFill>
+                        <a:schemeClr val="tx1"/>
+                      </a:solidFill>
+                      <a:prstDash val="solid"/>
+                      <a:round/>
+                      <a:headEnd type="none" w="med" len="med"/>
+                      <a:tailEnd type="none" w="med" len="med"/>
+                    </a:lnB>
+                    <a:lnTlToBr w="12700" cmpd="sng">
+                      <a:noFill/>
+                      <a:prstDash val="solid"/>
+                    </a:lnTlToBr>
+                    <a:lnBlToTr w="12700" cmpd="sng">
+                      <a:noFill/>
+                      <a:prstDash val="solid"/>
+                    </a:lnBlToTr>
+                    <a:noFill/>
+                  </a:tcPr>
+                </a:tc>
+                <a:tc>
+                  <a:txBody>
+                    <a:bodyPr/>
+                    <a:lstStyle/>
+                    <a:p>
+                      <a:pPr algn="ctr"/>
+                      <a:r>
+                        <a:rPr lang="en-US" dirty="0" smtClean="0">
+                          <a:solidFill>
+                            <a:schemeClr val="tx1"/>
+                          </a:solidFill>
+                        </a:rPr>
+                        <a:t>10 </a:t>
+                      </a:r>
+                    </a:p>
+                    <a:p>
+                      <a:pPr algn="ctr"/>
+                      <a:r>
+                        <a:rPr lang="en-US" dirty="0" smtClean="0">
+                          <a:solidFill>
+                            <a:schemeClr val="tx1"/>
+                          </a:solidFill>
+                        </a:rPr>
+                        <a:t>(10 = 8+2)</a:t>
+                      </a:r>
+                      <a:endParaRPr lang="en-US" dirty="0">
+                        <a:solidFill>
+                          <a:schemeClr val="tx1"/>
+                        </a:solidFill>
+                      </a:endParaRPr>
+                    </a:p>
+                  </a:txBody>
+                  <a:tcPr>
+                    <a:lnL w="12700" cap="flat" cmpd="sng" algn="ctr">
+                      <a:solidFill>
+                        <a:schemeClr val="tx1"/>
+                      </a:solidFill>
+                      <a:prstDash val="solid"/>
+                      <a:round/>
+                      <a:headEnd type="none" w="med" len="med"/>
+                      <a:tailEnd type="none" w="med" len="med"/>
+                    </a:lnL>
+                    <a:lnR w="12700" cap="flat" cmpd="sng" algn="ctr">
+                      <a:solidFill>
+                        <a:schemeClr val="tx1"/>
+                      </a:solidFill>
+                      <a:prstDash val="solid"/>
+                      <a:round/>
+                      <a:headEnd type="none" w="med" len="med"/>
+                      <a:tailEnd type="none" w="med" len="med"/>
+                    </a:lnR>
+                    <a:lnT w="12700" cap="flat" cmpd="sng" algn="ctr">
+                      <a:solidFill>
+                        <a:schemeClr val="tx1"/>
+                      </a:solidFill>
+                      <a:prstDash val="solid"/>
+                      <a:round/>
+                      <a:headEnd type="none" w="med" len="med"/>
+                      <a:tailEnd type="none" w="med" len="med"/>
+                    </a:lnT>
+                    <a:lnB w="12700" cap="flat" cmpd="sng" algn="ctr">
+                      <a:solidFill>
+                        <a:schemeClr val="tx1"/>
+                      </a:solidFill>
+                      <a:prstDash val="solid"/>
+                      <a:round/>
+                      <a:headEnd type="none" w="med" len="med"/>
+                      <a:tailEnd type="none" w="med" len="med"/>
+                    </a:lnB>
+                    <a:lnTlToBr w="12700" cmpd="sng">
+                      <a:noFill/>
+                      <a:prstDash val="solid"/>
+                    </a:lnTlToBr>
+                    <a:lnBlToTr w="12700" cmpd="sng">
+                      <a:noFill/>
+                      <a:prstDash val="solid"/>
+                    </a:lnBlToTr>
+                    <a:noFill/>
+                  </a:tcPr>
+                </a:tc>
+                <a:tc>
+                  <a:txBody>
+                    <a:bodyPr/>
+                    <a:lstStyle/>
+                    <a:p>
+                      <a:pPr algn="ctr"/>
+                      <a:r>
+                        <a:rPr lang="en-US" dirty="0" smtClean="0">
+                          <a:solidFill>
+                            <a:schemeClr val="tx1"/>
+                          </a:solidFill>
+                        </a:rPr>
+                        <a:t>13</a:t>
+                      </a:r>
+                    </a:p>
+                    <a:p>
+                      <a:pPr algn="ctr"/>
+                      <a:r>
+                        <a:rPr lang="en-US" dirty="0" smtClean="0">
+                          <a:solidFill>
+                            <a:schemeClr val="tx1"/>
+                          </a:solidFill>
+                        </a:rPr>
+                        <a:t>(13 = 8+4+1)</a:t>
+                      </a:r>
+                      <a:endParaRPr lang="en-US" dirty="0">
+                        <a:solidFill>
+                          <a:schemeClr val="tx1"/>
+                        </a:solidFill>
+                      </a:endParaRPr>
+                    </a:p>
+                  </a:txBody>
+                  <a:tcPr>
+                    <a:lnL w="12700" cap="flat" cmpd="sng" algn="ctr">
+                      <a:solidFill>
+                        <a:schemeClr val="tx1"/>
+                      </a:solidFill>
+                      <a:prstDash val="solid"/>
+                      <a:round/>
+                      <a:headEnd type="none" w="med" len="med"/>
+                      <a:tailEnd type="none" w="med" len="med"/>
+                    </a:lnL>
+                    <a:lnR w="12700" cap="flat" cmpd="sng" algn="ctr">
+                      <a:solidFill>
+                        <a:schemeClr val="tx1"/>
+                      </a:solidFill>
+                      <a:prstDash val="solid"/>
+                      <a:round/>
+                      <a:headEnd type="none" w="med" len="med"/>
+                      <a:tailEnd type="none" w="med" len="med"/>
+                    </a:lnR>
+                    <a:lnT w="12700" cap="flat" cmpd="sng" algn="ctr">
+                      <a:solidFill>
+                        <a:schemeClr val="tx1"/>
+                      </a:solidFill>
+                      <a:prstDash val="solid"/>
+                      <a:round/>
+                      <a:headEnd type="none" w="med" len="med"/>
+                      <a:tailEnd type="none" w="med" len="med"/>
+                    </a:lnT>
+                    <a:lnB w="12700" cap="flat" cmpd="sng" algn="ctr">
+                      <a:solidFill>
+                        <a:schemeClr val="tx1"/>
+                      </a:solidFill>
+                      <a:prstDash val="solid"/>
+                      <a:round/>
+                      <a:headEnd type="none" w="med" len="med"/>
+                      <a:tailEnd type="none" w="med" len="med"/>
+                    </a:lnB>
+                    <a:lnTlToBr w="12700" cmpd="sng">
+                      <a:noFill/>
+                      <a:prstDash val="solid"/>
+                    </a:lnTlToBr>
+                    <a:lnBlToTr w="12700" cmpd="sng">
+                      <a:noFill/>
+                      <a:prstDash val="solid"/>
+                    </a:lnBlToTr>
+                    <a:noFill/>
+                  </a:tcPr>
+                </a:tc>
+              </a:tr>
+              <a:tr h="370840">
+                <a:tc>
+                  <a:txBody>
+                    <a:bodyPr/>
+                    <a:lstStyle/>
+                    <a:p>
+                      <a:endParaRPr lang="en-US" dirty="0">
+                        <a:solidFill>
+                          <a:schemeClr val="tx1"/>
+                        </a:solidFill>
+                      </a:endParaRPr>
+                    </a:p>
+                  </a:txBody>
+                  <a:tcPr>
+                    <a:lnL w="12700" cap="flat" cmpd="sng" algn="ctr">
+                      <a:solidFill>
+                        <a:schemeClr val="tx1"/>
+                      </a:solidFill>
+                      <a:prstDash val="solid"/>
+                      <a:round/>
+                      <a:headEnd type="none" w="med" len="med"/>
+                      <a:tailEnd type="none" w="med" len="med"/>
+                    </a:lnL>
+                    <a:lnR w="12700" cap="flat" cmpd="sng" algn="ctr">
+                      <a:solidFill>
+                        <a:schemeClr val="tx1"/>
+                      </a:solidFill>
+                      <a:prstDash val="solid"/>
+                      <a:round/>
+                      <a:headEnd type="none" w="med" len="med"/>
+                      <a:tailEnd type="none" w="med" len="med"/>
+                    </a:lnR>
+                    <a:lnT w="12700" cap="flat" cmpd="sng" algn="ctr">
+                      <a:solidFill>
+                        <a:schemeClr val="tx1"/>
+                      </a:solidFill>
+                      <a:prstDash val="solid"/>
+                      <a:round/>
+                      <a:headEnd type="none" w="med" len="med"/>
+                      <a:tailEnd type="none" w="med" len="med"/>
+                    </a:lnT>
+                    <a:lnB w="12700" cap="flat" cmpd="sng" algn="ctr">
+                      <a:solidFill>
+                        <a:schemeClr val="tx1"/>
+                      </a:solidFill>
+                      <a:prstDash val="solid"/>
+                      <a:round/>
+                      <a:headEnd type="none" w="med" len="med"/>
+                      <a:tailEnd type="none" w="med" len="med"/>
+                    </a:lnB>
+                    <a:lnTlToBr w="12700" cmpd="sng">
+                      <a:noFill/>
+                      <a:prstDash val="solid"/>
+                    </a:lnTlToBr>
+                    <a:lnBlToTr w="12700" cmpd="sng">
+                      <a:noFill/>
+                      <a:prstDash val="solid"/>
+                    </a:lnBlToTr>
+                    <a:noFill/>
+                  </a:tcPr>
+                </a:tc>
+                <a:tc>
+                  <a:txBody>
+                    <a:bodyPr/>
+                    <a:lstStyle/>
+                    <a:p>
+                      <a:pPr algn="ctr"/>
+                      <a:r>
+                        <a:rPr lang="en-US" dirty="0" smtClean="0">
+                          <a:solidFill>
+                            <a:schemeClr val="tx1"/>
+                          </a:solidFill>
+                        </a:rPr>
+                        <a:t>A</a:t>
+                      </a:r>
+                      <a:endParaRPr lang="en-US" dirty="0">
+                        <a:solidFill>
+                          <a:schemeClr val="tx1"/>
+                        </a:solidFill>
+                      </a:endParaRPr>
+                    </a:p>
+                  </a:txBody>
+                  <a:tcPr>
+                    <a:lnL w="12700" cap="flat" cmpd="sng" algn="ctr">
+                      <a:solidFill>
+                        <a:schemeClr val="tx1"/>
+                      </a:solidFill>
+                      <a:prstDash val="solid"/>
+                      <a:round/>
+                      <a:headEnd type="none" w="med" len="med"/>
+                      <a:tailEnd type="none" w="med" len="med"/>
+                    </a:lnL>
+                    <a:lnR w="12700" cap="flat" cmpd="sng" algn="ctr">
+                      <a:solidFill>
+                        <a:schemeClr val="tx1"/>
+                      </a:solidFill>
+                      <a:prstDash val="solid"/>
+                      <a:round/>
+                      <a:headEnd type="none" w="med" len="med"/>
+                      <a:tailEnd type="none" w="med" len="med"/>
+                    </a:lnR>
+                    <a:lnT w="12700" cap="flat" cmpd="sng" algn="ctr">
+                      <a:solidFill>
+                        <a:schemeClr val="tx1"/>
+                      </a:solidFill>
+                      <a:prstDash val="solid"/>
+                      <a:round/>
+                      <a:headEnd type="none" w="med" len="med"/>
+                      <a:tailEnd type="none" w="med" len="med"/>
+                    </a:lnT>
+                    <a:lnB w="12700" cap="flat" cmpd="sng" algn="ctr">
+                      <a:solidFill>
+                        <a:schemeClr val="tx1"/>
+                      </a:solidFill>
+                      <a:prstDash val="solid"/>
+                      <a:round/>
+                      <a:headEnd type="none" w="med" len="med"/>
+                      <a:tailEnd type="none" w="med" len="med"/>
+                    </a:lnB>
+                    <a:lnTlToBr w="12700" cmpd="sng">
+                      <a:noFill/>
+                      <a:prstDash val="solid"/>
+                    </a:lnTlToBr>
+                    <a:lnBlToTr w="12700" cmpd="sng">
+                      <a:noFill/>
+                      <a:prstDash val="solid"/>
+                    </a:lnBlToTr>
+                    <a:noFill/>
+                  </a:tcPr>
+                </a:tc>
+                <a:tc>
+                  <a:txBody>
+                    <a:bodyPr/>
+                    <a:lstStyle/>
+                    <a:p>
+                      <a:pPr algn="ctr"/>
+                      <a:r>
+                        <a:rPr lang="en-US" dirty="0" smtClean="0">
+                          <a:solidFill>
+                            <a:schemeClr val="tx1"/>
+                          </a:solidFill>
+                        </a:rPr>
+                        <a:t>D</a:t>
+                      </a:r>
+                      <a:endParaRPr lang="en-US" dirty="0">
+                        <a:solidFill>
+                          <a:schemeClr val="tx1"/>
+                        </a:solidFill>
+                      </a:endParaRPr>
+                    </a:p>
+                  </a:txBody>
+                  <a:tcPr>
+                    <a:lnL w="12700" cap="flat" cmpd="sng" algn="ctr">
+                      <a:solidFill>
+                        <a:schemeClr val="tx1"/>
+                      </a:solidFill>
+                      <a:prstDash val="solid"/>
+                      <a:round/>
+                      <a:headEnd type="none" w="med" len="med"/>
+                      <a:tailEnd type="none" w="med" len="med"/>
+                    </a:lnL>
+                    <a:lnR w="12700" cap="flat" cmpd="sng" algn="ctr">
+                      <a:solidFill>
+                        <a:schemeClr val="tx1"/>
+                      </a:solidFill>
+                      <a:prstDash val="solid"/>
+                      <a:round/>
+                      <a:headEnd type="none" w="med" len="med"/>
+                      <a:tailEnd type="none" w="med" len="med"/>
+                    </a:lnR>
+                    <a:lnT w="12700" cap="flat" cmpd="sng" algn="ctr">
+                      <a:solidFill>
+                        <a:schemeClr val="tx1"/>
+                      </a:solidFill>
+                      <a:prstDash val="solid"/>
+                      <a:round/>
+                      <a:headEnd type="none" w="med" len="med"/>
+                      <a:tailEnd type="none" w="med" len="med"/>
+                    </a:lnT>
+                    <a:lnB w="12700" cap="flat" cmpd="sng" algn="ctr">
+                      <a:solidFill>
+                        <a:schemeClr val="tx1"/>
+                      </a:solidFill>
+                      <a:prstDash val="solid"/>
+                      <a:round/>
+                      <a:headEnd type="none" w="med" len="med"/>
+                      <a:tailEnd type="none" w="med" len="med"/>
+                    </a:lnB>
+                    <a:lnTlToBr w="12700" cmpd="sng">
+                      <a:noFill/>
+                      <a:prstDash val="solid"/>
+                    </a:lnTlToBr>
+                    <a:lnBlToTr w="12700" cmpd="sng">
+                      <a:noFill/>
+                      <a:prstDash val="solid"/>
+                    </a:lnBlToTr>
+                    <a:noFill/>
+                  </a:tcPr>
+                </a:tc>
+              </a:tr>
+              <a:tr h="370840">
+                <a:tc>
+                  <a:txBody>
+                    <a:bodyPr/>
+                    <a:lstStyle/>
+                    <a:p>
+                      <a:endParaRPr lang="en-US" dirty="0">
+                        <a:solidFill>
+                          <a:schemeClr val="tx1"/>
+                        </a:solidFill>
+                      </a:endParaRPr>
+                    </a:p>
+                  </a:txBody>
+                  <a:tcPr>
+                    <a:lnL w="12700" cap="flat" cmpd="sng" algn="ctr">
+                      <a:solidFill>
+                        <a:schemeClr val="tx1"/>
+                      </a:solidFill>
+                      <a:prstDash val="solid"/>
+                      <a:round/>
+                      <a:headEnd type="none" w="med" len="med"/>
+                      <a:tailEnd type="none" w="med" len="med"/>
+                    </a:lnL>
+                    <a:lnR w="12700" cap="flat" cmpd="sng" algn="ctr">
+                      <a:solidFill>
+                        <a:schemeClr val="tx1"/>
+                      </a:solidFill>
+                      <a:prstDash val="solid"/>
+                      <a:round/>
+                      <a:headEnd type="none" w="med" len="med"/>
+                      <a:tailEnd type="none" w="med" len="med"/>
+                    </a:lnR>
+                    <a:lnT w="12700" cap="flat" cmpd="sng" algn="ctr">
+                      <a:solidFill>
+                        <a:schemeClr val="tx1"/>
+                      </a:solidFill>
+                      <a:prstDash val="solid"/>
+                      <a:round/>
+                      <a:headEnd type="none" w="med" len="med"/>
+                      <a:tailEnd type="none" w="med" len="med"/>
+                    </a:lnT>
+                    <a:lnB w="12700" cap="flat" cmpd="sng" algn="ctr">
+                      <a:solidFill>
+                        <a:schemeClr val="tx1"/>
+                      </a:solidFill>
+                      <a:prstDash val="solid"/>
+                      <a:round/>
+                      <a:headEnd type="none" w="med" len="med"/>
+                      <a:tailEnd type="none" w="med" len="med"/>
+                    </a:lnB>
+                    <a:lnTlToBr w="12700" cmpd="sng">
+                      <a:noFill/>
+                      <a:prstDash val="solid"/>
+                    </a:lnTlToBr>
+                    <a:lnBlToTr w="12700" cmpd="sng">
+                      <a:noFill/>
+                      <a:prstDash val="solid"/>
+                    </a:lnBlToTr>
+                    <a:noFill/>
+                  </a:tcPr>
+                </a:tc>
+                <a:tc gridSpan="2">
+                  <a:txBody>
+                    <a:bodyPr/>
+                    <a:lstStyle/>
+                    <a:p>
+                      <a:pPr algn="ctr"/>
+                      <a:endParaRPr lang="en-US" dirty="0">
+                        <a:solidFill>
+                          <a:schemeClr val="tx1"/>
+                        </a:solidFill>
+                      </a:endParaRPr>
+                    </a:p>
+                  </a:txBody>
+                  <a:tcPr>
+                    <a:lnL w="12700" cap="flat" cmpd="sng" algn="ctr">
+                      <a:solidFill>
+                        <a:schemeClr val="tx1"/>
+                      </a:solidFill>
+                      <a:prstDash val="solid"/>
+                      <a:round/>
+                      <a:headEnd type="none" w="med" len="med"/>
+                      <a:tailEnd type="none" w="med" len="med"/>
+                    </a:lnL>
+                    <a:lnR w="12700" cap="flat" cmpd="sng" algn="ctr">
+                      <a:solidFill>
+                        <a:schemeClr val="tx1"/>
+                      </a:solidFill>
+                      <a:prstDash val="solid"/>
+                      <a:round/>
+                      <a:headEnd type="none" w="med" len="med"/>
+                      <a:tailEnd type="none" w="med" len="med"/>
+                    </a:lnR>
+                    <a:lnT w="12700" cap="flat" cmpd="sng" algn="ctr">
+                      <a:solidFill>
+                        <a:schemeClr val="tx1"/>
+                      </a:solidFill>
+                      <a:prstDash val="solid"/>
+                      <a:round/>
+                      <a:headEnd type="none" w="med" len="med"/>
+                      <a:tailEnd type="none" w="med" len="med"/>
+                    </a:lnT>
+                    <a:lnB w="12700" cap="flat" cmpd="sng" algn="ctr">
+                      <a:solidFill>
+                        <a:schemeClr val="tx1"/>
+                      </a:solidFill>
+                      <a:prstDash val="solid"/>
+                      <a:round/>
+                      <a:headEnd type="none" w="med" len="med"/>
+                      <a:tailEnd type="none" w="med" len="med"/>
+                    </a:lnB>
+                    <a:lnTlToBr w="12700" cmpd="sng">
+                      <a:noFill/>
+                      <a:prstDash val="solid"/>
+                    </a:lnTlToBr>
+                    <a:lnBlToTr w="12700" cmpd="sng">
+                      <a:noFill/>
+                      <a:prstDash val="solid"/>
+                    </a:lnBlToTr>
+                    <a:noFill/>
+                  </a:tcPr>
+                </a:tc>
+                <a:tc hMerge="1">
+                  <a:txBody>
+                    <a:bodyPr/>
+                    <a:lstStyle/>
+                    <a:p>
+                      <a:endParaRPr lang="en-US"/>
+                    </a:p>
+                  </a:txBody>
+                  <a:tcPr/>
+                </a:tc>
+              </a:tr>
+              <a:tr h="370840">
+                <a:tc>
+                  <a:txBody>
+                    <a:bodyPr/>
+                    <a:lstStyle/>
+                    <a:p>
+                      <a:r>
+                        <a:rPr lang="en-US" dirty="0" smtClean="0">
+                          <a:solidFill>
+                            <a:schemeClr val="tx1"/>
+                          </a:solidFill>
+                        </a:rPr>
+                        <a:t>Step</a:t>
+                      </a:r>
+                      <a:r>
+                        <a:rPr lang="en-US" baseline="0" dirty="0" smtClean="0">
+                          <a:solidFill>
+                            <a:schemeClr val="tx1"/>
+                          </a:solidFill>
+                        </a:rPr>
+                        <a:t> 5</a:t>
+                      </a:r>
+                      <a:endParaRPr lang="en-US" dirty="0">
+                        <a:solidFill>
+                          <a:schemeClr val="tx1"/>
+                        </a:solidFill>
+                      </a:endParaRPr>
+                    </a:p>
+                  </a:txBody>
+                  <a:tcPr>
+                    <a:lnL w="12700" cap="flat" cmpd="sng" algn="ctr">
+                      <a:solidFill>
+                        <a:schemeClr val="tx1"/>
+                      </a:solidFill>
+                      <a:prstDash val="solid"/>
+                      <a:round/>
+                      <a:headEnd type="none" w="med" len="med"/>
+                      <a:tailEnd type="none" w="med" len="med"/>
+                    </a:lnL>
+                    <a:lnR w="12700" cap="flat" cmpd="sng" algn="ctr">
+                      <a:solidFill>
+                        <a:schemeClr val="tx1"/>
+                      </a:solidFill>
+                      <a:prstDash val="solid"/>
+                      <a:round/>
+                      <a:headEnd type="none" w="med" len="med"/>
+                      <a:tailEnd type="none" w="med" len="med"/>
+                    </a:lnR>
+                    <a:lnT w="12700" cap="flat" cmpd="sng" algn="ctr">
+                      <a:solidFill>
+                        <a:schemeClr val="tx1"/>
+                      </a:solidFill>
+                      <a:prstDash val="solid"/>
+                      <a:round/>
+                      <a:headEnd type="none" w="med" len="med"/>
+                      <a:tailEnd type="none" w="med" len="med"/>
+                    </a:lnT>
+                    <a:lnB w="12700" cap="flat" cmpd="sng" algn="ctr">
+                      <a:solidFill>
+                        <a:schemeClr val="tx1"/>
+                      </a:solidFill>
+                      <a:prstDash val="solid"/>
+                      <a:round/>
+                      <a:headEnd type="none" w="med" len="med"/>
+                      <a:tailEnd type="none" w="med" len="med"/>
+                    </a:lnB>
+                    <a:lnTlToBr w="12700" cmpd="sng">
+                      <a:noFill/>
+                      <a:prstDash val="solid"/>
+                    </a:lnTlToBr>
+                    <a:lnBlToTr w="12700" cmpd="sng">
+                      <a:noFill/>
+                      <a:prstDash val="solid"/>
+                    </a:lnBlToTr>
+                    <a:noFill/>
+                  </a:tcPr>
+                </a:tc>
+                <a:tc gridSpan="2">
+                  <a:txBody>
+                    <a:bodyPr/>
+                    <a:lstStyle/>
+                    <a:p>
+                      <a:pPr marL="0" marR="0" indent="0" algn="ctr" defTabSz="914400" rtl="0" eaLnBrk="1" fontAlgn="auto" latinLnBrk="0" hangingPunct="1">
+                        <a:lnSpc>
+                          <a:spcPct val="100000"/>
+                        </a:lnSpc>
+                        <a:spcBef>
+                          <a:spcPts val="0"/>
+                        </a:spcBef>
+                        <a:spcAft>
+                          <a:spcPts val="0"/>
+                        </a:spcAft>
+                        <a:buClrTx/>
+                        <a:buSzTx/>
+                        <a:buFontTx/>
+                        <a:buNone/>
+                        <a:tabLst/>
+                        <a:defRPr/>
+                      </a:pPr>
+                      <a:r>
+                        <a:rPr lang="en-US" sz="1800" b="0" i="0" kern="1200" dirty="0" smtClean="0">
+                          <a:solidFill>
+                            <a:schemeClr val="tx1"/>
+                          </a:solidFill>
+                          <a:effectLst/>
+                          <a:latin typeface="+mn-lt"/>
+                          <a:ea typeface="+mn-ea"/>
+                          <a:cs typeface="+mn-cs"/>
+                        </a:rPr>
+                        <a:t>(10101101</a:t>
+                      </a:r>
+                      <a:r>
+                        <a:rPr lang="en-US" dirty="0" smtClean="0">
+                          <a:solidFill>
+                            <a:schemeClr val="tx1"/>
+                          </a:solidFill>
+                        </a:rPr>
+                        <a:t>)</a:t>
+                      </a:r>
+                      <a:r>
+                        <a:rPr lang="en-US" baseline="-25000" dirty="0" smtClean="0">
+                          <a:solidFill>
+                            <a:schemeClr val="tx1"/>
+                          </a:solidFill>
+                        </a:rPr>
+                        <a:t>2   </a:t>
+                      </a:r>
+                      <a:r>
+                        <a:rPr lang="en-US" dirty="0" smtClean="0">
+                          <a:solidFill>
+                            <a:schemeClr val="tx1"/>
+                          </a:solidFill>
+                        </a:rPr>
+                        <a:t>= </a:t>
+                      </a:r>
+                      <a:r>
+                        <a:rPr lang="en-US" baseline="-25000" dirty="0" smtClean="0">
+                          <a:solidFill>
+                            <a:schemeClr val="tx1"/>
+                          </a:solidFill>
+                        </a:rPr>
+                        <a:t> </a:t>
+                      </a:r>
+                      <a:r>
+                        <a:rPr lang="en-US" dirty="0" smtClean="0">
+                          <a:solidFill>
+                            <a:schemeClr val="tx1"/>
+                          </a:solidFill>
+                        </a:rPr>
+                        <a:t>(AD)</a:t>
+                      </a:r>
+                      <a:r>
+                        <a:rPr lang="en-US" baseline="-25000" dirty="0" smtClean="0">
+                          <a:solidFill>
+                            <a:schemeClr val="tx1"/>
+                          </a:solidFill>
+                        </a:rPr>
+                        <a:t>16</a:t>
+                      </a:r>
+                      <a:r>
+                        <a:rPr lang="en-US" dirty="0" smtClean="0">
+                          <a:solidFill>
+                            <a:schemeClr val="tx1"/>
+                          </a:solidFill>
+                        </a:rPr>
+                        <a:t> </a:t>
+                      </a:r>
+                      <a:endParaRPr lang="en-US" dirty="0">
+                        <a:solidFill>
+                          <a:schemeClr val="tx1"/>
+                        </a:solidFill>
+                      </a:endParaRPr>
+                    </a:p>
+                  </a:txBody>
+                  <a:tcPr>
+                    <a:lnL w="12700" cap="flat" cmpd="sng" algn="ctr">
+                      <a:solidFill>
+                        <a:schemeClr val="tx1"/>
+                      </a:solidFill>
+                      <a:prstDash val="solid"/>
+                      <a:round/>
+                      <a:headEnd type="none" w="med" len="med"/>
+                      <a:tailEnd type="none" w="med" len="med"/>
+                    </a:lnL>
+                    <a:lnR w="12700" cap="flat" cmpd="sng" algn="ctr">
+                      <a:solidFill>
+                        <a:schemeClr val="tx1"/>
+                      </a:solidFill>
+                      <a:prstDash val="solid"/>
+                      <a:round/>
+                      <a:headEnd type="none" w="med" len="med"/>
+                      <a:tailEnd type="none" w="med" len="med"/>
+                    </a:lnR>
+                    <a:lnT w="12700" cap="flat" cmpd="sng" algn="ctr">
+                      <a:solidFill>
+                        <a:schemeClr val="tx1"/>
+                      </a:solidFill>
+                      <a:prstDash val="solid"/>
+                      <a:round/>
+                      <a:headEnd type="none" w="med" len="med"/>
+                      <a:tailEnd type="none" w="med" len="med"/>
+                    </a:lnT>
+                    <a:lnB w="12700" cap="flat" cmpd="sng" algn="ctr">
+                      <a:solidFill>
+                        <a:schemeClr val="tx1"/>
+                      </a:solidFill>
+                      <a:prstDash val="solid"/>
+                      <a:round/>
+                      <a:headEnd type="none" w="med" len="med"/>
+                      <a:tailEnd type="none" w="med" len="med"/>
+                    </a:lnB>
+                    <a:lnTlToBr w="12700" cmpd="sng">
+                      <a:noFill/>
+                      <a:prstDash val="solid"/>
+                    </a:lnTlToBr>
+                    <a:lnBlToTr w="12700" cmpd="sng">
+                      <a:noFill/>
+                      <a:prstDash val="solid"/>
+                    </a:lnBlToTr>
+                    <a:noFill/>
+                  </a:tcPr>
+                </a:tc>
+                <a:tc hMerge="1">
+                  <a:txBody>
+                    <a:bodyPr/>
+                    <a:lstStyle/>
+                    <a:p>
+                      <a:endParaRPr lang="en-US" dirty="0"/>
+                    </a:p>
+                  </a:txBody>
+                  <a:tcPr>
+                    <a:lnL w="12700" cap="flat" cmpd="sng" algn="ctr">
+                      <a:solidFill>
+                        <a:schemeClr val="tx1"/>
+                      </a:solidFill>
+                      <a:prstDash val="solid"/>
+                      <a:round/>
+                      <a:headEnd type="none" w="med" len="med"/>
+                      <a:tailEnd type="none" w="med" len="med"/>
+                    </a:lnL>
+                    <a:lnR w="12700" cap="flat" cmpd="sng" algn="ctr">
+                      <a:solidFill>
+                        <a:schemeClr val="tx1"/>
+                      </a:solidFill>
+                      <a:prstDash val="solid"/>
+                      <a:round/>
+                      <a:headEnd type="none" w="med" len="med"/>
+                      <a:tailEnd type="none" w="med" len="med"/>
+                    </a:lnR>
+                    <a:lnT w="12700" cap="flat" cmpd="sng" algn="ctr">
+                      <a:solidFill>
+                        <a:schemeClr val="tx1"/>
+                      </a:solidFill>
+                      <a:prstDash val="solid"/>
+                      <a:round/>
+                      <a:headEnd type="none" w="med" len="med"/>
+                      <a:tailEnd type="none" w="med" len="med"/>
+                    </a:lnT>
+                    <a:lnB w="12700" cap="flat" cmpd="sng" algn="ctr">
+                      <a:solidFill>
+                        <a:schemeClr val="tx1"/>
+                      </a:solidFill>
+                      <a:prstDash val="solid"/>
+                      <a:round/>
+                      <a:headEnd type="none" w="med" len="med"/>
+                      <a:tailEnd type="none" w="med" len="med"/>
+                    </a:lnB>
+                    <a:noFill/>
+                  </a:tcPr>
+                </a:tc>
+              </a:tr>
+            </a:tbl>
+          </a:graphicData>
+        </a:graphic>
+      </p:graphicFrame>
+    </p:spTree>
+    <p:extLst>
+      <p:ext uri="{BB962C8B-B14F-4D97-AF65-F5344CB8AC3E}">
+        <p14:creationId xmlns:p14="http://schemas.microsoft.com/office/powerpoint/2010/main" val="2286855354"/>
+      </p:ext>
+    </p:extLst>
+  </p:cSld>
+  <p:clrMapOvr>
+    <a:masterClrMapping/>
+  </p:clrMapOvr>
+</p:sld>
+</file>
+
+<file path=ppt/slides/slide3.xml><?xml version="1.0" encoding="utf-8"?>
+<p:sld xmlns:a="http://schemas.openxmlformats.org/drawingml/2006/main" xmlns:r="http://schemas.openxmlformats.org/officeDocument/2006/relationships" xmlns:p="http://schemas.openxmlformats.org/presentationml/2006/main">
+  <p:cSld>
+    <p:spTree>
+      <p:nvGrpSpPr>
+        <p:cNvPr id="1" name=""/>
+        <p:cNvGrpSpPr/>
+        <p:nvPr/>
+      </p:nvGrpSpPr>
+      <p:grpSpPr>
+        <a:xfrm>
+          <a:off x="0" y="0"/>
+          <a:ext cx="0" cy="0"/>
+          <a:chOff x="0" y="0"/>
+          <a:chExt cx="0" cy="0"/>
+        </a:xfrm>
+      </p:grpSpPr>
+      <p:sp>
+        <p:nvSpPr>
+          <p:cNvPr id="2" name="Title 1"/>
+          <p:cNvSpPr>
+            <a:spLocks noGrp="1"/>
+          </p:cNvSpPr>
+          <p:nvPr>
+            <p:ph type="ctrTitle"/>
+          </p:nvPr>
+        </p:nvSpPr>
+        <p:spPr>
+          <a:xfrm>
+            <a:off x="847344" y="189675"/>
             <a:ext cx="9144000" cy="816165"/>
           </a:xfrm>
         </p:spPr>
@@ -3123,7 +5535,7 @@
         </p:nvSpPr>
         <p:spPr>
           <a:xfrm>
-            <a:off x="1524000" y="2651760"/>
+            <a:off x="847344" y="1133856"/>
             <a:ext cx="9144000" cy="2606040"/>
           </a:xfrm>
         </p:spPr>
@@ -3229,6 +5641,2758 @@
     <p:extLst>
       <p:ext uri="{BB962C8B-B14F-4D97-AF65-F5344CB8AC3E}">
         <p14:creationId xmlns:p14="http://schemas.microsoft.com/office/powerpoint/2010/main" val="4221022553"/>
+      </p:ext>
+    </p:extLst>
+  </p:cSld>
+  <p:clrMapOvr>
+    <a:masterClrMapping/>
+  </p:clrMapOvr>
+</p:sld>
+</file>
+
+<file path=ppt/slides/slide4.xml><?xml version="1.0" encoding="utf-8"?>
+<p:sld xmlns:a="http://schemas.openxmlformats.org/drawingml/2006/main" xmlns:r="http://schemas.openxmlformats.org/officeDocument/2006/relationships" xmlns:p="http://schemas.openxmlformats.org/presentationml/2006/main">
+  <p:cSld>
+    <p:spTree>
+      <p:nvGrpSpPr>
+        <p:cNvPr id="1" name=""/>
+        <p:cNvGrpSpPr/>
+        <p:nvPr/>
+      </p:nvGrpSpPr>
+      <p:grpSpPr>
+        <a:xfrm>
+          <a:off x="0" y="0"/>
+          <a:ext cx="0" cy="0"/>
+          <a:chOff x="0" y="0"/>
+          <a:chExt cx="0" cy="0"/>
+        </a:xfrm>
+      </p:grpSpPr>
+      <p:sp>
+        <p:nvSpPr>
+          <p:cNvPr id="2" name="Title 1"/>
+          <p:cNvSpPr>
+            <a:spLocks noGrp="1"/>
+          </p:cNvSpPr>
+          <p:nvPr>
+            <p:ph type="ctrTitle"/>
+          </p:nvPr>
+        </p:nvSpPr>
+        <p:spPr>
+          <a:xfrm>
+            <a:off x="847344" y="189675"/>
+            <a:ext cx="9144000" cy="816165"/>
+          </a:xfrm>
+        </p:spPr>
+        <p:txBody>
+          <a:bodyPr>
+            <a:normAutofit fontScale="90000"/>
+          </a:bodyPr>
+          <a:lstStyle/>
+          <a:p>
+            <a:r>
+              <a:rPr lang="en-US" dirty="0" err="1" smtClean="0"/>
+              <a:t>Hexa</a:t>
+            </a:r>
+            <a:r>
+              <a:rPr lang="en-US" dirty="0" smtClean="0"/>
+              <a:t> to binary</a:t>
+            </a:r>
+            <a:endParaRPr lang="en-US" dirty="0"/>
+          </a:p>
+        </p:txBody>
+      </p:sp>
+      <p:sp>
+        <p:nvSpPr>
+          <p:cNvPr id="4" name="Subtitle 3"/>
+          <p:cNvSpPr>
+            <a:spLocks noGrp="1"/>
+          </p:cNvSpPr>
+          <p:nvPr>
+            <p:ph type="subTitle" idx="1"/>
+          </p:nvPr>
+        </p:nvSpPr>
+        <p:spPr>
+          <a:xfrm>
+            <a:off x="649224" y="1088136"/>
+            <a:ext cx="10524744" cy="5193792"/>
+          </a:xfrm>
+        </p:spPr>
+        <p:txBody>
+          <a:bodyPr/>
+          <a:lstStyle/>
+          <a:p>
+            <a:pPr algn="l"/>
+            <a:r>
+              <a:rPr lang="en-US" dirty="0" smtClean="0"/>
+              <a:t>(4FA)16 = (?)2</a:t>
+            </a:r>
+          </a:p>
+          <a:p>
+            <a:pPr algn="l"/>
+            <a:endParaRPr lang="en-US" dirty="0"/>
+          </a:p>
+        </p:txBody>
+      </p:sp>
+      <p:graphicFrame>
+        <p:nvGraphicFramePr>
+          <p:cNvPr id="6" name="Table 5"/>
+          <p:cNvGraphicFramePr>
+            <a:graphicFrameLocks noGrp="1"/>
+          </p:cNvGraphicFramePr>
+          <p:nvPr>
+            <p:extLst>
+              <p:ext uri="{D42A27DB-BD31-4B8C-83A1-F6EECF244321}">
+                <p14:modId xmlns:p14="http://schemas.microsoft.com/office/powerpoint/2010/main" val="3530932360"/>
+              </p:ext>
+            </p:extLst>
+          </p:nvPr>
+        </p:nvGraphicFramePr>
+        <p:xfrm>
+          <a:off x="1337056" y="1741762"/>
+          <a:ext cx="6682232" cy="4146974"/>
+        </p:xfrm>
+        <a:graphic>
+          <a:graphicData uri="http://schemas.openxmlformats.org/drawingml/2006/table">
+            <a:tbl>
+              <a:tblPr firstRow="1" bandRow="1">
+                <a:tableStyleId>{5C22544A-7EE6-4342-B048-85BDC9FD1C3A}</a:tableStyleId>
+              </a:tblPr>
+              <a:tblGrid>
+                <a:gridCol w="1095248"/>
+                <a:gridCol w="1883664"/>
+                <a:gridCol w="1901952"/>
+                <a:gridCol w="1801368"/>
+              </a:tblGrid>
+              <a:tr h="0">
+                <a:tc>
+                  <a:txBody>
+                    <a:bodyPr/>
+                    <a:lstStyle/>
+                    <a:p>
+                      <a:endParaRPr lang="en-US" dirty="0">
+                        <a:solidFill>
+                          <a:schemeClr val="tx1"/>
+                        </a:solidFill>
+                      </a:endParaRPr>
+                    </a:p>
+                  </a:txBody>
+                  <a:tcPr>
+                    <a:lnL w="12700" cap="flat" cmpd="sng" algn="ctr">
+                      <a:solidFill>
+                        <a:schemeClr val="tx1"/>
+                      </a:solidFill>
+                      <a:prstDash val="solid"/>
+                      <a:round/>
+                      <a:headEnd type="none" w="med" len="med"/>
+                      <a:tailEnd type="none" w="med" len="med"/>
+                    </a:lnL>
+                    <a:lnR w="12700" cap="flat" cmpd="sng" algn="ctr">
+                      <a:solidFill>
+                        <a:schemeClr val="tx1"/>
+                      </a:solidFill>
+                      <a:prstDash val="solid"/>
+                      <a:round/>
+                      <a:headEnd type="none" w="med" len="med"/>
+                      <a:tailEnd type="none" w="med" len="med"/>
+                    </a:lnR>
+                    <a:lnT w="12700" cap="flat" cmpd="sng" algn="ctr">
+                      <a:solidFill>
+                        <a:schemeClr val="tx1"/>
+                      </a:solidFill>
+                      <a:prstDash val="solid"/>
+                      <a:round/>
+                      <a:headEnd type="none" w="med" len="med"/>
+                      <a:tailEnd type="none" w="med" len="med"/>
+                    </a:lnT>
+                    <a:lnB w="12700" cap="flat" cmpd="sng" algn="ctr">
+                      <a:solidFill>
+                        <a:schemeClr val="tx1"/>
+                      </a:solidFill>
+                      <a:prstDash val="solid"/>
+                      <a:round/>
+                      <a:headEnd type="none" w="med" len="med"/>
+                      <a:tailEnd type="none" w="med" len="med"/>
+                    </a:lnB>
+                    <a:lnTlToBr w="12700" cmpd="sng">
+                      <a:noFill/>
+                      <a:prstDash val="solid"/>
+                    </a:lnTlToBr>
+                    <a:lnBlToTr w="12700" cmpd="sng">
+                      <a:noFill/>
+                      <a:prstDash val="solid"/>
+                    </a:lnBlToTr>
+                    <a:noFill/>
+                  </a:tcPr>
+                </a:tc>
+                <a:tc>
+                  <a:txBody>
+                    <a:bodyPr/>
+                    <a:lstStyle/>
+                    <a:p>
+                      <a:pPr algn="ctr"/>
+                      <a:r>
+                        <a:rPr lang="en-US" dirty="0" smtClean="0">
+                          <a:solidFill>
+                            <a:schemeClr val="tx1"/>
+                          </a:solidFill>
+                        </a:rPr>
+                        <a:t>4</a:t>
+                      </a:r>
+                      <a:endParaRPr lang="en-US" dirty="0">
+                        <a:solidFill>
+                          <a:schemeClr val="tx1"/>
+                        </a:solidFill>
+                      </a:endParaRPr>
+                    </a:p>
+                  </a:txBody>
+                  <a:tcPr>
+                    <a:lnL w="12700" cap="flat" cmpd="sng" algn="ctr">
+                      <a:solidFill>
+                        <a:schemeClr val="tx1"/>
+                      </a:solidFill>
+                      <a:prstDash val="solid"/>
+                      <a:round/>
+                      <a:headEnd type="none" w="med" len="med"/>
+                      <a:tailEnd type="none" w="med" len="med"/>
+                    </a:lnL>
+                    <a:lnR w="12700" cap="flat" cmpd="sng" algn="ctr">
+                      <a:solidFill>
+                        <a:schemeClr val="tx1"/>
+                      </a:solidFill>
+                      <a:prstDash val="solid"/>
+                      <a:round/>
+                      <a:headEnd type="none" w="med" len="med"/>
+                      <a:tailEnd type="none" w="med" len="med"/>
+                    </a:lnR>
+                    <a:lnT w="12700" cap="flat" cmpd="sng" algn="ctr">
+                      <a:solidFill>
+                        <a:schemeClr val="tx1"/>
+                      </a:solidFill>
+                      <a:prstDash val="solid"/>
+                      <a:round/>
+                      <a:headEnd type="none" w="med" len="med"/>
+                      <a:tailEnd type="none" w="med" len="med"/>
+                    </a:lnT>
+                    <a:lnB w="12700" cap="flat" cmpd="sng" algn="ctr">
+                      <a:solidFill>
+                        <a:schemeClr val="tx1"/>
+                      </a:solidFill>
+                      <a:prstDash val="solid"/>
+                      <a:round/>
+                      <a:headEnd type="none" w="med" len="med"/>
+                      <a:tailEnd type="none" w="med" len="med"/>
+                    </a:lnB>
+                    <a:lnTlToBr w="12700" cmpd="sng">
+                      <a:noFill/>
+                      <a:prstDash val="solid"/>
+                    </a:lnTlToBr>
+                    <a:lnBlToTr w="12700" cmpd="sng">
+                      <a:noFill/>
+                      <a:prstDash val="solid"/>
+                    </a:lnBlToTr>
+                    <a:noFill/>
+                  </a:tcPr>
+                </a:tc>
+                <a:tc>
+                  <a:txBody>
+                    <a:bodyPr/>
+                    <a:lstStyle/>
+                    <a:p>
+                      <a:pPr algn="ctr"/>
+                      <a:r>
+                        <a:rPr lang="en-US" dirty="0" smtClean="0">
+                          <a:solidFill>
+                            <a:schemeClr val="tx1"/>
+                          </a:solidFill>
+                        </a:rPr>
+                        <a:t>F</a:t>
+                      </a:r>
+                      <a:endParaRPr lang="en-US" dirty="0">
+                        <a:solidFill>
+                          <a:schemeClr val="tx1"/>
+                        </a:solidFill>
+                      </a:endParaRPr>
+                    </a:p>
+                  </a:txBody>
+                  <a:tcPr>
+                    <a:lnL w="12700" cap="flat" cmpd="sng" algn="ctr">
+                      <a:solidFill>
+                        <a:schemeClr val="tx1"/>
+                      </a:solidFill>
+                      <a:prstDash val="solid"/>
+                      <a:round/>
+                      <a:headEnd type="none" w="med" len="med"/>
+                      <a:tailEnd type="none" w="med" len="med"/>
+                    </a:lnL>
+                    <a:lnR w="12700" cap="flat" cmpd="sng" algn="ctr">
+                      <a:solidFill>
+                        <a:schemeClr val="tx1"/>
+                      </a:solidFill>
+                      <a:prstDash val="solid"/>
+                      <a:round/>
+                      <a:headEnd type="none" w="med" len="med"/>
+                      <a:tailEnd type="none" w="med" len="med"/>
+                    </a:lnR>
+                    <a:lnT w="12700" cap="flat" cmpd="sng" algn="ctr">
+                      <a:solidFill>
+                        <a:schemeClr val="tx1"/>
+                      </a:solidFill>
+                      <a:prstDash val="solid"/>
+                      <a:round/>
+                      <a:headEnd type="none" w="med" len="med"/>
+                      <a:tailEnd type="none" w="med" len="med"/>
+                    </a:lnT>
+                    <a:lnB w="12700" cap="flat" cmpd="sng" algn="ctr">
+                      <a:solidFill>
+                        <a:schemeClr val="tx1"/>
+                      </a:solidFill>
+                      <a:prstDash val="solid"/>
+                      <a:round/>
+                      <a:headEnd type="none" w="med" len="med"/>
+                      <a:tailEnd type="none" w="med" len="med"/>
+                    </a:lnB>
+                    <a:lnTlToBr w="12700" cmpd="sng">
+                      <a:noFill/>
+                      <a:prstDash val="solid"/>
+                    </a:lnTlToBr>
+                    <a:lnBlToTr w="12700" cmpd="sng">
+                      <a:noFill/>
+                      <a:prstDash val="solid"/>
+                    </a:lnBlToTr>
+                    <a:noFill/>
+                  </a:tcPr>
+                </a:tc>
+                <a:tc>
+                  <a:txBody>
+                    <a:bodyPr/>
+                    <a:lstStyle/>
+                    <a:p>
+                      <a:pPr algn="ctr"/>
+                      <a:r>
+                        <a:rPr lang="en-US" dirty="0" smtClean="0">
+                          <a:solidFill>
+                            <a:schemeClr val="tx1"/>
+                          </a:solidFill>
+                        </a:rPr>
+                        <a:t>A</a:t>
+                      </a:r>
+                      <a:endParaRPr lang="en-US" dirty="0">
+                        <a:solidFill>
+                          <a:schemeClr val="tx1"/>
+                        </a:solidFill>
+                      </a:endParaRPr>
+                    </a:p>
+                  </a:txBody>
+                  <a:tcPr>
+                    <a:lnL w="12700" cap="flat" cmpd="sng" algn="ctr">
+                      <a:solidFill>
+                        <a:schemeClr val="tx1"/>
+                      </a:solidFill>
+                      <a:prstDash val="solid"/>
+                      <a:round/>
+                      <a:headEnd type="none" w="med" len="med"/>
+                      <a:tailEnd type="none" w="med" len="med"/>
+                    </a:lnL>
+                    <a:lnR w="12700" cap="flat" cmpd="sng" algn="ctr">
+                      <a:solidFill>
+                        <a:schemeClr val="tx1"/>
+                      </a:solidFill>
+                      <a:prstDash val="solid"/>
+                      <a:round/>
+                      <a:headEnd type="none" w="med" len="med"/>
+                      <a:tailEnd type="none" w="med" len="med"/>
+                    </a:lnR>
+                    <a:lnT w="12700" cap="flat" cmpd="sng" algn="ctr">
+                      <a:solidFill>
+                        <a:schemeClr val="tx1"/>
+                      </a:solidFill>
+                      <a:prstDash val="solid"/>
+                      <a:round/>
+                      <a:headEnd type="none" w="med" len="med"/>
+                      <a:tailEnd type="none" w="med" len="med"/>
+                    </a:lnT>
+                    <a:lnB w="12700" cap="flat" cmpd="sng" algn="ctr">
+                      <a:solidFill>
+                        <a:schemeClr val="tx1"/>
+                      </a:solidFill>
+                      <a:prstDash val="solid"/>
+                      <a:round/>
+                      <a:headEnd type="none" w="med" len="med"/>
+                      <a:tailEnd type="none" w="med" len="med"/>
+                    </a:lnB>
+                    <a:lnTlToBr w="12700" cmpd="sng">
+                      <a:noFill/>
+                      <a:prstDash val="solid"/>
+                    </a:lnTlToBr>
+                    <a:lnBlToTr w="12700" cmpd="sng">
+                      <a:noFill/>
+                      <a:prstDash val="solid"/>
+                    </a:lnBlToTr>
+                    <a:noFill/>
+                  </a:tcPr>
+                </a:tc>
+              </a:tr>
+              <a:tr h="443654">
+                <a:tc>
+                  <a:txBody>
+                    <a:bodyPr/>
+                    <a:lstStyle/>
+                    <a:p>
+                      <a:pPr marL="0" marR="0" indent="0" algn="l" defTabSz="914400" rtl="0" eaLnBrk="1" fontAlgn="auto" latinLnBrk="0" hangingPunct="1">
+                        <a:lnSpc>
+                          <a:spcPct val="100000"/>
+                        </a:lnSpc>
+                        <a:spcBef>
+                          <a:spcPts val="0"/>
+                        </a:spcBef>
+                        <a:spcAft>
+                          <a:spcPts val="0"/>
+                        </a:spcAft>
+                        <a:buClrTx/>
+                        <a:buSzTx/>
+                        <a:buFontTx/>
+                        <a:buNone/>
+                        <a:tabLst/>
+                        <a:defRPr/>
+                      </a:pPr>
+                      <a:r>
+                        <a:rPr lang="en-US" dirty="0" smtClean="0">
+                          <a:solidFill>
+                            <a:schemeClr val="tx1"/>
+                          </a:solidFill>
+                        </a:rPr>
+                        <a:t>Step 1</a:t>
+                      </a:r>
+                    </a:p>
+                  </a:txBody>
+                  <a:tcPr>
+                    <a:lnL w="12700" cap="flat" cmpd="sng" algn="ctr">
+                      <a:solidFill>
+                        <a:schemeClr val="tx1"/>
+                      </a:solidFill>
+                      <a:prstDash val="solid"/>
+                      <a:round/>
+                      <a:headEnd type="none" w="med" len="med"/>
+                      <a:tailEnd type="none" w="med" len="med"/>
+                    </a:lnL>
+                    <a:lnR w="12700" cap="flat" cmpd="sng" algn="ctr">
+                      <a:solidFill>
+                        <a:schemeClr val="tx1"/>
+                      </a:solidFill>
+                      <a:prstDash val="solid"/>
+                      <a:round/>
+                      <a:headEnd type="none" w="med" len="med"/>
+                      <a:tailEnd type="none" w="med" len="med"/>
+                    </a:lnR>
+                    <a:lnT w="12700" cap="flat" cmpd="sng" algn="ctr">
+                      <a:solidFill>
+                        <a:schemeClr val="tx1"/>
+                      </a:solidFill>
+                      <a:prstDash val="solid"/>
+                      <a:round/>
+                      <a:headEnd type="none" w="med" len="med"/>
+                      <a:tailEnd type="none" w="med" len="med"/>
+                    </a:lnT>
+                    <a:lnB w="12700" cap="flat" cmpd="sng" algn="ctr">
+                      <a:solidFill>
+                        <a:schemeClr val="tx1"/>
+                      </a:solidFill>
+                      <a:prstDash val="solid"/>
+                      <a:round/>
+                      <a:headEnd type="none" w="med" len="med"/>
+                      <a:tailEnd type="none" w="med" len="med"/>
+                    </a:lnB>
+                    <a:lnTlToBr w="12700" cmpd="sng">
+                      <a:noFill/>
+                      <a:prstDash val="solid"/>
+                    </a:lnTlToBr>
+                    <a:lnBlToTr w="12700" cmpd="sng">
+                      <a:noFill/>
+                      <a:prstDash val="solid"/>
+                    </a:lnBlToTr>
+                    <a:noFill/>
+                  </a:tcPr>
+                </a:tc>
+                <a:tc>
+                  <a:txBody>
+                    <a:bodyPr/>
+                    <a:lstStyle/>
+                    <a:p>
+                      <a:pPr algn="ctr"/>
+                      <a:r>
+                        <a:rPr lang="en-US" dirty="0" smtClean="0"/>
+                        <a:t>4</a:t>
+                      </a:r>
+                      <a:endParaRPr lang="en-US" dirty="0"/>
+                    </a:p>
+                  </a:txBody>
+                  <a:tcPr>
+                    <a:lnL w="12700" cap="flat" cmpd="sng" algn="ctr">
+                      <a:solidFill>
+                        <a:schemeClr val="tx1"/>
+                      </a:solidFill>
+                      <a:prstDash val="solid"/>
+                      <a:round/>
+                      <a:headEnd type="none" w="med" len="med"/>
+                      <a:tailEnd type="none" w="med" len="med"/>
+                    </a:lnL>
+                    <a:lnR w="12700" cap="flat" cmpd="sng" algn="ctr">
+                      <a:solidFill>
+                        <a:schemeClr val="tx1"/>
+                      </a:solidFill>
+                      <a:prstDash val="solid"/>
+                      <a:round/>
+                      <a:headEnd type="none" w="med" len="med"/>
+                      <a:tailEnd type="none" w="med" len="med"/>
+                    </a:lnR>
+                    <a:lnT w="12700" cap="flat" cmpd="sng" algn="ctr">
+                      <a:solidFill>
+                        <a:schemeClr val="tx1"/>
+                      </a:solidFill>
+                      <a:prstDash val="solid"/>
+                      <a:round/>
+                      <a:headEnd type="none" w="med" len="med"/>
+                      <a:tailEnd type="none" w="med" len="med"/>
+                    </a:lnT>
+                    <a:lnB w="12700" cap="flat" cmpd="sng" algn="ctr">
+                      <a:solidFill>
+                        <a:schemeClr val="tx1"/>
+                      </a:solidFill>
+                      <a:prstDash val="solid"/>
+                      <a:round/>
+                      <a:headEnd type="none" w="med" len="med"/>
+                      <a:tailEnd type="none" w="med" len="med"/>
+                    </a:lnB>
+                    <a:lnTlToBr w="12700" cmpd="sng">
+                      <a:noFill/>
+                      <a:prstDash val="solid"/>
+                    </a:lnTlToBr>
+                    <a:lnBlToTr w="12700" cmpd="sng">
+                      <a:noFill/>
+                      <a:prstDash val="solid"/>
+                    </a:lnBlToTr>
+                    <a:noFill/>
+                  </a:tcPr>
+                </a:tc>
+                <a:tc>
+                  <a:txBody>
+                    <a:bodyPr/>
+                    <a:lstStyle/>
+                    <a:p>
+                      <a:pPr algn="ctr"/>
+                      <a:r>
+                        <a:rPr lang="en-US" dirty="0" smtClean="0"/>
+                        <a:t>15</a:t>
+                      </a:r>
+                      <a:endParaRPr lang="en-US" dirty="0"/>
+                    </a:p>
+                  </a:txBody>
+                  <a:tcPr>
+                    <a:lnL w="12700" cap="flat" cmpd="sng" algn="ctr">
+                      <a:solidFill>
+                        <a:schemeClr val="tx1"/>
+                      </a:solidFill>
+                      <a:prstDash val="solid"/>
+                      <a:round/>
+                      <a:headEnd type="none" w="med" len="med"/>
+                      <a:tailEnd type="none" w="med" len="med"/>
+                    </a:lnL>
+                    <a:lnR w="12700" cap="flat" cmpd="sng" algn="ctr">
+                      <a:solidFill>
+                        <a:schemeClr val="tx1"/>
+                      </a:solidFill>
+                      <a:prstDash val="solid"/>
+                      <a:round/>
+                      <a:headEnd type="none" w="med" len="med"/>
+                      <a:tailEnd type="none" w="med" len="med"/>
+                    </a:lnR>
+                    <a:lnT w="12700" cap="flat" cmpd="sng" algn="ctr">
+                      <a:solidFill>
+                        <a:schemeClr val="tx1"/>
+                      </a:solidFill>
+                      <a:prstDash val="solid"/>
+                      <a:round/>
+                      <a:headEnd type="none" w="med" len="med"/>
+                      <a:tailEnd type="none" w="med" len="med"/>
+                    </a:lnT>
+                    <a:lnB w="12700" cap="flat" cmpd="sng" algn="ctr">
+                      <a:solidFill>
+                        <a:schemeClr val="tx1"/>
+                      </a:solidFill>
+                      <a:prstDash val="solid"/>
+                      <a:round/>
+                      <a:headEnd type="none" w="med" len="med"/>
+                      <a:tailEnd type="none" w="med" len="med"/>
+                    </a:lnB>
+                    <a:lnTlToBr w="12700" cmpd="sng">
+                      <a:noFill/>
+                      <a:prstDash val="solid"/>
+                    </a:lnTlToBr>
+                    <a:lnBlToTr w="12700" cmpd="sng">
+                      <a:noFill/>
+                      <a:prstDash val="solid"/>
+                    </a:lnBlToTr>
+                    <a:noFill/>
+                  </a:tcPr>
+                </a:tc>
+                <a:tc>
+                  <a:txBody>
+                    <a:bodyPr/>
+                    <a:lstStyle/>
+                    <a:p>
+                      <a:pPr algn="ctr"/>
+                      <a:r>
+                        <a:rPr lang="en-US" dirty="0" smtClean="0"/>
+                        <a:t>10</a:t>
+                      </a:r>
+                      <a:endParaRPr lang="en-US" dirty="0"/>
+                    </a:p>
+                  </a:txBody>
+                  <a:tcPr>
+                    <a:lnL w="12700" cap="flat" cmpd="sng" algn="ctr">
+                      <a:solidFill>
+                        <a:schemeClr val="tx1"/>
+                      </a:solidFill>
+                      <a:prstDash val="solid"/>
+                      <a:round/>
+                      <a:headEnd type="none" w="med" len="med"/>
+                      <a:tailEnd type="none" w="med" len="med"/>
+                    </a:lnL>
+                    <a:lnR w="12700" cap="flat" cmpd="sng" algn="ctr">
+                      <a:solidFill>
+                        <a:schemeClr val="tx1"/>
+                      </a:solidFill>
+                      <a:prstDash val="solid"/>
+                      <a:round/>
+                      <a:headEnd type="none" w="med" len="med"/>
+                      <a:tailEnd type="none" w="med" len="med"/>
+                    </a:lnR>
+                    <a:lnT w="12700" cap="flat" cmpd="sng" algn="ctr">
+                      <a:solidFill>
+                        <a:schemeClr val="tx1"/>
+                      </a:solidFill>
+                      <a:prstDash val="solid"/>
+                      <a:round/>
+                      <a:headEnd type="none" w="med" len="med"/>
+                      <a:tailEnd type="none" w="med" len="med"/>
+                    </a:lnT>
+                    <a:lnB w="12700" cap="flat" cmpd="sng" algn="ctr">
+                      <a:solidFill>
+                        <a:schemeClr val="tx1"/>
+                      </a:solidFill>
+                      <a:prstDash val="solid"/>
+                      <a:round/>
+                      <a:headEnd type="none" w="med" len="med"/>
+                      <a:tailEnd type="none" w="med" len="med"/>
+                    </a:lnB>
+                    <a:lnTlToBr w="12700" cmpd="sng">
+                      <a:noFill/>
+                      <a:prstDash val="solid"/>
+                    </a:lnTlToBr>
+                    <a:lnBlToTr w="12700" cmpd="sng">
+                      <a:noFill/>
+                      <a:prstDash val="solid"/>
+                    </a:lnBlToTr>
+                    <a:noFill/>
+                  </a:tcPr>
+                </a:tc>
+              </a:tr>
+              <a:tr h="370840">
+                <a:tc>
+                  <a:txBody>
+                    <a:bodyPr/>
+                    <a:lstStyle/>
+                    <a:p>
+                      <a:endParaRPr lang="en-US"/>
+                    </a:p>
+                  </a:txBody>
+                  <a:tcPr>
+                    <a:lnL w="12700" cap="flat" cmpd="sng" algn="ctr">
+                      <a:solidFill>
+                        <a:schemeClr val="tx1"/>
+                      </a:solidFill>
+                      <a:prstDash val="solid"/>
+                      <a:round/>
+                      <a:headEnd type="none" w="med" len="med"/>
+                      <a:tailEnd type="none" w="med" len="med"/>
+                    </a:lnL>
+                    <a:lnR w="12700" cap="flat" cmpd="sng" algn="ctr">
+                      <a:solidFill>
+                        <a:schemeClr val="tx1"/>
+                      </a:solidFill>
+                      <a:prstDash val="solid"/>
+                      <a:round/>
+                      <a:headEnd type="none" w="med" len="med"/>
+                      <a:tailEnd type="none" w="med" len="med"/>
+                    </a:lnR>
+                    <a:lnT w="12700" cap="flat" cmpd="sng" algn="ctr">
+                      <a:solidFill>
+                        <a:schemeClr val="tx1"/>
+                      </a:solidFill>
+                      <a:prstDash val="solid"/>
+                      <a:round/>
+                      <a:headEnd type="none" w="med" len="med"/>
+                      <a:tailEnd type="none" w="med" len="med"/>
+                    </a:lnT>
+                    <a:lnB w="12700" cap="flat" cmpd="sng" algn="ctr">
+                      <a:solidFill>
+                        <a:schemeClr val="tx1"/>
+                      </a:solidFill>
+                      <a:prstDash val="solid"/>
+                      <a:round/>
+                      <a:headEnd type="none" w="med" len="med"/>
+                      <a:tailEnd type="none" w="med" len="med"/>
+                    </a:lnB>
+                    <a:lnTlToBr w="12700" cmpd="sng">
+                      <a:noFill/>
+                      <a:prstDash val="solid"/>
+                    </a:lnTlToBr>
+                    <a:lnBlToTr w="12700" cmpd="sng">
+                      <a:noFill/>
+                      <a:prstDash val="solid"/>
+                    </a:lnBlToTr>
+                    <a:noFill/>
+                  </a:tcPr>
+                </a:tc>
+                <a:tc>
+                  <a:txBody>
+                    <a:bodyPr/>
+                    <a:lstStyle/>
+                    <a:p>
+                      <a:pPr algn="ctr"/>
+                      <a:endParaRPr lang="en-US" dirty="0"/>
+                    </a:p>
+                  </a:txBody>
+                  <a:tcPr>
+                    <a:lnL w="12700" cap="flat" cmpd="sng" algn="ctr">
+                      <a:solidFill>
+                        <a:schemeClr val="tx1"/>
+                      </a:solidFill>
+                      <a:prstDash val="solid"/>
+                      <a:round/>
+                      <a:headEnd type="none" w="med" len="med"/>
+                      <a:tailEnd type="none" w="med" len="med"/>
+                    </a:lnL>
+                    <a:lnR w="12700" cap="flat" cmpd="sng" algn="ctr">
+                      <a:solidFill>
+                        <a:schemeClr val="tx1"/>
+                      </a:solidFill>
+                      <a:prstDash val="solid"/>
+                      <a:round/>
+                      <a:headEnd type="none" w="med" len="med"/>
+                      <a:tailEnd type="none" w="med" len="med"/>
+                    </a:lnR>
+                    <a:lnT w="12700" cap="flat" cmpd="sng" algn="ctr">
+                      <a:solidFill>
+                        <a:schemeClr val="tx1"/>
+                      </a:solidFill>
+                      <a:prstDash val="solid"/>
+                      <a:round/>
+                      <a:headEnd type="none" w="med" len="med"/>
+                      <a:tailEnd type="none" w="med" len="med"/>
+                    </a:lnT>
+                    <a:lnB w="12700" cap="flat" cmpd="sng" algn="ctr">
+                      <a:solidFill>
+                        <a:schemeClr val="tx1"/>
+                      </a:solidFill>
+                      <a:prstDash val="solid"/>
+                      <a:round/>
+                      <a:headEnd type="none" w="med" len="med"/>
+                      <a:tailEnd type="none" w="med" len="med"/>
+                    </a:lnB>
+                    <a:lnTlToBr w="12700" cmpd="sng">
+                      <a:noFill/>
+                      <a:prstDash val="solid"/>
+                    </a:lnTlToBr>
+                    <a:lnBlToTr w="12700" cmpd="sng">
+                      <a:noFill/>
+                      <a:prstDash val="solid"/>
+                    </a:lnBlToTr>
+                    <a:noFill/>
+                  </a:tcPr>
+                </a:tc>
+                <a:tc>
+                  <a:txBody>
+                    <a:bodyPr/>
+                    <a:lstStyle/>
+                    <a:p>
+                      <a:pPr algn="ctr"/>
+                      <a:endParaRPr lang="en-US" dirty="0"/>
+                    </a:p>
+                  </a:txBody>
+                  <a:tcPr>
+                    <a:lnL w="12700" cap="flat" cmpd="sng" algn="ctr">
+                      <a:solidFill>
+                        <a:schemeClr val="tx1"/>
+                      </a:solidFill>
+                      <a:prstDash val="solid"/>
+                      <a:round/>
+                      <a:headEnd type="none" w="med" len="med"/>
+                      <a:tailEnd type="none" w="med" len="med"/>
+                    </a:lnL>
+                    <a:lnR w="12700" cap="flat" cmpd="sng" algn="ctr">
+                      <a:solidFill>
+                        <a:schemeClr val="tx1"/>
+                      </a:solidFill>
+                      <a:prstDash val="solid"/>
+                      <a:round/>
+                      <a:headEnd type="none" w="med" len="med"/>
+                      <a:tailEnd type="none" w="med" len="med"/>
+                    </a:lnR>
+                    <a:lnT w="12700" cap="flat" cmpd="sng" algn="ctr">
+                      <a:solidFill>
+                        <a:schemeClr val="tx1"/>
+                      </a:solidFill>
+                      <a:prstDash val="solid"/>
+                      <a:round/>
+                      <a:headEnd type="none" w="med" len="med"/>
+                      <a:tailEnd type="none" w="med" len="med"/>
+                    </a:lnT>
+                    <a:lnB w="12700" cap="flat" cmpd="sng" algn="ctr">
+                      <a:solidFill>
+                        <a:schemeClr val="tx1"/>
+                      </a:solidFill>
+                      <a:prstDash val="solid"/>
+                      <a:round/>
+                      <a:headEnd type="none" w="med" len="med"/>
+                      <a:tailEnd type="none" w="med" len="med"/>
+                    </a:lnB>
+                    <a:lnTlToBr w="12700" cmpd="sng">
+                      <a:noFill/>
+                      <a:prstDash val="solid"/>
+                    </a:lnTlToBr>
+                    <a:lnBlToTr w="12700" cmpd="sng">
+                      <a:noFill/>
+                      <a:prstDash val="solid"/>
+                    </a:lnBlToTr>
+                    <a:noFill/>
+                  </a:tcPr>
+                </a:tc>
+                <a:tc>
+                  <a:txBody>
+                    <a:bodyPr/>
+                    <a:lstStyle/>
+                    <a:p>
+                      <a:pPr algn="ctr"/>
+                      <a:endParaRPr lang="en-US" dirty="0"/>
+                    </a:p>
+                  </a:txBody>
+                  <a:tcPr>
+                    <a:lnL w="12700" cap="flat" cmpd="sng" algn="ctr">
+                      <a:solidFill>
+                        <a:schemeClr val="tx1"/>
+                      </a:solidFill>
+                      <a:prstDash val="solid"/>
+                      <a:round/>
+                      <a:headEnd type="none" w="med" len="med"/>
+                      <a:tailEnd type="none" w="med" len="med"/>
+                    </a:lnL>
+                    <a:lnR w="12700" cap="flat" cmpd="sng" algn="ctr">
+                      <a:solidFill>
+                        <a:schemeClr val="tx1"/>
+                      </a:solidFill>
+                      <a:prstDash val="solid"/>
+                      <a:round/>
+                      <a:headEnd type="none" w="med" len="med"/>
+                      <a:tailEnd type="none" w="med" len="med"/>
+                    </a:lnR>
+                    <a:lnT w="12700" cap="flat" cmpd="sng" algn="ctr">
+                      <a:solidFill>
+                        <a:schemeClr val="tx1"/>
+                      </a:solidFill>
+                      <a:prstDash val="solid"/>
+                      <a:round/>
+                      <a:headEnd type="none" w="med" len="med"/>
+                      <a:tailEnd type="none" w="med" len="med"/>
+                    </a:lnT>
+                    <a:lnB w="12700" cap="flat" cmpd="sng" algn="ctr">
+                      <a:solidFill>
+                        <a:schemeClr val="tx1"/>
+                      </a:solidFill>
+                      <a:prstDash val="solid"/>
+                      <a:round/>
+                      <a:headEnd type="none" w="med" len="med"/>
+                      <a:tailEnd type="none" w="med" len="med"/>
+                    </a:lnB>
+                    <a:lnTlToBr w="12700" cmpd="sng">
+                      <a:noFill/>
+                      <a:prstDash val="solid"/>
+                    </a:lnTlToBr>
+                    <a:lnBlToTr w="12700" cmpd="sng">
+                      <a:noFill/>
+                      <a:prstDash val="solid"/>
+                    </a:lnBlToTr>
+                    <a:noFill/>
+                  </a:tcPr>
+                </a:tc>
+              </a:tr>
+              <a:tr h="370840">
+                <a:tc>
+                  <a:txBody>
+                    <a:bodyPr/>
+                    <a:lstStyle/>
+                    <a:p>
+                      <a:r>
+                        <a:rPr lang="en-US" dirty="0" smtClean="0"/>
+                        <a:t>Step</a:t>
+                      </a:r>
+                      <a:r>
+                        <a:rPr lang="en-US" baseline="0" dirty="0" smtClean="0"/>
+                        <a:t> 2</a:t>
+                      </a:r>
+                      <a:endParaRPr lang="en-US" dirty="0"/>
+                    </a:p>
+                  </a:txBody>
+                  <a:tcPr>
+                    <a:lnL w="12700" cap="flat" cmpd="sng" algn="ctr">
+                      <a:solidFill>
+                        <a:schemeClr val="tx1"/>
+                      </a:solidFill>
+                      <a:prstDash val="solid"/>
+                      <a:round/>
+                      <a:headEnd type="none" w="med" len="med"/>
+                      <a:tailEnd type="none" w="med" len="med"/>
+                    </a:lnL>
+                    <a:lnR w="12700" cap="flat" cmpd="sng" algn="ctr">
+                      <a:solidFill>
+                        <a:schemeClr val="tx1"/>
+                      </a:solidFill>
+                      <a:prstDash val="solid"/>
+                      <a:round/>
+                      <a:headEnd type="none" w="med" len="med"/>
+                      <a:tailEnd type="none" w="med" len="med"/>
+                    </a:lnR>
+                    <a:lnT w="12700" cap="flat" cmpd="sng" algn="ctr">
+                      <a:solidFill>
+                        <a:schemeClr val="tx1"/>
+                      </a:solidFill>
+                      <a:prstDash val="solid"/>
+                      <a:round/>
+                      <a:headEnd type="none" w="med" len="med"/>
+                      <a:tailEnd type="none" w="med" len="med"/>
+                    </a:lnT>
+                    <a:lnB w="12700" cap="flat" cmpd="sng" algn="ctr">
+                      <a:solidFill>
+                        <a:schemeClr val="tx1"/>
+                      </a:solidFill>
+                      <a:prstDash val="solid"/>
+                      <a:round/>
+                      <a:headEnd type="none" w="med" len="med"/>
+                      <a:tailEnd type="none" w="med" len="med"/>
+                    </a:lnB>
+                    <a:lnTlToBr w="12700" cmpd="sng">
+                      <a:noFill/>
+                      <a:prstDash val="solid"/>
+                    </a:lnTlToBr>
+                    <a:lnBlToTr w="12700" cmpd="sng">
+                      <a:noFill/>
+                      <a:prstDash val="solid"/>
+                    </a:lnBlToTr>
+                    <a:noFill/>
+                  </a:tcPr>
+                </a:tc>
+                <a:tc>
+                  <a:txBody>
+                    <a:bodyPr/>
+                    <a:lstStyle/>
+                    <a:p>
+                      <a:pPr algn="ctr"/>
+                      <a:r>
+                        <a:rPr lang="en-US" dirty="0" smtClean="0"/>
+                        <a:t>8 4 2 1</a:t>
+                      </a:r>
+                      <a:endParaRPr lang="en-US" dirty="0"/>
+                    </a:p>
+                  </a:txBody>
+                  <a:tcPr>
+                    <a:lnL w="12700" cap="flat" cmpd="sng" algn="ctr">
+                      <a:solidFill>
+                        <a:schemeClr val="tx1"/>
+                      </a:solidFill>
+                      <a:prstDash val="solid"/>
+                      <a:round/>
+                      <a:headEnd type="none" w="med" len="med"/>
+                      <a:tailEnd type="none" w="med" len="med"/>
+                    </a:lnL>
+                    <a:lnR w="12700" cap="flat" cmpd="sng" algn="ctr">
+                      <a:solidFill>
+                        <a:schemeClr val="tx1"/>
+                      </a:solidFill>
+                      <a:prstDash val="solid"/>
+                      <a:round/>
+                      <a:headEnd type="none" w="med" len="med"/>
+                      <a:tailEnd type="none" w="med" len="med"/>
+                    </a:lnR>
+                    <a:lnT w="12700" cap="flat" cmpd="sng" algn="ctr">
+                      <a:solidFill>
+                        <a:schemeClr val="tx1"/>
+                      </a:solidFill>
+                      <a:prstDash val="solid"/>
+                      <a:round/>
+                      <a:headEnd type="none" w="med" len="med"/>
+                      <a:tailEnd type="none" w="med" len="med"/>
+                    </a:lnT>
+                    <a:lnB w="12700" cap="flat" cmpd="sng" algn="ctr">
+                      <a:solidFill>
+                        <a:schemeClr val="tx1"/>
+                      </a:solidFill>
+                      <a:prstDash val="solid"/>
+                      <a:round/>
+                      <a:headEnd type="none" w="med" len="med"/>
+                      <a:tailEnd type="none" w="med" len="med"/>
+                    </a:lnB>
+                    <a:lnTlToBr w="12700" cmpd="sng">
+                      <a:noFill/>
+                      <a:prstDash val="solid"/>
+                    </a:lnTlToBr>
+                    <a:lnBlToTr w="12700" cmpd="sng">
+                      <a:noFill/>
+                      <a:prstDash val="solid"/>
+                    </a:lnBlToTr>
+                    <a:noFill/>
+                  </a:tcPr>
+                </a:tc>
+                <a:tc>
+                  <a:txBody>
+                    <a:bodyPr/>
+                    <a:lstStyle/>
+                    <a:p>
+                      <a:pPr algn="ctr"/>
+                      <a:r>
+                        <a:rPr lang="en-US" dirty="0" smtClean="0"/>
+                        <a:t>8 4 2 1</a:t>
+                      </a:r>
+                      <a:endParaRPr lang="en-US" dirty="0"/>
+                    </a:p>
+                  </a:txBody>
+                  <a:tcPr>
+                    <a:lnL w="12700" cap="flat" cmpd="sng" algn="ctr">
+                      <a:solidFill>
+                        <a:schemeClr val="tx1"/>
+                      </a:solidFill>
+                      <a:prstDash val="solid"/>
+                      <a:round/>
+                      <a:headEnd type="none" w="med" len="med"/>
+                      <a:tailEnd type="none" w="med" len="med"/>
+                    </a:lnL>
+                    <a:lnR w="12700" cap="flat" cmpd="sng" algn="ctr">
+                      <a:solidFill>
+                        <a:schemeClr val="tx1"/>
+                      </a:solidFill>
+                      <a:prstDash val="solid"/>
+                      <a:round/>
+                      <a:headEnd type="none" w="med" len="med"/>
+                      <a:tailEnd type="none" w="med" len="med"/>
+                    </a:lnR>
+                    <a:lnT w="12700" cap="flat" cmpd="sng" algn="ctr">
+                      <a:solidFill>
+                        <a:schemeClr val="tx1"/>
+                      </a:solidFill>
+                      <a:prstDash val="solid"/>
+                      <a:round/>
+                      <a:headEnd type="none" w="med" len="med"/>
+                      <a:tailEnd type="none" w="med" len="med"/>
+                    </a:lnT>
+                    <a:lnB w="12700" cap="flat" cmpd="sng" algn="ctr">
+                      <a:solidFill>
+                        <a:schemeClr val="tx1"/>
+                      </a:solidFill>
+                      <a:prstDash val="solid"/>
+                      <a:round/>
+                      <a:headEnd type="none" w="med" len="med"/>
+                      <a:tailEnd type="none" w="med" len="med"/>
+                    </a:lnB>
+                    <a:lnTlToBr w="12700" cmpd="sng">
+                      <a:noFill/>
+                      <a:prstDash val="solid"/>
+                    </a:lnTlToBr>
+                    <a:lnBlToTr w="12700" cmpd="sng">
+                      <a:noFill/>
+                      <a:prstDash val="solid"/>
+                    </a:lnBlToTr>
+                    <a:noFill/>
+                  </a:tcPr>
+                </a:tc>
+                <a:tc>
+                  <a:txBody>
+                    <a:bodyPr/>
+                    <a:lstStyle/>
+                    <a:p>
+                      <a:pPr algn="ctr"/>
+                      <a:r>
+                        <a:rPr lang="en-US" dirty="0" smtClean="0"/>
+                        <a:t>8 4 2 1</a:t>
+                      </a:r>
+                      <a:endParaRPr lang="en-US" dirty="0"/>
+                    </a:p>
+                  </a:txBody>
+                  <a:tcPr>
+                    <a:lnL w="12700" cap="flat" cmpd="sng" algn="ctr">
+                      <a:solidFill>
+                        <a:schemeClr val="tx1"/>
+                      </a:solidFill>
+                      <a:prstDash val="solid"/>
+                      <a:round/>
+                      <a:headEnd type="none" w="med" len="med"/>
+                      <a:tailEnd type="none" w="med" len="med"/>
+                    </a:lnL>
+                    <a:lnR w="12700" cap="flat" cmpd="sng" algn="ctr">
+                      <a:solidFill>
+                        <a:schemeClr val="tx1"/>
+                      </a:solidFill>
+                      <a:prstDash val="solid"/>
+                      <a:round/>
+                      <a:headEnd type="none" w="med" len="med"/>
+                      <a:tailEnd type="none" w="med" len="med"/>
+                    </a:lnR>
+                    <a:lnT w="12700" cap="flat" cmpd="sng" algn="ctr">
+                      <a:solidFill>
+                        <a:schemeClr val="tx1"/>
+                      </a:solidFill>
+                      <a:prstDash val="solid"/>
+                      <a:round/>
+                      <a:headEnd type="none" w="med" len="med"/>
+                      <a:tailEnd type="none" w="med" len="med"/>
+                    </a:lnT>
+                    <a:lnB w="12700" cap="flat" cmpd="sng" algn="ctr">
+                      <a:solidFill>
+                        <a:schemeClr val="tx1"/>
+                      </a:solidFill>
+                      <a:prstDash val="solid"/>
+                      <a:round/>
+                      <a:headEnd type="none" w="med" len="med"/>
+                      <a:tailEnd type="none" w="med" len="med"/>
+                    </a:lnB>
+                    <a:lnTlToBr w="12700" cmpd="sng">
+                      <a:noFill/>
+                      <a:prstDash val="solid"/>
+                    </a:lnTlToBr>
+                    <a:lnBlToTr w="12700" cmpd="sng">
+                      <a:noFill/>
+                      <a:prstDash val="solid"/>
+                    </a:lnBlToTr>
+                    <a:noFill/>
+                  </a:tcPr>
+                </a:tc>
+              </a:tr>
+              <a:tr h="370840">
+                <a:tc>
+                  <a:txBody>
+                    <a:bodyPr/>
+                    <a:lstStyle/>
+                    <a:p>
+                      <a:endParaRPr lang="en-US" dirty="0"/>
+                    </a:p>
+                  </a:txBody>
+                  <a:tcPr>
+                    <a:lnL w="12700" cap="flat" cmpd="sng" algn="ctr">
+                      <a:solidFill>
+                        <a:schemeClr val="tx1"/>
+                      </a:solidFill>
+                      <a:prstDash val="solid"/>
+                      <a:round/>
+                      <a:headEnd type="none" w="med" len="med"/>
+                      <a:tailEnd type="none" w="med" len="med"/>
+                    </a:lnL>
+                    <a:lnR w="12700" cap="flat" cmpd="sng" algn="ctr">
+                      <a:solidFill>
+                        <a:schemeClr val="tx1"/>
+                      </a:solidFill>
+                      <a:prstDash val="solid"/>
+                      <a:round/>
+                      <a:headEnd type="none" w="med" len="med"/>
+                      <a:tailEnd type="none" w="med" len="med"/>
+                    </a:lnR>
+                    <a:lnT w="12700" cap="flat" cmpd="sng" algn="ctr">
+                      <a:solidFill>
+                        <a:schemeClr val="tx1"/>
+                      </a:solidFill>
+                      <a:prstDash val="solid"/>
+                      <a:round/>
+                      <a:headEnd type="none" w="med" len="med"/>
+                      <a:tailEnd type="none" w="med" len="med"/>
+                    </a:lnT>
+                    <a:lnB w="12700" cap="flat" cmpd="sng" algn="ctr">
+                      <a:solidFill>
+                        <a:schemeClr val="tx1"/>
+                      </a:solidFill>
+                      <a:prstDash val="solid"/>
+                      <a:round/>
+                      <a:headEnd type="none" w="med" len="med"/>
+                      <a:tailEnd type="none" w="med" len="med"/>
+                    </a:lnB>
+                    <a:lnTlToBr w="12700" cmpd="sng">
+                      <a:noFill/>
+                      <a:prstDash val="solid"/>
+                    </a:lnTlToBr>
+                    <a:lnBlToTr w="12700" cmpd="sng">
+                      <a:noFill/>
+                      <a:prstDash val="solid"/>
+                    </a:lnBlToTr>
+                    <a:noFill/>
+                  </a:tcPr>
+                </a:tc>
+                <a:tc>
+                  <a:txBody>
+                    <a:bodyPr/>
+                    <a:lstStyle/>
+                    <a:p>
+                      <a:pPr algn="ctr"/>
+                      <a:endParaRPr lang="en-US" dirty="0"/>
+                    </a:p>
+                  </a:txBody>
+                  <a:tcPr>
+                    <a:lnL w="12700" cap="flat" cmpd="sng" algn="ctr">
+                      <a:solidFill>
+                        <a:schemeClr val="tx1"/>
+                      </a:solidFill>
+                      <a:prstDash val="solid"/>
+                      <a:round/>
+                      <a:headEnd type="none" w="med" len="med"/>
+                      <a:tailEnd type="none" w="med" len="med"/>
+                    </a:lnL>
+                    <a:lnR w="12700" cap="flat" cmpd="sng" algn="ctr">
+                      <a:solidFill>
+                        <a:schemeClr val="tx1"/>
+                      </a:solidFill>
+                      <a:prstDash val="solid"/>
+                      <a:round/>
+                      <a:headEnd type="none" w="med" len="med"/>
+                      <a:tailEnd type="none" w="med" len="med"/>
+                    </a:lnR>
+                    <a:lnT w="12700" cap="flat" cmpd="sng" algn="ctr">
+                      <a:solidFill>
+                        <a:schemeClr val="tx1"/>
+                      </a:solidFill>
+                      <a:prstDash val="solid"/>
+                      <a:round/>
+                      <a:headEnd type="none" w="med" len="med"/>
+                      <a:tailEnd type="none" w="med" len="med"/>
+                    </a:lnT>
+                    <a:lnB w="12700" cap="flat" cmpd="sng" algn="ctr">
+                      <a:solidFill>
+                        <a:schemeClr val="tx1"/>
+                      </a:solidFill>
+                      <a:prstDash val="solid"/>
+                      <a:round/>
+                      <a:headEnd type="none" w="med" len="med"/>
+                      <a:tailEnd type="none" w="med" len="med"/>
+                    </a:lnB>
+                    <a:lnTlToBr w="12700" cmpd="sng">
+                      <a:noFill/>
+                      <a:prstDash val="solid"/>
+                    </a:lnTlToBr>
+                    <a:lnBlToTr w="12700" cmpd="sng">
+                      <a:noFill/>
+                      <a:prstDash val="solid"/>
+                    </a:lnBlToTr>
+                    <a:noFill/>
+                  </a:tcPr>
+                </a:tc>
+                <a:tc>
+                  <a:txBody>
+                    <a:bodyPr/>
+                    <a:lstStyle/>
+                    <a:p>
+                      <a:pPr algn="ctr"/>
+                      <a:endParaRPr lang="en-US" dirty="0"/>
+                    </a:p>
+                  </a:txBody>
+                  <a:tcPr>
+                    <a:lnL w="12700" cap="flat" cmpd="sng" algn="ctr">
+                      <a:solidFill>
+                        <a:schemeClr val="tx1"/>
+                      </a:solidFill>
+                      <a:prstDash val="solid"/>
+                      <a:round/>
+                      <a:headEnd type="none" w="med" len="med"/>
+                      <a:tailEnd type="none" w="med" len="med"/>
+                    </a:lnL>
+                    <a:lnR w="12700" cap="flat" cmpd="sng" algn="ctr">
+                      <a:solidFill>
+                        <a:schemeClr val="tx1"/>
+                      </a:solidFill>
+                      <a:prstDash val="solid"/>
+                      <a:round/>
+                      <a:headEnd type="none" w="med" len="med"/>
+                      <a:tailEnd type="none" w="med" len="med"/>
+                    </a:lnR>
+                    <a:lnT w="12700" cap="flat" cmpd="sng" algn="ctr">
+                      <a:solidFill>
+                        <a:schemeClr val="tx1"/>
+                      </a:solidFill>
+                      <a:prstDash val="solid"/>
+                      <a:round/>
+                      <a:headEnd type="none" w="med" len="med"/>
+                      <a:tailEnd type="none" w="med" len="med"/>
+                    </a:lnT>
+                    <a:lnB w="12700" cap="flat" cmpd="sng" algn="ctr">
+                      <a:solidFill>
+                        <a:schemeClr val="tx1"/>
+                      </a:solidFill>
+                      <a:prstDash val="solid"/>
+                      <a:round/>
+                      <a:headEnd type="none" w="med" len="med"/>
+                      <a:tailEnd type="none" w="med" len="med"/>
+                    </a:lnB>
+                    <a:lnTlToBr w="12700" cmpd="sng">
+                      <a:noFill/>
+                      <a:prstDash val="solid"/>
+                    </a:lnTlToBr>
+                    <a:lnBlToTr w="12700" cmpd="sng">
+                      <a:noFill/>
+                      <a:prstDash val="solid"/>
+                    </a:lnBlToTr>
+                    <a:noFill/>
+                  </a:tcPr>
+                </a:tc>
+                <a:tc>
+                  <a:txBody>
+                    <a:bodyPr/>
+                    <a:lstStyle/>
+                    <a:p>
+                      <a:pPr algn="ctr"/>
+                      <a:endParaRPr lang="en-US" dirty="0"/>
+                    </a:p>
+                  </a:txBody>
+                  <a:tcPr>
+                    <a:lnL w="12700" cap="flat" cmpd="sng" algn="ctr">
+                      <a:solidFill>
+                        <a:schemeClr val="tx1"/>
+                      </a:solidFill>
+                      <a:prstDash val="solid"/>
+                      <a:round/>
+                      <a:headEnd type="none" w="med" len="med"/>
+                      <a:tailEnd type="none" w="med" len="med"/>
+                    </a:lnL>
+                    <a:lnR w="12700" cap="flat" cmpd="sng" algn="ctr">
+                      <a:solidFill>
+                        <a:schemeClr val="tx1"/>
+                      </a:solidFill>
+                      <a:prstDash val="solid"/>
+                      <a:round/>
+                      <a:headEnd type="none" w="med" len="med"/>
+                      <a:tailEnd type="none" w="med" len="med"/>
+                    </a:lnR>
+                    <a:lnT w="12700" cap="flat" cmpd="sng" algn="ctr">
+                      <a:solidFill>
+                        <a:schemeClr val="tx1"/>
+                      </a:solidFill>
+                      <a:prstDash val="solid"/>
+                      <a:round/>
+                      <a:headEnd type="none" w="med" len="med"/>
+                      <a:tailEnd type="none" w="med" len="med"/>
+                    </a:lnT>
+                    <a:lnB w="12700" cap="flat" cmpd="sng" algn="ctr">
+                      <a:solidFill>
+                        <a:schemeClr val="tx1"/>
+                      </a:solidFill>
+                      <a:prstDash val="solid"/>
+                      <a:round/>
+                      <a:headEnd type="none" w="med" len="med"/>
+                      <a:tailEnd type="none" w="med" len="med"/>
+                    </a:lnB>
+                    <a:lnTlToBr w="12700" cmpd="sng">
+                      <a:noFill/>
+                      <a:prstDash val="solid"/>
+                    </a:lnTlToBr>
+                    <a:lnBlToTr w="12700" cmpd="sng">
+                      <a:noFill/>
+                      <a:prstDash val="solid"/>
+                    </a:lnBlToTr>
+                    <a:noFill/>
+                  </a:tcPr>
+                </a:tc>
+              </a:tr>
+              <a:tr h="370840">
+                <a:tc>
+                  <a:txBody>
+                    <a:bodyPr/>
+                    <a:lstStyle/>
+                    <a:p>
+                      <a:r>
+                        <a:rPr lang="en-US" dirty="0" smtClean="0"/>
+                        <a:t>Step</a:t>
+                      </a:r>
+                      <a:r>
+                        <a:rPr lang="en-US" baseline="0" dirty="0" smtClean="0"/>
+                        <a:t> 3</a:t>
+                      </a:r>
+                      <a:endParaRPr lang="en-US" dirty="0"/>
+                    </a:p>
+                  </a:txBody>
+                  <a:tcPr>
+                    <a:lnL w="12700" cap="flat" cmpd="sng" algn="ctr">
+                      <a:solidFill>
+                        <a:schemeClr val="tx1"/>
+                      </a:solidFill>
+                      <a:prstDash val="solid"/>
+                      <a:round/>
+                      <a:headEnd type="none" w="med" len="med"/>
+                      <a:tailEnd type="none" w="med" len="med"/>
+                    </a:lnL>
+                    <a:lnR w="12700" cap="flat" cmpd="sng" algn="ctr">
+                      <a:solidFill>
+                        <a:schemeClr val="tx1"/>
+                      </a:solidFill>
+                      <a:prstDash val="solid"/>
+                      <a:round/>
+                      <a:headEnd type="none" w="med" len="med"/>
+                      <a:tailEnd type="none" w="med" len="med"/>
+                    </a:lnR>
+                    <a:lnT w="12700" cap="flat" cmpd="sng" algn="ctr">
+                      <a:solidFill>
+                        <a:schemeClr val="tx1"/>
+                      </a:solidFill>
+                      <a:prstDash val="solid"/>
+                      <a:round/>
+                      <a:headEnd type="none" w="med" len="med"/>
+                      <a:tailEnd type="none" w="med" len="med"/>
+                    </a:lnT>
+                    <a:lnB w="12700" cap="flat" cmpd="sng" algn="ctr">
+                      <a:solidFill>
+                        <a:schemeClr val="tx1"/>
+                      </a:solidFill>
+                      <a:prstDash val="solid"/>
+                      <a:round/>
+                      <a:headEnd type="none" w="med" len="med"/>
+                      <a:tailEnd type="none" w="med" len="med"/>
+                    </a:lnB>
+                    <a:lnTlToBr w="12700" cmpd="sng">
+                      <a:noFill/>
+                      <a:prstDash val="solid"/>
+                    </a:lnTlToBr>
+                    <a:lnBlToTr w="12700" cmpd="sng">
+                      <a:noFill/>
+                      <a:prstDash val="solid"/>
+                    </a:lnBlToTr>
+                    <a:noFill/>
+                  </a:tcPr>
+                </a:tc>
+                <a:tc>
+                  <a:txBody>
+                    <a:bodyPr/>
+                    <a:lstStyle/>
+                    <a:p>
+                      <a:pPr algn="ctr"/>
+                      <a:r>
+                        <a:rPr lang="en-US" dirty="0" smtClean="0"/>
+                        <a:t>8 </a:t>
+                      </a:r>
+                      <a:r>
+                        <a:rPr lang="en-US" b="1" dirty="0" smtClean="0">
+                          <a:solidFill>
+                            <a:srgbClr val="FF0000"/>
+                          </a:solidFill>
+                        </a:rPr>
+                        <a:t>4 </a:t>
+                      </a:r>
+                      <a:r>
+                        <a:rPr lang="en-US" dirty="0" smtClean="0"/>
+                        <a:t>2 1</a:t>
+                      </a:r>
+                      <a:endParaRPr lang="en-US" dirty="0"/>
+                    </a:p>
+                  </a:txBody>
+                  <a:tcPr>
+                    <a:lnL w="12700" cap="flat" cmpd="sng" algn="ctr">
+                      <a:solidFill>
+                        <a:schemeClr val="tx1"/>
+                      </a:solidFill>
+                      <a:prstDash val="solid"/>
+                      <a:round/>
+                      <a:headEnd type="none" w="med" len="med"/>
+                      <a:tailEnd type="none" w="med" len="med"/>
+                    </a:lnL>
+                    <a:lnR w="12700" cap="flat" cmpd="sng" algn="ctr">
+                      <a:solidFill>
+                        <a:schemeClr val="tx1"/>
+                      </a:solidFill>
+                      <a:prstDash val="solid"/>
+                      <a:round/>
+                      <a:headEnd type="none" w="med" len="med"/>
+                      <a:tailEnd type="none" w="med" len="med"/>
+                    </a:lnR>
+                    <a:lnT w="12700" cap="flat" cmpd="sng" algn="ctr">
+                      <a:solidFill>
+                        <a:schemeClr val="tx1"/>
+                      </a:solidFill>
+                      <a:prstDash val="solid"/>
+                      <a:round/>
+                      <a:headEnd type="none" w="med" len="med"/>
+                      <a:tailEnd type="none" w="med" len="med"/>
+                    </a:lnT>
+                    <a:lnB w="12700" cap="flat" cmpd="sng" algn="ctr">
+                      <a:solidFill>
+                        <a:schemeClr val="tx1"/>
+                      </a:solidFill>
+                      <a:prstDash val="solid"/>
+                      <a:round/>
+                      <a:headEnd type="none" w="med" len="med"/>
+                      <a:tailEnd type="none" w="med" len="med"/>
+                    </a:lnB>
+                    <a:lnTlToBr w="12700" cmpd="sng">
+                      <a:noFill/>
+                      <a:prstDash val="solid"/>
+                    </a:lnTlToBr>
+                    <a:lnBlToTr w="12700" cmpd="sng">
+                      <a:noFill/>
+                      <a:prstDash val="solid"/>
+                    </a:lnBlToTr>
+                    <a:noFill/>
+                  </a:tcPr>
+                </a:tc>
+                <a:tc>
+                  <a:txBody>
+                    <a:bodyPr/>
+                    <a:lstStyle/>
+                    <a:p>
+                      <a:pPr algn="ctr"/>
+                      <a:r>
+                        <a:rPr lang="en-US" b="1" dirty="0" smtClean="0">
+                          <a:solidFill>
+                            <a:srgbClr val="FF0000"/>
+                          </a:solidFill>
+                        </a:rPr>
+                        <a:t>8 4 2 1</a:t>
+                      </a:r>
+                      <a:endParaRPr lang="en-US" b="1" dirty="0">
+                        <a:solidFill>
+                          <a:srgbClr val="FF0000"/>
+                        </a:solidFill>
+                      </a:endParaRPr>
+                    </a:p>
+                  </a:txBody>
+                  <a:tcPr>
+                    <a:lnL w="12700" cap="flat" cmpd="sng" algn="ctr">
+                      <a:solidFill>
+                        <a:schemeClr val="tx1"/>
+                      </a:solidFill>
+                      <a:prstDash val="solid"/>
+                      <a:round/>
+                      <a:headEnd type="none" w="med" len="med"/>
+                      <a:tailEnd type="none" w="med" len="med"/>
+                    </a:lnL>
+                    <a:lnR w="12700" cap="flat" cmpd="sng" algn="ctr">
+                      <a:solidFill>
+                        <a:schemeClr val="tx1"/>
+                      </a:solidFill>
+                      <a:prstDash val="solid"/>
+                      <a:round/>
+                      <a:headEnd type="none" w="med" len="med"/>
+                      <a:tailEnd type="none" w="med" len="med"/>
+                    </a:lnR>
+                    <a:lnT w="12700" cap="flat" cmpd="sng" algn="ctr">
+                      <a:solidFill>
+                        <a:schemeClr val="tx1"/>
+                      </a:solidFill>
+                      <a:prstDash val="solid"/>
+                      <a:round/>
+                      <a:headEnd type="none" w="med" len="med"/>
+                      <a:tailEnd type="none" w="med" len="med"/>
+                    </a:lnT>
+                    <a:lnB w="12700" cap="flat" cmpd="sng" algn="ctr">
+                      <a:solidFill>
+                        <a:schemeClr val="tx1"/>
+                      </a:solidFill>
+                      <a:prstDash val="solid"/>
+                      <a:round/>
+                      <a:headEnd type="none" w="med" len="med"/>
+                      <a:tailEnd type="none" w="med" len="med"/>
+                    </a:lnB>
+                    <a:lnTlToBr w="12700" cmpd="sng">
+                      <a:noFill/>
+                      <a:prstDash val="solid"/>
+                    </a:lnTlToBr>
+                    <a:lnBlToTr w="12700" cmpd="sng">
+                      <a:noFill/>
+                      <a:prstDash val="solid"/>
+                    </a:lnBlToTr>
+                    <a:noFill/>
+                  </a:tcPr>
+                </a:tc>
+                <a:tc>
+                  <a:txBody>
+                    <a:bodyPr/>
+                    <a:lstStyle/>
+                    <a:p>
+                      <a:pPr algn="ctr"/>
+                      <a:r>
+                        <a:rPr lang="en-US" b="1" dirty="0" smtClean="0">
+                          <a:solidFill>
+                            <a:srgbClr val="FF0000"/>
+                          </a:solidFill>
+                        </a:rPr>
+                        <a:t>8 </a:t>
+                      </a:r>
+                      <a:r>
+                        <a:rPr lang="en-US" dirty="0" smtClean="0"/>
+                        <a:t>4 </a:t>
+                      </a:r>
+                      <a:r>
+                        <a:rPr lang="en-US" sz="1800" b="1" kern="1200" dirty="0" smtClean="0">
+                          <a:solidFill>
+                            <a:srgbClr val="FF0000"/>
+                          </a:solidFill>
+                          <a:latin typeface="+mn-lt"/>
+                          <a:ea typeface="+mn-ea"/>
+                          <a:cs typeface="+mn-cs"/>
+                        </a:rPr>
+                        <a:t>2 </a:t>
+                      </a:r>
+                      <a:r>
+                        <a:rPr lang="en-US" dirty="0" smtClean="0"/>
+                        <a:t>1</a:t>
+                      </a:r>
+                      <a:endParaRPr lang="en-US" dirty="0"/>
+                    </a:p>
+                  </a:txBody>
+                  <a:tcPr>
+                    <a:lnL w="12700" cap="flat" cmpd="sng" algn="ctr">
+                      <a:solidFill>
+                        <a:schemeClr val="tx1"/>
+                      </a:solidFill>
+                      <a:prstDash val="solid"/>
+                      <a:round/>
+                      <a:headEnd type="none" w="med" len="med"/>
+                      <a:tailEnd type="none" w="med" len="med"/>
+                    </a:lnL>
+                    <a:lnR w="12700" cap="flat" cmpd="sng" algn="ctr">
+                      <a:solidFill>
+                        <a:schemeClr val="tx1"/>
+                      </a:solidFill>
+                      <a:prstDash val="solid"/>
+                      <a:round/>
+                      <a:headEnd type="none" w="med" len="med"/>
+                      <a:tailEnd type="none" w="med" len="med"/>
+                    </a:lnR>
+                    <a:lnT w="12700" cap="flat" cmpd="sng" algn="ctr">
+                      <a:solidFill>
+                        <a:schemeClr val="tx1"/>
+                      </a:solidFill>
+                      <a:prstDash val="solid"/>
+                      <a:round/>
+                      <a:headEnd type="none" w="med" len="med"/>
+                      <a:tailEnd type="none" w="med" len="med"/>
+                    </a:lnT>
+                    <a:lnB w="12700" cap="flat" cmpd="sng" algn="ctr">
+                      <a:solidFill>
+                        <a:schemeClr val="tx1"/>
+                      </a:solidFill>
+                      <a:prstDash val="solid"/>
+                      <a:round/>
+                      <a:headEnd type="none" w="med" len="med"/>
+                      <a:tailEnd type="none" w="med" len="med"/>
+                    </a:lnB>
+                    <a:lnTlToBr w="12700" cmpd="sng">
+                      <a:noFill/>
+                      <a:prstDash val="solid"/>
+                    </a:lnTlToBr>
+                    <a:lnBlToTr w="12700" cmpd="sng">
+                      <a:noFill/>
+                      <a:prstDash val="solid"/>
+                    </a:lnBlToTr>
+                    <a:noFill/>
+                  </a:tcPr>
+                </a:tc>
+              </a:tr>
+              <a:tr h="370840">
+                <a:tc>
+                  <a:txBody>
+                    <a:bodyPr/>
+                    <a:lstStyle/>
+                    <a:p>
+                      <a:endParaRPr lang="en-US" dirty="0"/>
+                    </a:p>
+                  </a:txBody>
+                  <a:tcPr>
+                    <a:lnL w="12700" cap="flat" cmpd="sng" algn="ctr">
+                      <a:solidFill>
+                        <a:schemeClr val="tx1"/>
+                      </a:solidFill>
+                      <a:prstDash val="solid"/>
+                      <a:round/>
+                      <a:headEnd type="none" w="med" len="med"/>
+                      <a:tailEnd type="none" w="med" len="med"/>
+                    </a:lnL>
+                    <a:lnR w="12700" cap="flat" cmpd="sng" algn="ctr">
+                      <a:solidFill>
+                        <a:schemeClr val="tx1"/>
+                      </a:solidFill>
+                      <a:prstDash val="solid"/>
+                      <a:round/>
+                      <a:headEnd type="none" w="med" len="med"/>
+                      <a:tailEnd type="none" w="med" len="med"/>
+                    </a:lnR>
+                    <a:lnT w="12700" cap="flat" cmpd="sng" algn="ctr">
+                      <a:solidFill>
+                        <a:schemeClr val="tx1"/>
+                      </a:solidFill>
+                      <a:prstDash val="solid"/>
+                      <a:round/>
+                      <a:headEnd type="none" w="med" len="med"/>
+                      <a:tailEnd type="none" w="med" len="med"/>
+                    </a:lnT>
+                    <a:lnB w="12700" cap="flat" cmpd="sng" algn="ctr">
+                      <a:solidFill>
+                        <a:schemeClr val="tx1"/>
+                      </a:solidFill>
+                      <a:prstDash val="solid"/>
+                      <a:round/>
+                      <a:headEnd type="none" w="med" len="med"/>
+                      <a:tailEnd type="none" w="med" len="med"/>
+                    </a:lnB>
+                    <a:lnTlToBr w="12700" cmpd="sng">
+                      <a:noFill/>
+                      <a:prstDash val="solid"/>
+                    </a:lnTlToBr>
+                    <a:lnBlToTr w="12700" cmpd="sng">
+                      <a:noFill/>
+                      <a:prstDash val="solid"/>
+                    </a:lnBlToTr>
+                    <a:noFill/>
+                  </a:tcPr>
+                </a:tc>
+                <a:tc>
+                  <a:txBody>
+                    <a:bodyPr/>
+                    <a:lstStyle/>
+                    <a:p>
+                      <a:pPr algn="ctr"/>
+                      <a:r>
+                        <a:rPr lang="en-US" dirty="0" smtClean="0"/>
+                        <a:t>(4 = 4) </a:t>
+                      </a:r>
+                      <a:endParaRPr lang="en-US" dirty="0"/>
+                    </a:p>
+                  </a:txBody>
+                  <a:tcPr>
+                    <a:lnL w="12700" cap="flat" cmpd="sng" algn="ctr">
+                      <a:solidFill>
+                        <a:schemeClr val="tx1"/>
+                      </a:solidFill>
+                      <a:prstDash val="solid"/>
+                      <a:round/>
+                      <a:headEnd type="none" w="med" len="med"/>
+                      <a:tailEnd type="none" w="med" len="med"/>
+                    </a:lnL>
+                    <a:lnR w="12700" cap="flat" cmpd="sng" algn="ctr">
+                      <a:solidFill>
+                        <a:schemeClr val="tx1"/>
+                      </a:solidFill>
+                      <a:prstDash val="solid"/>
+                      <a:round/>
+                      <a:headEnd type="none" w="med" len="med"/>
+                      <a:tailEnd type="none" w="med" len="med"/>
+                    </a:lnR>
+                    <a:lnT w="12700" cap="flat" cmpd="sng" algn="ctr">
+                      <a:solidFill>
+                        <a:schemeClr val="tx1"/>
+                      </a:solidFill>
+                      <a:prstDash val="solid"/>
+                      <a:round/>
+                      <a:headEnd type="none" w="med" len="med"/>
+                      <a:tailEnd type="none" w="med" len="med"/>
+                    </a:lnT>
+                    <a:lnB w="12700" cap="flat" cmpd="sng" algn="ctr">
+                      <a:solidFill>
+                        <a:schemeClr val="tx1"/>
+                      </a:solidFill>
+                      <a:prstDash val="solid"/>
+                      <a:round/>
+                      <a:headEnd type="none" w="med" len="med"/>
+                      <a:tailEnd type="none" w="med" len="med"/>
+                    </a:lnB>
+                    <a:lnTlToBr w="12700" cmpd="sng">
+                      <a:noFill/>
+                      <a:prstDash val="solid"/>
+                    </a:lnTlToBr>
+                    <a:lnBlToTr w="12700" cmpd="sng">
+                      <a:noFill/>
+                      <a:prstDash val="solid"/>
+                    </a:lnBlToTr>
+                    <a:noFill/>
+                  </a:tcPr>
+                </a:tc>
+                <a:tc>
+                  <a:txBody>
+                    <a:bodyPr/>
+                    <a:lstStyle/>
+                    <a:p>
+                      <a:pPr algn="ctr"/>
+                      <a:r>
+                        <a:rPr lang="en-US" dirty="0" smtClean="0"/>
+                        <a:t>(15 = 8+4+2+1)</a:t>
+                      </a:r>
+                      <a:endParaRPr lang="en-US" dirty="0"/>
+                    </a:p>
+                  </a:txBody>
+                  <a:tcPr>
+                    <a:lnL w="12700" cap="flat" cmpd="sng" algn="ctr">
+                      <a:solidFill>
+                        <a:schemeClr val="tx1"/>
+                      </a:solidFill>
+                      <a:prstDash val="solid"/>
+                      <a:round/>
+                      <a:headEnd type="none" w="med" len="med"/>
+                      <a:tailEnd type="none" w="med" len="med"/>
+                    </a:lnL>
+                    <a:lnR w="12700" cap="flat" cmpd="sng" algn="ctr">
+                      <a:solidFill>
+                        <a:schemeClr val="tx1"/>
+                      </a:solidFill>
+                      <a:prstDash val="solid"/>
+                      <a:round/>
+                      <a:headEnd type="none" w="med" len="med"/>
+                      <a:tailEnd type="none" w="med" len="med"/>
+                    </a:lnR>
+                    <a:lnT w="12700" cap="flat" cmpd="sng" algn="ctr">
+                      <a:solidFill>
+                        <a:schemeClr val="tx1"/>
+                      </a:solidFill>
+                      <a:prstDash val="solid"/>
+                      <a:round/>
+                      <a:headEnd type="none" w="med" len="med"/>
+                      <a:tailEnd type="none" w="med" len="med"/>
+                    </a:lnT>
+                    <a:lnB w="12700" cap="flat" cmpd="sng" algn="ctr">
+                      <a:solidFill>
+                        <a:schemeClr val="tx1"/>
+                      </a:solidFill>
+                      <a:prstDash val="solid"/>
+                      <a:round/>
+                      <a:headEnd type="none" w="med" len="med"/>
+                      <a:tailEnd type="none" w="med" len="med"/>
+                    </a:lnB>
+                    <a:lnTlToBr w="12700" cmpd="sng">
+                      <a:noFill/>
+                      <a:prstDash val="solid"/>
+                    </a:lnTlToBr>
+                    <a:lnBlToTr w="12700" cmpd="sng">
+                      <a:noFill/>
+                      <a:prstDash val="solid"/>
+                    </a:lnBlToTr>
+                    <a:noFill/>
+                  </a:tcPr>
+                </a:tc>
+                <a:tc>
+                  <a:txBody>
+                    <a:bodyPr/>
+                    <a:lstStyle/>
+                    <a:p>
+                      <a:pPr algn="ctr"/>
+                      <a:r>
+                        <a:rPr lang="en-US" dirty="0" smtClean="0"/>
+                        <a:t>(10</a:t>
+                      </a:r>
+                      <a:r>
+                        <a:rPr lang="en-US" baseline="0" dirty="0" smtClean="0"/>
+                        <a:t> = 8+2)</a:t>
+                      </a:r>
+                      <a:endParaRPr lang="en-US" dirty="0"/>
+                    </a:p>
+                  </a:txBody>
+                  <a:tcPr>
+                    <a:lnL w="12700" cap="flat" cmpd="sng" algn="ctr">
+                      <a:solidFill>
+                        <a:schemeClr val="tx1"/>
+                      </a:solidFill>
+                      <a:prstDash val="solid"/>
+                      <a:round/>
+                      <a:headEnd type="none" w="med" len="med"/>
+                      <a:tailEnd type="none" w="med" len="med"/>
+                    </a:lnL>
+                    <a:lnR w="12700" cap="flat" cmpd="sng" algn="ctr">
+                      <a:solidFill>
+                        <a:schemeClr val="tx1"/>
+                      </a:solidFill>
+                      <a:prstDash val="solid"/>
+                      <a:round/>
+                      <a:headEnd type="none" w="med" len="med"/>
+                      <a:tailEnd type="none" w="med" len="med"/>
+                    </a:lnR>
+                    <a:lnT w="12700" cap="flat" cmpd="sng" algn="ctr">
+                      <a:solidFill>
+                        <a:schemeClr val="tx1"/>
+                      </a:solidFill>
+                      <a:prstDash val="solid"/>
+                      <a:round/>
+                      <a:headEnd type="none" w="med" len="med"/>
+                      <a:tailEnd type="none" w="med" len="med"/>
+                    </a:lnT>
+                    <a:lnB w="12700" cap="flat" cmpd="sng" algn="ctr">
+                      <a:solidFill>
+                        <a:schemeClr val="tx1"/>
+                      </a:solidFill>
+                      <a:prstDash val="solid"/>
+                      <a:round/>
+                      <a:headEnd type="none" w="med" len="med"/>
+                      <a:tailEnd type="none" w="med" len="med"/>
+                    </a:lnB>
+                    <a:lnTlToBr w="12700" cmpd="sng">
+                      <a:noFill/>
+                      <a:prstDash val="solid"/>
+                    </a:lnTlToBr>
+                    <a:lnBlToTr w="12700" cmpd="sng">
+                      <a:noFill/>
+                      <a:prstDash val="solid"/>
+                    </a:lnBlToTr>
+                    <a:noFill/>
+                  </a:tcPr>
+                </a:tc>
+              </a:tr>
+              <a:tr h="370840">
+                <a:tc>
+                  <a:txBody>
+                    <a:bodyPr/>
+                    <a:lstStyle/>
+                    <a:p>
+                      <a:endParaRPr lang="en-US" dirty="0"/>
+                    </a:p>
+                  </a:txBody>
+                  <a:tcPr>
+                    <a:lnL w="12700" cap="flat" cmpd="sng" algn="ctr">
+                      <a:solidFill>
+                        <a:schemeClr val="tx1"/>
+                      </a:solidFill>
+                      <a:prstDash val="solid"/>
+                      <a:round/>
+                      <a:headEnd type="none" w="med" len="med"/>
+                      <a:tailEnd type="none" w="med" len="med"/>
+                    </a:lnL>
+                    <a:lnR w="12700" cap="flat" cmpd="sng" algn="ctr">
+                      <a:solidFill>
+                        <a:schemeClr val="tx1"/>
+                      </a:solidFill>
+                      <a:prstDash val="solid"/>
+                      <a:round/>
+                      <a:headEnd type="none" w="med" len="med"/>
+                      <a:tailEnd type="none" w="med" len="med"/>
+                    </a:lnR>
+                    <a:lnT w="12700" cap="flat" cmpd="sng" algn="ctr">
+                      <a:solidFill>
+                        <a:schemeClr val="tx1"/>
+                      </a:solidFill>
+                      <a:prstDash val="solid"/>
+                      <a:round/>
+                      <a:headEnd type="none" w="med" len="med"/>
+                      <a:tailEnd type="none" w="med" len="med"/>
+                    </a:lnT>
+                    <a:lnB w="12700" cap="flat" cmpd="sng" algn="ctr">
+                      <a:solidFill>
+                        <a:schemeClr val="tx1"/>
+                      </a:solidFill>
+                      <a:prstDash val="solid"/>
+                      <a:round/>
+                      <a:headEnd type="none" w="med" len="med"/>
+                      <a:tailEnd type="none" w="med" len="med"/>
+                    </a:lnB>
+                    <a:lnTlToBr w="12700" cmpd="sng">
+                      <a:noFill/>
+                      <a:prstDash val="solid"/>
+                    </a:lnTlToBr>
+                    <a:lnBlToTr w="12700" cmpd="sng">
+                      <a:noFill/>
+                      <a:prstDash val="solid"/>
+                    </a:lnBlToTr>
+                    <a:noFill/>
+                  </a:tcPr>
+                </a:tc>
+                <a:tc>
+                  <a:txBody>
+                    <a:bodyPr/>
+                    <a:lstStyle/>
+                    <a:p>
+                      <a:pPr algn="ctr"/>
+                      <a:endParaRPr lang="en-US" dirty="0"/>
+                    </a:p>
+                  </a:txBody>
+                  <a:tcPr>
+                    <a:lnL w="12700" cap="flat" cmpd="sng" algn="ctr">
+                      <a:solidFill>
+                        <a:schemeClr val="tx1"/>
+                      </a:solidFill>
+                      <a:prstDash val="solid"/>
+                      <a:round/>
+                      <a:headEnd type="none" w="med" len="med"/>
+                      <a:tailEnd type="none" w="med" len="med"/>
+                    </a:lnL>
+                    <a:lnR w="12700" cap="flat" cmpd="sng" algn="ctr">
+                      <a:solidFill>
+                        <a:schemeClr val="tx1"/>
+                      </a:solidFill>
+                      <a:prstDash val="solid"/>
+                      <a:round/>
+                      <a:headEnd type="none" w="med" len="med"/>
+                      <a:tailEnd type="none" w="med" len="med"/>
+                    </a:lnR>
+                    <a:lnT w="12700" cap="flat" cmpd="sng" algn="ctr">
+                      <a:solidFill>
+                        <a:schemeClr val="tx1"/>
+                      </a:solidFill>
+                      <a:prstDash val="solid"/>
+                      <a:round/>
+                      <a:headEnd type="none" w="med" len="med"/>
+                      <a:tailEnd type="none" w="med" len="med"/>
+                    </a:lnT>
+                    <a:lnB w="12700" cap="flat" cmpd="sng" algn="ctr">
+                      <a:solidFill>
+                        <a:schemeClr val="tx1"/>
+                      </a:solidFill>
+                      <a:prstDash val="solid"/>
+                      <a:round/>
+                      <a:headEnd type="none" w="med" len="med"/>
+                      <a:tailEnd type="none" w="med" len="med"/>
+                    </a:lnB>
+                    <a:lnTlToBr w="12700" cmpd="sng">
+                      <a:noFill/>
+                      <a:prstDash val="solid"/>
+                    </a:lnTlToBr>
+                    <a:lnBlToTr w="12700" cmpd="sng">
+                      <a:noFill/>
+                      <a:prstDash val="solid"/>
+                    </a:lnBlToTr>
+                    <a:noFill/>
+                  </a:tcPr>
+                </a:tc>
+                <a:tc>
+                  <a:txBody>
+                    <a:bodyPr/>
+                    <a:lstStyle/>
+                    <a:p>
+                      <a:pPr algn="ctr"/>
+                      <a:endParaRPr lang="en-US" dirty="0"/>
+                    </a:p>
+                  </a:txBody>
+                  <a:tcPr>
+                    <a:lnL w="12700" cap="flat" cmpd="sng" algn="ctr">
+                      <a:solidFill>
+                        <a:schemeClr val="tx1"/>
+                      </a:solidFill>
+                      <a:prstDash val="solid"/>
+                      <a:round/>
+                      <a:headEnd type="none" w="med" len="med"/>
+                      <a:tailEnd type="none" w="med" len="med"/>
+                    </a:lnL>
+                    <a:lnR w="12700" cap="flat" cmpd="sng" algn="ctr">
+                      <a:solidFill>
+                        <a:schemeClr val="tx1"/>
+                      </a:solidFill>
+                      <a:prstDash val="solid"/>
+                      <a:round/>
+                      <a:headEnd type="none" w="med" len="med"/>
+                      <a:tailEnd type="none" w="med" len="med"/>
+                    </a:lnR>
+                    <a:lnT w="12700" cap="flat" cmpd="sng" algn="ctr">
+                      <a:solidFill>
+                        <a:schemeClr val="tx1"/>
+                      </a:solidFill>
+                      <a:prstDash val="solid"/>
+                      <a:round/>
+                      <a:headEnd type="none" w="med" len="med"/>
+                      <a:tailEnd type="none" w="med" len="med"/>
+                    </a:lnT>
+                    <a:lnB w="12700" cap="flat" cmpd="sng" algn="ctr">
+                      <a:solidFill>
+                        <a:schemeClr val="tx1"/>
+                      </a:solidFill>
+                      <a:prstDash val="solid"/>
+                      <a:round/>
+                      <a:headEnd type="none" w="med" len="med"/>
+                      <a:tailEnd type="none" w="med" len="med"/>
+                    </a:lnB>
+                    <a:lnTlToBr w="12700" cmpd="sng">
+                      <a:noFill/>
+                      <a:prstDash val="solid"/>
+                    </a:lnTlToBr>
+                    <a:lnBlToTr w="12700" cmpd="sng">
+                      <a:noFill/>
+                      <a:prstDash val="solid"/>
+                    </a:lnBlToTr>
+                    <a:noFill/>
+                  </a:tcPr>
+                </a:tc>
+                <a:tc>
+                  <a:txBody>
+                    <a:bodyPr/>
+                    <a:lstStyle/>
+                    <a:p>
+                      <a:pPr algn="ctr"/>
+                      <a:endParaRPr lang="en-US" dirty="0"/>
+                    </a:p>
+                  </a:txBody>
+                  <a:tcPr>
+                    <a:lnL w="12700" cap="flat" cmpd="sng" algn="ctr">
+                      <a:solidFill>
+                        <a:schemeClr val="tx1"/>
+                      </a:solidFill>
+                      <a:prstDash val="solid"/>
+                      <a:round/>
+                      <a:headEnd type="none" w="med" len="med"/>
+                      <a:tailEnd type="none" w="med" len="med"/>
+                    </a:lnL>
+                    <a:lnR w="12700" cap="flat" cmpd="sng" algn="ctr">
+                      <a:solidFill>
+                        <a:schemeClr val="tx1"/>
+                      </a:solidFill>
+                      <a:prstDash val="solid"/>
+                      <a:round/>
+                      <a:headEnd type="none" w="med" len="med"/>
+                      <a:tailEnd type="none" w="med" len="med"/>
+                    </a:lnR>
+                    <a:lnT w="12700" cap="flat" cmpd="sng" algn="ctr">
+                      <a:solidFill>
+                        <a:schemeClr val="tx1"/>
+                      </a:solidFill>
+                      <a:prstDash val="solid"/>
+                      <a:round/>
+                      <a:headEnd type="none" w="med" len="med"/>
+                      <a:tailEnd type="none" w="med" len="med"/>
+                    </a:lnT>
+                    <a:lnB w="12700" cap="flat" cmpd="sng" algn="ctr">
+                      <a:solidFill>
+                        <a:schemeClr val="tx1"/>
+                      </a:solidFill>
+                      <a:prstDash val="solid"/>
+                      <a:round/>
+                      <a:headEnd type="none" w="med" len="med"/>
+                      <a:tailEnd type="none" w="med" len="med"/>
+                    </a:lnB>
+                    <a:lnTlToBr w="12700" cmpd="sng">
+                      <a:noFill/>
+                      <a:prstDash val="solid"/>
+                    </a:lnTlToBr>
+                    <a:lnBlToTr w="12700" cmpd="sng">
+                      <a:noFill/>
+                      <a:prstDash val="solid"/>
+                    </a:lnBlToTr>
+                    <a:noFill/>
+                  </a:tcPr>
+                </a:tc>
+              </a:tr>
+              <a:tr h="370840">
+                <a:tc>
+                  <a:txBody>
+                    <a:bodyPr/>
+                    <a:lstStyle/>
+                    <a:p>
+                      <a:r>
+                        <a:rPr lang="en-US" dirty="0" smtClean="0"/>
+                        <a:t>Step 4</a:t>
+                      </a:r>
+                      <a:endParaRPr lang="en-US" dirty="0"/>
+                    </a:p>
+                  </a:txBody>
+                  <a:tcPr>
+                    <a:lnL w="12700" cap="flat" cmpd="sng" algn="ctr">
+                      <a:solidFill>
+                        <a:schemeClr val="tx1"/>
+                      </a:solidFill>
+                      <a:prstDash val="solid"/>
+                      <a:round/>
+                      <a:headEnd type="none" w="med" len="med"/>
+                      <a:tailEnd type="none" w="med" len="med"/>
+                    </a:lnL>
+                    <a:lnR w="12700" cap="flat" cmpd="sng" algn="ctr">
+                      <a:solidFill>
+                        <a:schemeClr val="tx1"/>
+                      </a:solidFill>
+                      <a:prstDash val="solid"/>
+                      <a:round/>
+                      <a:headEnd type="none" w="med" len="med"/>
+                      <a:tailEnd type="none" w="med" len="med"/>
+                    </a:lnR>
+                    <a:lnT w="12700" cap="flat" cmpd="sng" algn="ctr">
+                      <a:solidFill>
+                        <a:schemeClr val="tx1"/>
+                      </a:solidFill>
+                      <a:prstDash val="solid"/>
+                      <a:round/>
+                      <a:headEnd type="none" w="med" len="med"/>
+                      <a:tailEnd type="none" w="med" len="med"/>
+                    </a:lnT>
+                    <a:lnB w="12700" cap="flat" cmpd="sng" algn="ctr">
+                      <a:solidFill>
+                        <a:schemeClr val="tx1"/>
+                      </a:solidFill>
+                      <a:prstDash val="solid"/>
+                      <a:round/>
+                      <a:headEnd type="none" w="med" len="med"/>
+                      <a:tailEnd type="none" w="med" len="med"/>
+                    </a:lnB>
+                    <a:lnTlToBr w="12700" cmpd="sng">
+                      <a:noFill/>
+                      <a:prstDash val="solid"/>
+                    </a:lnTlToBr>
+                    <a:lnBlToTr w="12700" cmpd="sng">
+                      <a:noFill/>
+                      <a:prstDash val="solid"/>
+                    </a:lnBlToTr>
+                    <a:noFill/>
+                  </a:tcPr>
+                </a:tc>
+                <a:tc>
+                  <a:txBody>
+                    <a:bodyPr/>
+                    <a:lstStyle/>
+                    <a:p>
+                      <a:pPr algn="ctr"/>
+                      <a:r>
+                        <a:rPr lang="en-US" dirty="0" smtClean="0"/>
+                        <a:t>0100</a:t>
+                      </a:r>
+                      <a:endParaRPr lang="en-US" dirty="0"/>
+                    </a:p>
+                  </a:txBody>
+                  <a:tcPr>
+                    <a:lnL w="12700" cap="flat" cmpd="sng" algn="ctr">
+                      <a:solidFill>
+                        <a:schemeClr val="tx1"/>
+                      </a:solidFill>
+                      <a:prstDash val="solid"/>
+                      <a:round/>
+                      <a:headEnd type="none" w="med" len="med"/>
+                      <a:tailEnd type="none" w="med" len="med"/>
+                    </a:lnL>
+                    <a:lnR w="12700" cap="flat" cmpd="sng" algn="ctr">
+                      <a:solidFill>
+                        <a:schemeClr val="tx1"/>
+                      </a:solidFill>
+                      <a:prstDash val="solid"/>
+                      <a:round/>
+                      <a:headEnd type="none" w="med" len="med"/>
+                      <a:tailEnd type="none" w="med" len="med"/>
+                    </a:lnR>
+                    <a:lnT w="12700" cap="flat" cmpd="sng" algn="ctr">
+                      <a:solidFill>
+                        <a:schemeClr val="tx1"/>
+                      </a:solidFill>
+                      <a:prstDash val="solid"/>
+                      <a:round/>
+                      <a:headEnd type="none" w="med" len="med"/>
+                      <a:tailEnd type="none" w="med" len="med"/>
+                    </a:lnT>
+                    <a:lnB w="12700" cap="flat" cmpd="sng" algn="ctr">
+                      <a:solidFill>
+                        <a:schemeClr val="tx1"/>
+                      </a:solidFill>
+                      <a:prstDash val="solid"/>
+                      <a:round/>
+                      <a:headEnd type="none" w="med" len="med"/>
+                      <a:tailEnd type="none" w="med" len="med"/>
+                    </a:lnB>
+                    <a:lnTlToBr w="12700" cmpd="sng">
+                      <a:noFill/>
+                      <a:prstDash val="solid"/>
+                    </a:lnTlToBr>
+                    <a:lnBlToTr w="12700" cmpd="sng">
+                      <a:noFill/>
+                      <a:prstDash val="solid"/>
+                    </a:lnBlToTr>
+                    <a:noFill/>
+                  </a:tcPr>
+                </a:tc>
+                <a:tc>
+                  <a:txBody>
+                    <a:bodyPr/>
+                    <a:lstStyle/>
+                    <a:p>
+                      <a:pPr algn="ctr"/>
+                      <a:r>
+                        <a:rPr lang="en-US" dirty="0" smtClean="0"/>
+                        <a:t>1111</a:t>
+                      </a:r>
+                      <a:endParaRPr lang="en-US" dirty="0"/>
+                    </a:p>
+                  </a:txBody>
+                  <a:tcPr>
+                    <a:lnL w="12700" cap="flat" cmpd="sng" algn="ctr">
+                      <a:solidFill>
+                        <a:schemeClr val="tx1"/>
+                      </a:solidFill>
+                      <a:prstDash val="solid"/>
+                      <a:round/>
+                      <a:headEnd type="none" w="med" len="med"/>
+                      <a:tailEnd type="none" w="med" len="med"/>
+                    </a:lnL>
+                    <a:lnR w="12700" cap="flat" cmpd="sng" algn="ctr">
+                      <a:solidFill>
+                        <a:schemeClr val="tx1"/>
+                      </a:solidFill>
+                      <a:prstDash val="solid"/>
+                      <a:round/>
+                      <a:headEnd type="none" w="med" len="med"/>
+                      <a:tailEnd type="none" w="med" len="med"/>
+                    </a:lnR>
+                    <a:lnT w="12700" cap="flat" cmpd="sng" algn="ctr">
+                      <a:solidFill>
+                        <a:schemeClr val="tx1"/>
+                      </a:solidFill>
+                      <a:prstDash val="solid"/>
+                      <a:round/>
+                      <a:headEnd type="none" w="med" len="med"/>
+                      <a:tailEnd type="none" w="med" len="med"/>
+                    </a:lnT>
+                    <a:lnB w="12700" cap="flat" cmpd="sng" algn="ctr">
+                      <a:solidFill>
+                        <a:schemeClr val="tx1"/>
+                      </a:solidFill>
+                      <a:prstDash val="solid"/>
+                      <a:round/>
+                      <a:headEnd type="none" w="med" len="med"/>
+                      <a:tailEnd type="none" w="med" len="med"/>
+                    </a:lnB>
+                    <a:lnTlToBr w="12700" cmpd="sng">
+                      <a:noFill/>
+                      <a:prstDash val="solid"/>
+                    </a:lnTlToBr>
+                    <a:lnBlToTr w="12700" cmpd="sng">
+                      <a:noFill/>
+                      <a:prstDash val="solid"/>
+                    </a:lnBlToTr>
+                    <a:noFill/>
+                  </a:tcPr>
+                </a:tc>
+                <a:tc>
+                  <a:txBody>
+                    <a:bodyPr/>
+                    <a:lstStyle/>
+                    <a:p>
+                      <a:pPr algn="ctr"/>
+                      <a:r>
+                        <a:rPr lang="en-US" dirty="0" smtClean="0"/>
+                        <a:t>1010</a:t>
+                      </a:r>
+                      <a:endParaRPr lang="en-US" dirty="0"/>
+                    </a:p>
+                  </a:txBody>
+                  <a:tcPr>
+                    <a:lnL w="12700" cap="flat" cmpd="sng" algn="ctr">
+                      <a:solidFill>
+                        <a:schemeClr val="tx1"/>
+                      </a:solidFill>
+                      <a:prstDash val="solid"/>
+                      <a:round/>
+                      <a:headEnd type="none" w="med" len="med"/>
+                      <a:tailEnd type="none" w="med" len="med"/>
+                    </a:lnL>
+                    <a:lnR w="12700" cap="flat" cmpd="sng" algn="ctr">
+                      <a:solidFill>
+                        <a:schemeClr val="tx1"/>
+                      </a:solidFill>
+                      <a:prstDash val="solid"/>
+                      <a:round/>
+                      <a:headEnd type="none" w="med" len="med"/>
+                      <a:tailEnd type="none" w="med" len="med"/>
+                    </a:lnR>
+                    <a:lnT w="12700" cap="flat" cmpd="sng" algn="ctr">
+                      <a:solidFill>
+                        <a:schemeClr val="tx1"/>
+                      </a:solidFill>
+                      <a:prstDash val="solid"/>
+                      <a:round/>
+                      <a:headEnd type="none" w="med" len="med"/>
+                      <a:tailEnd type="none" w="med" len="med"/>
+                    </a:lnT>
+                    <a:lnB w="12700" cap="flat" cmpd="sng" algn="ctr">
+                      <a:solidFill>
+                        <a:schemeClr val="tx1"/>
+                      </a:solidFill>
+                      <a:prstDash val="solid"/>
+                      <a:round/>
+                      <a:headEnd type="none" w="med" len="med"/>
+                      <a:tailEnd type="none" w="med" len="med"/>
+                    </a:lnB>
+                    <a:lnTlToBr w="12700" cmpd="sng">
+                      <a:noFill/>
+                      <a:prstDash val="solid"/>
+                    </a:lnTlToBr>
+                    <a:lnBlToTr w="12700" cmpd="sng">
+                      <a:noFill/>
+                      <a:prstDash val="solid"/>
+                    </a:lnBlToTr>
+                    <a:noFill/>
+                  </a:tcPr>
+                </a:tc>
+              </a:tr>
+              <a:tr h="370840">
+                <a:tc>
+                  <a:txBody>
+                    <a:bodyPr/>
+                    <a:lstStyle/>
+                    <a:p>
+                      <a:endParaRPr lang="en-US" dirty="0"/>
+                    </a:p>
+                  </a:txBody>
+                  <a:tcPr>
+                    <a:lnL w="12700" cap="flat" cmpd="sng" algn="ctr">
+                      <a:solidFill>
+                        <a:schemeClr val="tx1"/>
+                      </a:solidFill>
+                      <a:prstDash val="solid"/>
+                      <a:round/>
+                      <a:headEnd type="none" w="med" len="med"/>
+                      <a:tailEnd type="none" w="med" len="med"/>
+                    </a:lnL>
+                    <a:lnR w="12700" cap="flat" cmpd="sng" algn="ctr">
+                      <a:solidFill>
+                        <a:schemeClr val="tx1"/>
+                      </a:solidFill>
+                      <a:prstDash val="solid"/>
+                      <a:round/>
+                      <a:headEnd type="none" w="med" len="med"/>
+                      <a:tailEnd type="none" w="med" len="med"/>
+                    </a:lnR>
+                    <a:lnT w="12700" cap="flat" cmpd="sng" algn="ctr">
+                      <a:solidFill>
+                        <a:schemeClr val="tx1"/>
+                      </a:solidFill>
+                      <a:prstDash val="solid"/>
+                      <a:round/>
+                      <a:headEnd type="none" w="med" len="med"/>
+                      <a:tailEnd type="none" w="med" len="med"/>
+                    </a:lnT>
+                    <a:lnB w="12700" cap="flat" cmpd="sng" algn="ctr">
+                      <a:solidFill>
+                        <a:schemeClr val="tx1"/>
+                      </a:solidFill>
+                      <a:prstDash val="solid"/>
+                      <a:round/>
+                      <a:headEnd type="none" w="med" len="med"/>
+                      <a:tailEnd type="none" w="med" len="med"/>
+                    </a:lnB>
+                    <a:lnTlToBr w="12700" cmpd="sng">
+                      <a:noFill/>
+                      <a:prstDash val="solid"/>
+                    </a:lnTlToBr>
+                    <a:lnBlToTr w="12700" cmpd="sng">
+                      <a:noFill/>
+                      <a:prstDash val="solid"/>
+                    </a:lnBlToTr>
+                    <a:noFill/>
+                  </a:tcPr>
+                </a:tc>
+                <a:tc gridSpan="3">
+                  <a:txBody>
+                    <a:bodyPr/>
+                    <a:lstStyle/>
+                    <a:p>
+                      <a:pPr algn="ctr"/>
+                      <a:endParaRPr lang="en-US" dirty="0"/>
+                    </a:p>
+                  </a:txBody>
+                  <a:tcPr>
+                    <a:lnL w="12700" cap="flat" cmpd="sng" algn="ctr">
+                      <a:solidFill>
+                        <a:schemeClr val="tx1"/>
+                      </a:solidFill>
+                      <a:prstDash val="solid"/>
+                      <a:round/>
+                      <a:headEnd type="none" w="med" len="med"/>
+                      <a:tailEnd type="none" w="med" len="med"/>
+                    </a:lnL>
+                    <a:lnR w="12700" cap="flat" cmpd="sng" algn="ctr">
+                      <a:solidFill>
+                        <a:schemeClr val="tx1"/>
+                      </a:solidFill>
+                      <a:prstDash val="solid"/>
+                      <a:round/>
+                      <a:headEnd type="none" w="med" len="med"/>
+                      <a:tailEnd type="none" w="med" len="med"/>
+                    </a:lnR>
+                    <a:lnT w="12700" cap="flat" cmpd="sng" algn="ctr">
+                      <a:solidFill>
+                        <a:schemeClr val="tx1"/>
+                      </a:solidFill>
+                      <a:prstDash val="solid"/>
+                      <a:round/>
+                      <a:headEnd type="none" w="med" len="med"/>
+                      <a:tailEnd type="none" w="med" len="med"/>
+                    </a:lnT>
+                    <a:lnB w="12700" cap="flat" cmpd="sng" algn="ctr">
+                      <a:solidFill>
+                        <a:schemeClr val="tx1"/>
+                      </a:solidFill>
+                      <a:prstDash val="solid"/>
+                      <a:round/>
+                      <a:headEnd type="none" w="med" len="med"/>
+                      <a:tailEnd type="none" w="med" len="med"/>
+                    </a:lnB>
+                    <a:lnTlToBr w="12700" cmpd="sng">
+                      <a:noFill/>
+                      <a:prstDash val="solid"/>
+                    </a:lnTlToBr>
+                    <a:lnBlToTr w="12700" cmpd="sng">
+                      <a:noFill/>
+                      <a:prstDash val="solid"/>
+                    </a:lnBlToTr>
+                    <a:noFill/>
+                  </a:tcPr>
+                </a:tc>
+                <a:tc hMerge="1">
+                  <a:txBody>
+                    <a:bodyPr/>
+                    <a:lstStyle/>
+                    <a:p>
+                      <a:endParaRPr lang="en-US"/>
+                    </a:p>
+                  </a:txBody>
+                  <a:tcPr/>
+                </a:tc>
+                <a:tc hMerge="1">
+                  <a:txBody>
+                    <a:bodyPr/>
+                    <a:lstStyle/>
+                    <a:p>
+                      <a:endParaRPr lang="en-US"/>
+                    </a:p>
+                  </a:txBody>
+                  <a:tcPr/>
+                </a:tc>
+              </a:tr>
+              <a:tr h="370840">
+                <a:tc>
+                  <a:txBody>
+                    <a:bodyPr/>
+                    <a:lstStyle/>
+                    <a:p>
+                      <a:r>
+                        <a:rPr lang="en-US" dirty="0" smtClean="0"/>
+                        <a:t>Step</a:t>
+                      </a:r>
+                      <a:r>
+                        <a:rPr lang="en-US" baseline="0" dirty="0" smtClean="0"/>
+                        <a:t> 5</a:t>
+                      </a:r>
+                      <a:endParaRPr lang="en-US" dirty="0"/>
+                    </a:p>
+                  </a:txBody>
+                  <a:tcPr>
+                    <a:lnL w="12700" cap="flat" cmpd="sng" algn="ctr">
+                      <a:solidFill>
+                        <a:schemeClr val="tx1"/>
+                      </a:solidFill>
+                      <a:prstDash val="solid"/>
+                      <a:round/>
+                      <a:headEnd type="none" w="med" len="med"/>
+                      <a:tailEnd type="none" w="med" len="med"/>
+                    </a:lnL>
+                    <a:lnR w="12700" cap="flat" cmpd="sng" algn="ctr">
+                      <a:solidFill>
+                        <a:schemeClr val="tx1"/>
+                      </a:solidFill>
+                      <a:prstDash val="solid"/>
+                      <a:round/>
+                      <a:headEnd type="none" w="med" len="med"/>
+                      <a:tailEnd type="none" w="med" len="med"/>
+                    </a:lnR>
+                    <a:lnT w="12700" cap="flat" cmpd="sng" algn="ctr">
+                      <a:solidFill>
+                        <a:schemeClr val="tx1"/>
+                      </a:solidFill>
+                      <a:prstDash val="solid"/>
+                      <a:round/>
+                      <a:headEnd type="none" w="med" len="med"/>
+                      <a:tailEnd type="none" w="med" len="med"/>
+                    </a:lnT>
+                    <a:lnB w="12700" cap="flat" cmpd="sng" algn="ctr">
+                      <a:solidFill>
+                        <a:schemeClr val="tx1"/>
+                      </a:solidFill>
+                      <a:prstDash val="solid"/>
+                      <a:round/>
+                      <a:headEnd type="none" w="med" len="med"/>
+                      <a:tailEnd type="none" w="med" len="med"/>
+                    </a:lnB>
+                    <a:lnTlToBr w="12700" cmpd="sng">
+                      <a:noFill/>
+                      <a:prstDash val="solid"/>
+                    </a:lnTlToBr>
+                    <a:lnBlToTr w="12700" cmpd="sng">
+                      <a:noFill/>
+                      <a:prstDash val="solid"/>
+                    </a:lnBlToTr>
+                    <a:noFill/>
+                  </a:tcPr>
+                </a:tc>
+                <a:tc gridSpan="3">
+                  <a:txBody>
+                    <a:bodyPr/>
+                    <a:lstStyle/>
+                    <a:p>
+                      <a:pPr algn="ctr"/>
+                      <a:r>
+                        <a:rPr lang="en-US" dirty="0" smtClean="0"/>
+                        <a:t>(4FA)</a:t>
+                      </a:r>
+                      <a:r>
+                        <a:rPr lang="en-US" baseline="-25000" dirty="0" smtClean="0"/>
+                        <a:t>16</a:t>
+                      </a:r>
+                      <a:r>
+                        <a:rPr lang="en-US" dirty="0" smtClean="0"/>
+                        <a:t> = (10011111010)</a:t>
+                      </a:r>
+                      <a:r>
+                        <a:rPr lang="en-US" baseline="-25000" dirty="0" smtClean="0"/>
+                        <a:t>2</a:t>
+                      </a:r>
+                      <a:endParaRPr lang="en-US" dirty="0"/>
+                    </a:p>
+                  </a:txBody>
+                  <a:tcPr>
+                    <a:lnL w="12700" cap="flat" cmpd="sng" algn="ctr">
+                      <a:solidFill>
+                        <a:schemeClr val="tx1"/>
+                      </a:solidFill>
+                      <a:prstDash val="solid"/>
+                      <a:round/>
+                      <a:headEnd type="none" w="med" len="med"/>
+                      <a:tailEnd type="none" w="med" len="med"/>
+                    </a:lnL>
+                    <a:lnR w="12700" cap="flat" cmpd="sng" algn="ctr">
+                      <a:solidFill>
+                        <a:schemeClr val="tx1"/>
+                      </a:solidFill>
+                      <a:prstDash val="solid"/>
+                      <a:round/>
+                      <a:headEnd type="none" w="med" len="med"/>
+                      <a:tailEnd type="none" w="med" len="med"/>
+                    </a:lnR>
+                    <a:lnT w="12700" cap="flat" cmpd="sng" algn="ctr">
+                      <a:solidFill>
+                        <a:schemeClr val="tx1"/>
+                      </a:solidFill>
+                      <a:prstDash val="solid"/>
+                      <a:round/>
+                      <a:headEnd type="none" w="med" len="med"/>
+                      <a:tailEnd type="none" w="med" len="med"/>
+                    </a:lnT>
+                    <a:lnB w="12700" cap="flat" cmpd="sng" algn="ctr">
+                      <a:solidFill>
+                        <a:schemeClr val="tx1"/>
+                      </a:solidFill>
+                      <a:prstDash val="solid"/>
+                      <a:round/>
+                      <a:headEnd type="none" w="med" len="med"/>
+                      <a:tailEnd type="none" w="med" len="med"/>
+                    </a:lnB>
+                    <a:lnTlToBr w="12700" cmpd="sng">
+                      <a:noFill/>
+                      <a:prstDash val="solid"/>
+                    </a:lnTlToBr>
+                    <a:lnBlToTr w="12700" cmpd="sng">
+                      <a:noFill/>
+                      <a:prstDash val="solid"/>
+                    </a:lnBlToTr>
+                    <a:noFill/>
+                  </a:tcPr>
+                </a:tc>
+                <a:tc hMerge="1">
+                  <a:txBody>
+                    <a:bodyPr/>
+                    <a:lstStyle/>
+                    <a:p>
+                      <a:endParaRPr lang="en-US" dirty="0"/>
+                    </a:p>
+                  </a:txBody>
+                  <a:tcPr>
+                    <a:lnL w="12700" cap="flat" cmpd="sng" algn="ctr">
+                      <a:solidFill>
+                        <a:schemeClr val="tx1"/>
+                      </a:solidFill>
+                      <a:prstDash val="solid"/>
+                      <a:round/>
+                      <a:headEnd type="none" w="med" len="med"/>
+                      <a:tailEnd type="none" w="med" len="med"/>
+                    </a:lnL>
+                    <a:lnR w="12700" cap="flat" cmpd="sng" algn="ctr">
+                      <a:solidFill>
+                        <a:schemeClr val="tx1"/>
+                      </a:solidFill>
+                      <a:prstDash val="solid"/>
+                      <a:round/>
+                      <a:headEnd type="none" w="med" len="med"/>
+                      <a:tailEnd type="none" w="med" len="med"/>
+                    </a:lnR>
+                    <a:lnT w="12700" cap="flat" cmpd="sng" algn="ctr">
+                      <a:solidFill>
+                        <a:schemeClr val="tx1"/>
+                      </a:solidFill>
+                      <a:prstDash val="solid"/>
+                      <a:round/>
+                      <a:headEnd type="none" w="med" len="med"/>
+                      <a:tailEnd type="none" w="med" len="med"/>
+                    </a:lnT>
+                    <a:lnB w="12700" cap="flat" cmpd="sng" algn="ctr">
+                      <a:solidFill>
+                        <a:schemeClr val="tx1"/>
+                      </a:solidFill>
+                      <a:prstDash val="solid"/>
+                      <a:round/>
+                      <a:headEnd type="none" w="med" len="med"/>
+                      <a:tailEnd type="none" w="med" len="med"/>
+                    </a:lnB>
+                    <a:noFill/>
+                  </a:tcPr>
+                </a:tc>
+                <a:tc hMerge="1">
+                  <a:txBody>
+                    <a:bodyPr/>
+                    <a:lstStyle/>
+                    <a:p>
+                      <a:endParaRPr lang="en-US" dirty="0"/>
+                    </a:p>
+                  </a:txBody>
+                  <a:tcPr>
+                    <a:lnL w="12700" cap="flat" cmpd="sng" algn="ctr">
+                      <a:solidFill>
+                        <a:schemeClr val="tx1"/>
+                      </a:solidFill>
+                      <a:prstDash val="solid"/>
+                      <a:round/>
+                      <a:headEnd type="none" w="med" len="med"/>
+                      <a:tailEnd type="none" w="med" len="med"/>
+                    </a:lnL>
+                    <a:lnR w="12700" cap="flat" cmpd="sng" algn="ctr">
+                      <a:solidFill>
+                        <a:schemeClr val="tx1"/>
+                      </a:solidFill>
+                      <a:prstDash val="solid"/>
+                      <a:round/>
+                      <a:headEnd type="none" w="med" len="med"/>
+                      <a:tailEnd type="none" w="med" len="med"/>
+                    </a:lnR>
+                    <a:lnT w="12700" cap="flat" cmpd="sng" algn="ctr">
+                      <a:solidFill>
+                        <a:schemeClr val="tx1"/>
+                      </a:solidFill>
+                      <a:prstDash val="solid"/>
+                      <a:round/>
+                      <a:headEnd type="none" w="med" len="med"/>
+                      <a:tailEnd type="none" w="med" len="med"/>
+                    </a:lnT>
+                    <a:lnB w="12700" cap="flat" cmpd="sng" algn="ctr">
+                      <a:solidFill>
+                        <a:schemeClr val="tx1"/>
+                      </a:solidFill>
+                      <a:prstDash val="solid"/>
+                      <a:round/>
+                      <a:headEnd type="none" w="med" len="med"/>
+                      <a:tailEnd type="none" w="med" len="med"/>
+                    </a:lnB>
+                    <a:noFill/>
+                  </a:tcPr>
+                </a:tc>
+              </a:tr>
+            </a:tbl>
+          </a:graphicData>
+        </a:graphic>
+      </p:graphicFrame>
+    </p:spTree>
+    <p:extLst>
+      <p:ext uri="{BB962C8B-B14F-4D97-AF65-F5344CB8AC3E}">
+        <p14:creationId xmlns:p14="http://schemas.microsoft.com/office/powerpoint/2010/main" val="2859607804"/>
       </p:ext>
     </p:extLst>
   </p:cSld>
